--- a/trunk/P2 project Bag Packer Program.pptx
+++ b/trunk/P2 project Bag Packer Program.pptx
@@ -2,8 +2,11 @@
 <file path=ppt/presentation.xml><?xml version="1.0" encoding="utf-8"?>
 <p:presentation xmlns:a="http://schemas.openxmlformats.org/drawingml/2006/main" xmlns:r="http://schemas.openxmlformats.org/officeDocument/2006/relationships" xmlns:p="http://schemas.openxmlformats.org/presentationml/2006/main" saveSubsetFonts="1">
   <p:sldMasterIdLst>
-    <p:sldMasterId id="2147483648" r:id="rId1"/>
+    <p:sldMasterId id="2147483660" r:id="rId1"/>
   </p:sldMasterIdLst>
+  <p:notesMasterIdLst>
+    <p:notesMasterId r:id="rId21"/>
+  </p:notesMasterIdLst>
   <p:sldIdLst>
     <p:sldId id="256" r:id="rId2"/>
     <p:sldId id="257" r:id="rId3"/>
@@ -125,9 +128,14 @@
 </p:presentation>
 </file>
 
-<file path=ppt/slideLayouts/slideLayout1.xml><?xml version="1.0" encoding="utf-8"?>
-<p:sldLayout xmlns:a="http://schemas.openxmlformats.org/drawingml/2006/main" xmlns:r="http://schemas.openxmlformats.org/officeDocument/2006/relationships" xmlns:p="http://schemas.openxmlformats.org/presentationml/2006/main" type="title" preserve="1">
-  <p:cSld name="Titeldias">
+<file path=ppt/notesMasters/notesMaster1.xml><?xml version="1.0" encoding="utf-8"?>
+<p:notesMaster xmlns:a="http://schemas.openxmlformats.org/drawingml/2006/main" xmlns:r="http://schemas.openxmlformats.org/officeDocument/2006/relationships" xmlns:p="http://schemas.openxmlformats.org/presentationml/2006/main">
+  <p:cSld>
+    <p:bg>
+      <p:bgRef idx="1001">
+        <a:schemeClr val="bg1"/>
+      </p:bgRef>
+    </p:bg>
     <p:spTree>
       <p:nvGrpSpPr>
         <p:cNvPr id="1" name=""/>
@@ -144,154 +152,1987 @@
       </p:grpSpPr>
       <p:sp>
         <p:nvSpPr>
-          <p:cNvPr id="2" name="Titel 1"/>
-          <p:cNvSpPr>
-            <a:spLocks noGrp="1"/>
-          </p:cNvSpPr>
-          <p:nvPr>
-            <p:ph type="ctrTitle"/>
+          <p:cNvPr id="2" name="Pladsholder til sidehoved 1"/>
+          <p:cNvSpPr>
+            <a:spLocks noGrp="1"/>
+          </p:cNvSpPr>
+          <p:nvPr>
+            <p:ph type="hdr" sz="quarter"/>
           </p:nvPr>
         </p:nvSpPr>
         <p:spPr>
           <a:xfrm>
-            <a:off x="685800" y="2130425"/>
-            <a:ext cx="7772400" cy="1470025"/>
+            <a:off x="0" y="0"/>
+            <a:ext cx="2971800" cy="457200"/>
+          </a:xfrm>
+          <a:prstGeom prst="rect">
+            <a:avLst/>
+          </a:prstGeom>
+        </p:spPr>
+        <p:txBody>
+          <a:bodyPr vert="horz" lIns="91440" tIns="45720" rIns="91440" bIns="45720" rtlCol="0"/>
+          <a:lstStyle>
+            <a:lvl1pPr algn="l">
+              <a:defRPr sz="1200"/>
+            </a:lvl1pPr>
+          </a:lstStyle>
+          <a:p>
+            <a:endParaRPr lang="da-DK"/>
+          </a:p>
+        </p:txBody>
+      </p:sp>
+      <p:sp>
+        <p:nvSpPr>
+          <p:cNvPr id="3" name="Pladsholder til dato 2"/>
+          <p:cNvSpPr>
+            <a:spLocks noGrp="1"/>
+          </p:cNvSpPr>
+          <p:nvPr>
+            <p:ph type="dt" idx="1"/>
+          </p:nvPr>
+        </p:nvSpPr>
+        <p:spPr>
+          <a:xfrm>
+            <a:off x="3884613" y="0"/>
+            <a:ext cx="2971800" cy="457200"/>
+          </a:xfrm>
+          <a:prstGeom prst="rect">
+            <a:avLst/>
+          </a:prstGeom>
+        </p:spPr>
+        <p:txBody>
+          <a:bodyPr vert="horz" lIns="91440" tIns="45720" rIns="91440" bIns="45720" rtlCol="0"/>
+          <a:lstStyle>
+            <a:lvl1pPr algn="r">
+              <a:defRPr sz="1200"/>
+            </a:lvl1pPr>
+          </a:lstStyle>
+          <a:p>
+            <a:fld id="{C7EFB693-66A7-41F6-9571-1199ADF1B2C0}" type="datetimeFigureOut">
+              <a:rPr lang="da-DK" smtClean="0"/>
+              <a:t>11-06-2012</a:t>
+            </a:fld>
+            <a:endParaRPr lang="da-DK"/>
+          </a:p>
+        </p:txBody>
+      </p:sp>
+      <p:sp>
+        <p:nvSpPr>
+          <p:cNvPr id="4" name="Pladsholder til diasbillede 3"/>
+          <p:cNvSpPr>
+            <a:spLocks noGrp="1" noRot="1" noChangeAspect="1"/>
+          </p:cNvSpPr>
+          <p:nvPr>
+            <p:ph type="sldImg" idx="2"/>
+          </p:nvPr>
+        </p:nvSpPr>
+        <p:spPr>
+          <a:xfrm>
+            <a:off x="1143000" y="685800"/>
+            <a:ext cx="4572000" cy="3429000"/>
+          </a:xfrm>
+          <a:prstGeom prst="rect">
+            <a:avLst/>
+          </a:prstGeom>
+          <a:noFill/>
+          <a:ln w="12700">
+            <a:solidFill>
+              <a:prstClr val="black"/>
+            </a:solidFill>
+          </a:ln>
+        </p:spPr>
+        <p:txBody>
+          <a:bodyPr vert="horz" lIns="91440" tIns="45720" rIns="91440" bIns="45720" rtlCol="0" anchor="ctr"/>
+          <a:lstStyle/>
+          <a:p>
+            <a:endParaRPr lang="da-DK"/>
+          </a:p>
+        </p:txBody>
+      </p:sp>
+      <p:sp>
+        <p:nvSpPr>
+          <p:cNvPr id="5" name="Pladsholder til noter 4"/>
+          <p:cNvSpPr>
+            <a:spLocks noGrp="1"/>
+          </p:cNvSpPr>
+          <p:nvPr>
+            <p:ph type="body" sz="quarter" idx="3"/>
+          </p:nvPr>
+        </p:nvSpPr>
+        <p:spPr>
+          <a:xfrm>
+            <a:off x="685800" y="4343400"/>
+            <a:ext cx="5486400" cy="4114800"/>
+          </a:xfrm>
+          <a:prstGeom prst="rect">
+            <a:avLst/>
+          </a:prstGeom>
+        </p:spPr>
+        <p:txBody>
+          <a:bodyPr vert="horz" lIns="91440" tIns="45720" rIns="91440" bIns="45720" rtlCol="0"/>
+          <a:lstStyle/>
+          <a:p>
+            <a:pPr lvl="0"/>
+            <a:r>
+              <a:rPr lang="da-DK" smtClean="0"/>
+              <a:t>Klik for at redigere i master</a:t>
+            </a:r>
+          </a:p>
+          <a:p>
+            <a:pPr lvl="1"/>
+            <a:r>
+              <a:rPr lang="da-DK" smtClean="0"/>
+              <a:t>Andet niveau</a:t>
+            </a:r>
+          </a:p>
+          <a:p>
+            <a:pPr lvl="2"/>
+            <a:r>
+              <a:rPr lang="da-DK" smtClean="0"/>
+              <a:t>Tredje niveau</a:t>
+            </a:r>
+          </a:p>
+          <a:p>
+            <a:pPr lvl="3"/>
+            <a:r>
+              <a:rPr lang="da-DK" smtClean="0"/>
+              <a:t>Fjerde niveau</a:t>
+            </a:r>
+          </a:p>
+          <a:p>
+            <a:pPr lvl="4"/>
+            <a:r>
+              <a:rPr lang="da-DK" smtClean="0"/>
+              <a:t>Femte niveau</a:t>
+            </a:r>
+            <a:endParaRPr lang="da-DK"/>
+          </a:p>
+        </p:txBody>
+      </p:sp>
+      <p:sp>
+        <p:nvSpPr>
+          <p:cNvPr id="6" name="Pladsholder til sidefod 5"/>
+          <p:cNvSpPr>
+            <a:spLocks noGrp="1"/>
+          </p:cNvSpPr>
+          <p:nvPr>
+            <p:ph type="ftr" sz="quarter" idx="4"/>
+          </p:nvPr>
+        </p:nvSpPr>
+        <p:spPr>
+          <a:xfrm>
+            <a:off x="0" y="8685213"/>
+            <a:ext cx="2971800" cy="457200"/>
+          </a:xfrm>
+          <a:prstGeom prst="rect">
+            <a:avLst/>
+          </a:prstGeom>
+        </p:spPr>
+        <p:txBody>
+          <a:bodyPr vert="horz" lIns="91440" tIns="45720" rIns="91440" bIns="45720" rtlCol="0" anchor="b"/>
+          <a:lstStyle>
+            <a:lvl1pPr algn="l">
+              <a:defRPr sz="1200"/>
+            </a:lvl1pPr>
+          </a:lstStyle>
+          <a:p>
+            <a:endParaRPr lang="da-DK"/>
+          </a:p>
+        </p:txBody>
+      </p:sp>
+      <p:sp>
+        <p:nvSpPr>
+          <p:cNvPr id="7" name="Pladsholder til diasnummer 6"/>
+          <p:cNvSpPr>
+            <a:spLocks noGrp="1"/>
+          </p:cNvSpPr>
+          <p:nvPr>
+            <p:ph type="sldNum" sz="quarter" idx="5"/>
+          </p:nvPr>
+        </p:nvSpPr>
+        <p:spPr>
+          <a:xfrm>
+            <a:off x="3884613" y="8685213"/>
+            <a:ext cx="2971800" cy="457200"/>
+          </a:xfrm>
+          <a:prstGeom prst="rect">
+            <a:avLst/>
+          </a:prstGeom>
+        </p:spPr>
+        <p:txBody>
+          <a:bodyPr vert="horz" lIns="91440" tIns="45720" rIns="91440" bIns="45720" rtlCol="0" anchor="b"/>
+          <a:lstStyle>
+            <a:lvl1pPr algn="r">
+              <a:defRPr sz="1200"/>
+            </a:lvl1pPr>
+          </a:lstStyle>
+          <a:p>
+            <a:fld id="{695A5EAE-DCAC-445C-853E-A9B72C5FA05B}" type="slidenum">
+              <a:rPr lang="da-DK" smtClean="0"/>
+              <a:t>‹nr.›</a:t>
+            </a:fld>
+            <a:endParaRPr lang="da-DK"/>
+          </a:p>
+        </p:txBody>
+      </p:sp>
+    </p:spTree>
+    <p:extLst>
+      <p:ext uri="{BB962C8B-B14F-4D97-AF65-F5344CB8AC3E}">
+        <p14:creationId xmlns:p14="http://schemas.microsoft.com/office/powerpoint/2010/main" val="3610009227"/>
+      </p:ext>
+    </p:extLst>
+  </p:cSld>
+  <p:clrMap bg1="lt1" tx1="dk1" bg2="lt2" tx2="dk2" accent1="accent1" accent2="accent2" accent3="accent3" accent4="accent4" accent5="accent5" accent6="accent6" hlink="hlink" folHlink="folHlink"/>
+  <p:notesStyle>
+    <a:lvl1pPr marL="0" algn="l" defTabSz="914400" rtl="0" eaLnBrk="1" latinLnBrk="0" hangingPunct="1">
+      <a:defRPr sz="1200" kern="1200">
+        <a:solidFill>
+          <a:schemeClr val="tx1"/>
+        </a:solidFill>
+        <a:latin typeface="+mn-lt"/>
+        <a:ea typeface="+mn-ea"/>
+        <a:cs typeface="+mn-cs"/>
+      </a:defRPr>
+    </a:lvl1pPr>
+    <a:lvl2pPr marL="457200" algn="l" defTabSz="914400" rtl="0" eaLnBrk="1" latinLnBrk="0" hangingPunct="1">
+      <a:defRPr sz="1200" kern="1200">
+        <a:solidFill>
+          <a:schemeClr val="tx1"/>
+        </a:solidFill>
+        <a:latin typeface="+mn-lt"/>
+        <a:ea typeface="+mn-ea"/>
+        <a:cs typeface="+mn-cs"/>
+      </a:defRPr>
+    </a:lvl2pPr>
+    <a:lvl3pPr marL="914400" algn="l" defTabSz="914400" rtl="0" eaLnBrk="1" latinLnBrk="0" hangingPunct="1">
+      <a:defRPr sz="1200" kern="1200">
+        <a:solidFill>
+          <a:schemeClr val="tx1"/>
+        </a:solidFill>
+        <a:latin typeface="+mn-lt"/>
+        <a:ea typeface="+mn-ea"/>
+        <a:cs typeface="+mn-cs"/>
+      </a:defRPr>
+    </a:lvl3pPr>
+    <a:lvl4pPr marL="1371600" algn="l" defTabSz="914400" rtl="0" eaLnBrk="1" latinLnBrk="0" hangingPunct="1">
+      <a:defRPr sz="1200" kern="1200">
+        <a:solidFill>
+          <a:schemeClr val="tx1"/>
+        </a:solidFill>
+        <a:latin typeface="+mn-lt"/>
+        <a:ea typeface="+mn-ea"/>
+        <a:cs typeface="+mn-cs"/>
+      </a:defRPr>
+    </a:lvl4pPr>
+    <a:lvl5pPr marL="1828800" algn="l" defTabSz="914400" rtl="0" eaLnBrk="1" latinLnBrk="0" hangingPunct="1">
+      <a:defRPr sz="1200" kern="1200">
+        <a:solidFill>
+          <a:schemeClr val="tx1"/>
+        </a:solidFill>
+        <a:latin typeface="+mn-lt"/>
+        <a:ea typeface="+mn-ea"/>
+        <a:cs typeface="+mn-cs"/>
+      </a:defRPr>
+    </a:lvl5pPr>
+    <a:lvl6pPr marL="2286000" algn="l" defTabSz="914400" rtl="0" eaLnBrk="1" latinLnBrk="0" hangingPunct="1">
+      <a:defRPr sz="1200" kern="1200">
+        <a:solidFill>
+          <a:schemeClr val="tx1"/>
+        </a:solidFill>
+        <a:latin typeface="+mn-lt"/>
+        <a:ea typeface="+mn-ea"/>
+        <a:cs typeface="+mn-cs"/>
+      </a:defRPr>
+    </a:lvl6pPr>
+    <a:lvl7pPr marL="2743200" algn="l" defTabSz="914400" rtl="0" eaLnBrk="1" latinLnBrk="0" hangingPunct="1">
+      <a:defRPr sz="1200" kern="1200">
+        <a:solidFill>
+          <a:schemeClr val="tx1"/>
+        </a:solidFill>
+        <a:latin typeface="+mn-lt"/>
+        <a:ea typeface="+mn-ea"/>
+        <a:cs typeface="+mn-cs"/>
+      </a:defRPr>
+    </a:lvl7pPr>
+    <a:lvl8pPr marL="3200400" algn="l" defTabSz="914400" rtl="0" eaLnBrk="1" latinLnBrk="0" hangingPunct="1">
+      <a:defRPr sz="1200" kern="1200">
+        <a:solidFill>
+          <a:schemeClr val="tx1"/>
+        </a:solidFill>
+        <a:latin typeface="+mn-lt"/>
+        <a:ea typeface="+mn-ea"/>
+        <a:cs typeface="+mn-cs"/>
+      </a:defRPr>
+    </a:lvl8pPr>
+    <a:lvl9pPr marL="3657600" algn="l" defTabSz="914400" rtl="0" eaLnBrk="1" latinLnBrk="0" hangingPunct="1">
+      <a:defRPr sz="1200" kern="1200">
+        <a:solidFill>
+          <a:schemeClr val="tx1"/>
+        </a:solidFill>
+        <a:latin typeface="+mn-lt"/>
+        <a:ea typeface="+mn-ea"/>
+        <a:cs typeface="+mn-cs"/>
+      </a:defRPr>
+    </a:lvl9pPr>
+  </p:notesStyle>
+</p:notesMaster>
+</file>
+
+<file path=ppt/notesSlides/notesSlide1.xml><?xml version="1.0" encoding="utf-8"?>
+<p:notes xmlns:a="http://schemas.openxmlformats.org/drawingml/2006/main" xmlns:r="http://schemas.openxmlformats.org/officeDocument/2006/relationships" xmlns:p="http://schemas.openxmlformats.org/presentationml/2006/main">
+  <p:cSld>
+    <p:spTree>
+      <p:nvGrpSpPr>
+        <p:cNvPr id="1" name=""/>
+        <p:cNvGrpSpPr/>
+        <p:nvPr/>
+      </p:nvGrpSpPr>
+      <p:grpSpPr>
+        <a:xfrm>
+          <a:off x="0" y="0"/>
+          <a:ext cx="0" cy="0"/>
+          <a:chOff x="0" y="0"/>
+          <a:chExt cx="0" cy="0"/>
+        </a:xfrm>
+      </p:grpSpPr>
+      <p:sp>
+        <p:nvSpPr>
+          <p:cNvPr id="2" name="Pladsholder til diasbillede 1"/>
+          <p:cNvSpPr>
+            <a:spLocks noGrp="1" noRot="1" noChangeAspect="1"/>
+          </p:cNvSpPr>
+          <p:nvPr>
+            <p:ph type="sldImg"/>
+          </p:nvPr>
+        </p:nvSpPr>
+        <p:spPr/>
+      </p:sp>
+      <p:sp>
+        <p:nvSpPr>
+          <p:cNvPr id="3" name="Pladsholder til noter 2"/>
+          <p:cNvSpPr>
+            <a:spLocks noGrp="1"/>
+          </p:cNvSpPr>
+          <p:nvPr>
+            <p:ph type="body" idx="1"/>
+          </p:nvPr>
+        </p:nvSpPr>
+        <p:spPr/>
+        <p:txBody>
+          <a:bodyPr/>
+          <a:lstStyle/>
+          <a:p>
+            <a:r>
+              <a:rPr lang="da-DK" dirty="0" err="1" smtClean="0"/>
+              <a:t>Meetski</a:t>
+            </a:r>
+            <a:endParaRPr lang="da-DK" dirty="0"/>
+          </a:p>
+        </p:txBody>
+      </p:sp>
+      <p:sp>
+        <p:nvSpPr>
+          <p:cNvPr id="4" name="Pladsholder til diasnummer 3"/>
+          <p:cNvSpPr>
+            <a:spLocks noGrp="1"/>
+          </p:cNvSpPr>
+          <p:nvPr>
+            <p:ph type="sldNum" sz="quarter" idx="10"/>
+          </p:nvPr>
+        </p:nvSpPr>
+        <p:spPr/>
+        <p:txBody>
+          <a:bodyPr/>
+          <a:lstStyle/>
+          <a:p>
+            <a:fld id="{695A5EAE-DCAC-445C-853E-A9B72C5FA05B}" type="slidenum">
+              <a:rPr lang="da-DK" smtClean="0"/>
+              <a:t>3</a:t>
+            </a:fld>
+            <a:endParaRPr lang="da-DK"/>
+          </a:p>
+        </p:txBody>
+      </p:sp>
+    </p:spTree>
+    <p:extLst>
+      <p:ext uri="{BB962C8B-B14F-4D97-AF65-F5344CB8AC3E}">
+        <p14:creationId xmlns:p14="http://schemas.microsoft.com/office/powerpoint/2010/main" val="3203358604"/>
+      </p:ext>
+    </p:extLst>
+  </p:cSld>
+  <p:clrMapOvr>
+    <a:masterClrMapping/>
+  </p:clrMapOvr>
+</p:notes>
+</file>
+
+<file path=ppt/notesSlides/notesSlide10.xml><?xml version="1.0" encoding="utf-8"?>
+<p:notes xmlns:a="http://schemas.openxmlformats.org/drawingml/2006/main" xmlns:r="http://schemas.openxmlformats.org/officeDocument/2006/relationships" xmlns:p="http://schemas.openxmlformats.org/presentationml/2006/main">
+  <p:cSld>
+    <p:spTree>
+      <p:nvGrpSpPr>
+        <p:cNvPr id="1" name=""/>
+        <p:cNvGrpSpPr/>
+        <p:nvPr/>
+      </p:nvGrpSpPr>
+      <p:grpSpPr>
+        <a:xfrm>
+          <a:off x="0" y="0"/>
+          <a:ext cx="0" cy="0"/>
+          <a:chOff x="0" y="0"/>
+          <a:chExt cx="0" cy="0"/>
+        </a:xfrm>
+      </p:grpSpPr>
+      <p:sp>
+        <p:nvSpPr>
+          <p:cNvPr id="2" name="Pladsholder til diasbillede 1"/>
+          <p:cNvSpPr>
+            <a:spLocks noGrp="1" noRot="1" noChangeAspect="1"/>
+          </p:cNvSpPr>
+          <p:nvPr>
+            <p:ph type="sldImg"/>
+          </p:nvPr>
+        </p:nvSpPr>
+        <p:spPr/>
+      </p:sp>
+      <p:sp>
+        <p:nvSpPr>
+          <p:cNvPr id="3" name="Pladsholder til noter 2"/>
+          <p:cNvSpPr>
+            <a:spLocks noGrp="1"/>
+          </p:cNvSpPr>
+          <p:nvPr>
+            <p:ph type="body" idx="1"/>
+          </p:nvPr>
+        </p:nvSpPr>
+        <p:spPr/>
+        <p:txBody>
+          <a:bodyPr/>
+          <a:lstStyle/>
+          <a:p>
+            <a:r>
+              <a:rPr lang="da-DK" dirty="0" smtClean="0"/>
+              <a:t>Christian den store</a:t>
+            </a:r>
+            <a:endParaRPr lang="da-DK" dirty="0"/>
+          </a:p>
+        </p:txBody>
+      </p:sp>
+      <p:sp>
+        <p:nvSpPr>
+          <p:cNvPr id="4" name="Pladsholder til diasnummer 3"/>
+          <p:cNvSpPr>
+            <a:spLocks noGrp="1"/>
+          </p:cNvSpPr>
+          <p:nvPr>
+            <p:ph type="sldNum" sz="quarter" idx="10"/>
+          </p:nvPr>
+        </p:nvSpPr>
+        <p:spPr/>
+        <p:txBody>
+          <a:bodyPr/>
+          <a:lstStyle/>
+          <a:p>
+            <a:fld id="{695A5EAE-DCAC-445C-853E-A9B72C5FA05B}" type="slidenum">
+              <a:rPr lang="da-DK" smtClean="0"/>
+              <a:t>12</a:t>
+            </a:fld>
+            <a:endParaRPr lang="da-DK"/>
+          </a:p>
+        </p:txBody>
+      </p:sp>
+    </p:spTree>
+    <p:extLst>
+      <p:ext uri="{BB962C8B-B14F-4D97-AF65-F5344CB8AC3E}">
+        <p14:creationId xmlns:p14="http://schemas.microsoft.com/office/powerpoint/2010/main" val="2391717303"/>
+      </p:ext>
+    </p:extLst>
+  </p:cSld>
+  <p:clrMapOvr>
+    <a:masterClrMapping/>
+  </p:clrMapOvr>
+</p:notes>
+</file>
+
+<file path=ppt/notesSlides/notesSlide11.xml><?xml version="1.0" encoding="utf-8"?>
+<p:notes xmlns:a="http://schemas.openxmlformats.org/drawingml/2006/main" xmlns:r="http://schemas.openxmlformats.org/officeDocument/2006/relationships" xmlns:p="http://schemas.openxmlformats.org/presentationml/2006/main">
+  <p:cSld>
+    <p:spTree>
+      <p:nvGrpSpPr>
+        <p:cNvPr id="1" name=""/>
+        <p:cNvGrpSpPr/>
+        <p:nvPr/>
+      </p:nvGrpSpPr>
+      <p:grpSpPr>
+        <a:xfrm>
+          <a:off x="0" y="0"/>
+          <a:ext cx="0" cy="0"/>
+          <a:chOff x="0" y="0"/>
+          <a:chExt cx="0" cy="0"/>
+        </a:xfrm>
+      </p:grpSpPr>
+      <p:sp>
+        <p:nvSpPr>
+          <p:cNvPr id="2" name="Pladsholder til diasbillede 1"/>
+          <p:cNvSpPr>
+            <a:spLocks noGrp="1" noRot="1" noChangeAspect="1"/>
+          </p:cNvSpPr>
+          <p:nvPr>
+            <p:ph type="sldImg"/>
+          </p:nvPr>
+        </p:nvSpPr>
+        <p:spPr/>
+      </p:sp>
+      <p:sp>
+        <p:nvSpPr>
+          <p:cNvPr id="3" name="Pladsholder til noter 2"/>
+          <p:cNvSpPr>
+            <a:spLocks noGrp="1"/>
+          </p:cNvSpPr>
+          <p:nvPr>
+            <p:ph type="body" idx="1"/>
+          </p:nvPr>
+        </p:nvSpPr>
+        <p:spPr/>
+        <p:txBody>
+          <a:bodyPr/>
+          <a:lstStyle/>
+          <a:p>
+            <a:r>
+              <a:rPr lang="da-DK" dirty="0" smtClean="0"/>
+              <a:t>Christian den store</a:t>
+            </a:r>
+            <a:endParaRPr lang="da-DK" dirty="0"/>
+          </a:p>
+        </p:txBody>
+      </p:sp>
+      <p:sp>
+        <p:nvSpPr>
+          <p:cNvPr id="4" name="Pladsholder til diasnummer 3"/>
+          <p:cNvSpPr>
+            <a:spLocks noGrp="1"/>
+          </p:cNvSpPr>
+          <p:nvPr>
+            <p:ph type="sldNum" sz="quarter" idx="10"/>
+          </p:nvPr>
+        </p:nvSpPr>
+        <p:spPr/>
+        <p:txBody>
+          <a:bodyPr/>
+          <a:lstStyle/>
+          <a:p>
+            <a:fld id="{695A5EAE-DCAC-445C-853E-A9B72C5FA05B}" type="slidenum">
+              <a:rPr lang="da-DK" smtClean="0"/>
+              <a:t>13</a:t>
+            </a:fld>
+            <a:endParaRPr lang="da-DK"/>
+          </a:p>
+        </p:txBody>
+      </p:sp>
+    </p:spTree>
+    <p:extLst>
+      <p:ext uri="{BB962C8B-B14F-4D97-AF65-F5344CB8AC3E}">
+        <p14:creationId xmlns:p14="http://schemas.microsoft.com/office/powerpoint/2010/main" val="1202035010"/>
+      </p:ext>
+    </p:extLst>
+  </p:cSld>
+  <p:clrMapOvr>
+    <a:masterClrMapping/>
+  </p:clrMapOvr>
+</p:notes>
+</file>
+
+<file path=ppt/notesSlides/notesSlide12.xml><?xml version="1.0" encoding="utf-8"?>
+<p:notes xmlns:a="http://schemas.openxmlformats.org/drawingml/2006/main" xmlns:r="http://schemas.openxmlformats.org/officeDocument/2006/relationships" xmlns:p="http://schemas.openxmlformats.org/presentationml/2006/main">
+  <p:cSld>
+    <p:spTree>
+      <p:nvGrpSpPr>
+        <p:cNvPr id="1" name=""/>
+        <p:cNvGrpSpPr/>
+        <p:nvPr/>
+      </p:nvGrpSpPr>
+      <p:grpSpPr>
+        <a:xfrm>
+          <a:off x="0" y="0"/>
+          <a:ext cx="0" cy="0"/>
+          <a:chOff x="0" y="0"/>
+          <a:chExt cx="0" cy="0"/>
+        </a:xfrm>
+      </p:grpSpPr>
+      <p:sp>
+        <p:nvSpPr>
+          <p:cNvPr id="2" name="Pladsholder til diasbillede 1"/>
+          <p:cNvSpPr>
+            <a:spLocks noGrp="1" noRot="1" noChangeAspect="1"/>
+          </p:cNvSpPr>
+          <p:nvPr>
+            <p:ph type="sldImg"/>
+          </p:nvPr>
+        </p:nvSpPr>
+        <p:spPr/>
+      </p:sp>
+      <p:sp>
+        <p:nvSpPr>
+          <p:cNvPr id="3" name="Pladsholder til noter 2"/>
+          <p:cNvSpPr>
+            <a:spLocks noGrp="1"/>
+          </p:cNvSpPr>
+          <p:nvPr>
+            <p:ph type="body" idx="1"/>
+          </p:nvPr>
+        </p:nvSpPr>
+        <p:spPr/>
+        <p:txBody>
+          <a:bodyPr/>
+          <a:lstStyle/>
+          <a:p>
+            <a:r>
+              <a:rPr lang="da-DK" dirty="0" smtClean="0"/>
+              <a:t>Razz</a:t>
+            </a:r>
+            <a:endParaRPr lang="da-DK" dirty="0"/>
+          </a:p>
+        </p:txBody>
+      </p:sp>
+      <p:sp>
+        <p:nvSpPr>
+          <p:cNvPr id="4" name="Pladsholder til diasnummer 3"/>
+          <p:cNvSpPr>
+            <a:spLocks noGrp="1"/>
+          </p:cNvSpPr>
+          <p:nvPr>
+            <p:ph type="sldNum" sz="quarter" idx="10"/>
+          </p:nvPr>
+        </p:nvSpPr>
+        <p:spPr/>
+        <p:txBody>
+          <a:bodyPr/>
+          <a:lstStyle/>
+          <a:p>
+            <a:fld id="{695A5EAE-DCAC-445C-853E-A9B72C5FA05B}" type="slidenum">
+              <a:rPr lang="da-DK" smtClean="0"/>
+              <a:t>14</a:t>
+            </a:fld>
+            <a:endParaRPr lang="da-DK"/>
+          </a:p>
+        </p:txBody>
+      </p:sp>
+    </p:spTree>
+    <p:extLst>
+      <p:ext uri="{BB962C8B-B14F-4D97-AF65-F5344CB8AC3E}">
+        <p14:creationId xmlns:p14="http://schemas.microsoft.com/office/powerpoint/2010/main" val="2268034699"/>
+      </p:ext>
+    </p:extLst>
+  </p:cSld>
+  <p:clrMapOvr>
+    <a:masterClrMapping/>
+  </p:clrMapOvr>
+</p:notes>
+</file>
+
+<file path=ppt/notesSlides/notesSlide13.xml><?xml version="1.0" encoding="utf-8"?>
+<p:notes xmlns:a="http://schemas.openxmlformats.org/drawingml/2006/main" xmlns:r="http://schemas.openxmlformats.org/officeDocument/2006/relationships" xmlns:p="http://schemas.openxmlformats.org/presentationml/2006/main">
+  <p:cSld>
+    <p:spTree>
+      <p:nvGrpSpPr>
+        <p:cNvPr id="1" name=""/>
+        <p:cNvGrpSpPr/>
+        <p:nvPr/>
+      </p:nvGrpSpPr>
+      <p:grpSpPr>
+        <a:xfrm>
+          <a:off x="0" y="0"/>
+          <a:ext cx="0" cy="0"/>
+          <a:chOff x="0" y="0"/>
+          <a:chExt cx="0" cy="0"/>
+        </a:xfrm>
+      </p:grpSpPr>
+      <p:sp>
+        <p:nvSpPr>
+          <p:cNvPr id="2" name="Pladsholder til diasbillede 1"/>
+          <p:cNvSpPr>
+            <a:spLocks noGrp="1" noRot="1" noChangeAspect="1"/>
+          </p:cNvSpPr>
+          <p:nvPr>
+            <p:ph type="sldImg"/>
+          </p:nvPr>
+        </p:nvSpPr>
+        <p:spPr/>
+      </p:sp>
+      <p:sp>
+        <p:nvSpPr>
+          <p:cNvPr id="3" name="Pladsholder til noter 2"/>
+          <p:cNvSpPr>
+            <a:spLocks noGrp="1"/>
+          </p:cNvSpPr>
+          <p:nvPr>
+            <p:ph type="body" idx="1"/>
+          </p:nvPr>
+        </p:nvSpPr>
+        <p:spPr/>
+        <p:txBody>
+          <a:bodyPr/>
+          <a:lstStyle/>
+          <a:p>
+            <a:r>
+              <a:rPr lang="da-DK" dirty="0" smtClean="0"/>
+              <a:t>Razz</a:t>
+            </a:r>
+            <a:endParaRPr lang="da-DK" dirty="0"/>
+          </a:p>
+        </p:txBody>
+      </p:sp>
+      <p:sp>
+        <p:nvSpPr>
+          <p:cNvPr id="4" name="Pladsholder til diasnummer 3"/>
+          <p:cNvSpPr>
+            <a:spLocks noGrp="1"/>
+          </p:cNvSpPr>
+          <p:nvPr>
+            <p:ph type="sldNum" sz="quarter" idx="10"/>
+          </p:nvPr>
+        </p:nvSpPr>
+        <p:spPr/>
+        <p:txBody>
+          <a:bodyPr/>
+          <a:lstStyle/>
+          <a:p>
+            <a:fld id="{695A5EAE-DCAC-445C-853E-A9B72C5FA05B}" type="slidenum">
+              <a:rPr lang="da-DK" smtClean="0"/>
+              <a:t>15</a:t>
+            </a:fld>
+            <a:endParaRPr lang="da-DK"/>
+          </a:p>
+        </p:txBody>
+      </p:sp>
+    </p:spTree>
+    <p:extLst>
+      <p:ext uri="{BB962C8B-B14F-4D97-AF65-F5344CB8AC3E}">
+        <p14:creationId xmlns:p14="http://schemas.microsoft.com/office/powerpoint/2010/main" val="3496680494"/>
+      </p:ext>
+    </p:extLst>
+  </p:cSld>
+  <p:clrMapOvr>
+    <a:masterClrMapping/>
+  </p:clrMapOvr>
+</p:notes>
+</file>
+
+<file path=ppt/notesSlides/notesSlide14.xml><?xml version="1.0" encoding="utf-8"?>
+<p:notes xmlns:a="http://schemas.openxmlformats.org/drawingml/2006/main" xmlns:r="http://schemas.openxmlformats.org/officeDocument/2006/relationships" xmlns:p="http://schemas.openxmlformats.org/presentationml/2006/main">
+  <p:cSld>
+    <p:spTree>
+      <p:nvGrpSpPr>
+        <p:cNvPr id="1" name=""/>
+        <p:cNvGrpSpPr/>
+        <p:nvPr/>
+      </p:nvGrpSpPr>
+      <p:grpSpPr>
+        <a:xfrm>
+          <a:off x="0" y="0"/>
+          <a:ext cx="0" cy="0"/>
+          <a:chOff x="0" y="0"/>
+          <a:chExt cx="0" cy="0"/>
+        </a:xfrm>
+      </p:grpSpPr>
+      <p:sp>
+        <p:nvSpPr>
+          <p:cNvPr id="2" name="Pladsholder til diasbillede 1"/>
+          <p:cNvSpPr>
+            <a:spLocks noGrp="1" noRot="1" noChangeAspect="1"/>
+          </p:cNvSpPr>
+          <p:nvPr>
+            <p:ph type="sldImg"/>
+          </p:nvPr>
+        </p:nvSpPr>
+        <p:spPr/>
+      </p:sp>
+      <p:sp>
+        <p:nvSpPr>
+          <p:cNvPr id="3" name="Pladsholder til noter 2"/>
+          <p:cNvSpPr>
+            <a:spLocks noGrp="1"/>
+          </p:cNvSpPr>
+          <p:nvPr>
+            <p:ph type="body" idx="1"/>
+          </p:nvPr>
+        </p:nvSpPr>
+        <p:spPr/>
+        <p:txBody>
+          <a:bodyPr/>
+          <a:lstStyle/>
+          <a:p>
+            <a:r>
+              <a:rPr lang="da-DK" dirty="0" err="1" smtClean="0"/>
+              <a:t>Daine</a:t>
+            </a:r>
+            <a:endParaRPr lang="da-DK" dirty="0"/>
+          </a:p>
+        </p:txBody>
+      </p:sp>
+      <p:sp>
+        <p:nvSpPr>
+          <p:cNvPr id="4" name="Pladsholder til diasnummer 3"/>
+          <p:cNvSpPr>
+            <a:spLocks noGrp="1"/>
+          </p:cNvSpPr>
+          <p:nvPr>
+            <p:ph type="sldNum" sz="quarter" idx="10"/>
+          </p:nvPr>
+        </p:nvSpPr>
+        <p:spPr/>
+        <p:txBody>
+          <a:bodyPr/>
+          <a:lstStyle/>
+          <a:p>
+            <a:fld id="{695A5EAE-DCAC-445C-853E-A9B72C5FA05B}" type="slidenum">
+              <a:rPr lang="da-DK" smtClean="0"/>
+              <a:t>16</a:t>
+            </a:fld>
+            <a:endParaRPr lang="da-DK"/>
+          </a:p>
+        </p:txBody>
+      </p:sp>
+    </p:spTree>
+    <p:extLst>
+      <p:ext uri="{BB962C8B-B14F-4D97-AF65-F5344CB8AC3E}">
+        <p14:creationId xmlns:p14="http://schemas.microsoft.com/office/powerpoint/2010/main" val="2175970988"/>
+      </p:ext>
+    </p:extLst>
+  </p:cSld>
+  <p:clrMapOvr>
+    <a:masterClrMapping/>
+  </p:clrMapOvr>
+</p:notes>
+</file>
+
+<file path=ppt/notesSlides/notesSlide15.xml><?xml version="1.0" encoding="utf-8"?>
+<p:notes xmlns:a="http://schemas.openxmlformats.org/drawingml/2006/main" xmlns:r="http://schemas.openxmlformats.org/officeDocument/2006/relationships" xmlns:p="http://schemas.openxmlformats.org/presentationml/2006/main">
+  <p:cSld>
+    <p:spTree>
+      <p:nvGrpSpPr>
+        <p:cNvPr id="1" name=""/>
+        <p:cNvGrpSpPr/>
+        <p:nvPr/>
+      </p:nvGrpSpPr>
+      <p:grpSpPr>
+        <a:xfrm>
+          <a:off x="0" y="0"/>
+          <a:ext cx="0" cy="0"/>
+          <a:chOff x="0" y="0"/>
+          <a:chExt cx="0" cy="0"/>
+        </a:xfrm>
+      </p:grpSpPr>
+      <p:sp>
+        <p:nvSpPr>
+          <p:cNvPr id="2" name="Pladsholder til diasbillede 1"/>
+          <p:cNvSpPr>
+            <a:spLocks noGrp="1" noRot="1" noChangeAspect="1"/>
+          </p:cNvSpPr>
+          <p:nvPr>
+            <p:ph type="sldImg"/>
+          </p:nvPr>
+        </p:nvSpPr>
+        <p:spPr/>
+      </p:sp>
+      <p:sp>
+        <p:nvSpPr>
+          <p:cNvPr id="3" name="Pladsholder til noter 2"/>
+          <p:cNvSpPr>
+            <a:spLocks noGrp="1"/>
+          </p:cNvSpPr>
+          <p:nvPr>
+            <p:ph type="body" idx="1"/>
+          </p:nvPr>
+        </p:nvSpPr>
+        <p:spPr/>
+        <p:txBody>
+          <a:bodyPr/>
+          <a:lstStyle/>
+          <a:p>
+            <a:r>
+              <a:rPr lang="da-DK" dirty="0" err="1" smtClean="0"/>
+              <a:t>Daine</a:t>
+            </a:r>
+            <a:endParaRPr lang="da-DK" dirty="0"/>
+          </a:p>
+        </p:txBody>
+      </p:sp>
+      <p:sp>
+        <p:nvSpPr>
+          <p:cNvPr id="4" name="Pladsholder til diasnummer 3"/>
+          <p:cNvSpPr>
+            <a:spLocks noGrp="1"/>
+          </p:cNvSpPr>
+          <p:nvPr>
+            <p:ph type="sldNum" sz="quarter" idx="10"/>
+          </p:nvPr>
+        </p:nvSpPr>
+        <p:spPr/>
+        <p:txBody>
+          <a:bodyPr/>
+          <a:lstStyle/>
+          <a:p>
+            <a:fld id="{695A5EAE-DCAC-445C-853E-A9B72C5FA05B}" type="slidenum">
+              <a:rPr lang="da-DK" smtClean="0"/>
+              <a:t>17</a:t>
+            </a:fld>
+            <a:endParaRPr lang="da-DK"/>
+          </a:p>
+        </p:txBody>
+      </p:sp>
+    </p:spTree>
+    <p:extLst>
+      <p:ext uri="{BB962C8B-B14F-4D97-AF65-F5344CB8AC3E}">
+        <p14:creationId xmlns:p14="http://schemas.microsoft.com/office/powerpoint/2010/main" val="416459678"/>
+      </p:ext>
+    </p:extLst>
+  </p:cSld>
+  <p:clrMapOvr>
+    <a:masterClrMapping/>
+  </p:clrMapOvr>
+</p:notes>
+</file>
+
+<file path=ppt/notesSlides/notesSlide16.xml><?xml version="1.0" encoding="utf-8"?>
+<p:notes xmlns:a="http://schemas.openxmlformats.org/drawingml/2006/main" xmlns:r="http://schemas.openxmlformats.org/officeDocument/2006/relationships" xmlns:p="http://schemas.openxmlformats.org/presentationml/2006/main">
+  <p:cSld>
+    <p:spTree>
+      <p:nvGrpSpPr>
+        <p:cNvPr id="1" name=""/>
+        <p:cNvGrpSpPr/>
+        <p:nvPr/>
+      </p:nvGrpSpPr>
+      <p:grpSpPr>
+        <a:xfrm>
+          <a:off x="0" y="0"/>
+          <a:ext cx="0" cy="0"/>
+          <a:chOff x="0" y="0"/>
+          <a:chExt cx="0" cy="0"/>
+        </a:xfrm>
+      </p:grpSpPr>
+      <p:sp>
+        <p:nvSpPr>
+          <p:cNvPr id="2" name="Pladsholder til diasbillede 1"/>
+          <p:cNvSpPr>
+            <a:spLocks noGrp="1" noRot="1" noChangeAspect="1"/>
+          </p:cNvSpPr>
+          <p:nvPr>
+            <p:ph type="sldImg"/>
+          </p:nvPr>
+        </p:nvSpPr>
+        <p:spPr/>
+      </p:sp>
+      <p:sp>
+        <p:nvSpPr>
+          <p:cNvPr id="3" name="Pladsholder til noter 2"/>
+          <p:cNvSpPr>
+            <a:spLocks noGrp="1"/>
+          </p:cNvSpPr>
+          <p:nvPr>
+            <p:ph type="body" idx="1"/>
+          </p:nvPr>
+        </p:nvSpPr>
+        <p:spPr/>
+        <p:txBody>
+          <a:bodyPr/>
+          <a:lstStyle/>
+          <a:p>
+            <a:r>
+              <a:rPr lang="da-DK" dirty="0" err="1" smtClean="0"/>
+              <a:t>Daine</a:t>
+            </a:r>
+            <a:endParaRPr lang="da-DK" dirty="0"/>
+          </a:p>
+        </p:txBody>
+      </p:sp>
+      <p:sp>
+        <p:nvSpPr>
+          <p:cNvPr id="4" name="Pladsholder til diasnummer 3"/>
+          <p:cNvSpPr>
+            <a:spLocks noGrp="1"/>
+          </p:cNvSpPr>
+          <p:nvPr>
+            <p:ph type="sldNum" sz="quarter" idx="10"/>
+          </p:nvPr>
+        </p:nvSpPr>
+        <p:spPr/>
+        <p:txBody>
+          <a:bodyPr/>
+          <a:lstStyle/>
+          <a:p>
+            <a:fld id="{695A5EAE-DCAC-445C-853E-A9B72C5FA05B}" type="slidenum">
+              <a:rPr lang="da-DK" smtClean="0"/>
+              <a:t>18</a:t>
+            </a:fld>
+            <a:endParaRPr lang="da-DK"/>
+          </a:p>
+        </p:txBody>
+      </p:sp>
+    </p:spTree>
+    <p:extLst>
+      <p:ext uri="{BB962C8B-B14F-4D97-AF65-F5344CB8AC3E}">
+        <p14:creationId xmlns:p14="http://schemas.microsoft.com/office/powerpoint/2010/main" val="104293987"/>
+      </p:ext>
+    </p:extLst>
+  </p:cSld>
+  <p:clrMapOvr>
+    <a:masterClrMapping/>
+  </p:clrMapOvr>
+</p:notes>
+</file>
+
+<file path=ppt/notesSlides/notesSlide17.xml><?xml version="1.0" encoding="utf-8"?>
+<p:notes xmlns:a="http://schemas.openxmlformats.org/drawingml/2006/main" xmlns:r="http://schemas.openxmlformats.org/officeDocument/2006/relationships" xmlns:p="http://schemas.openxmlformats.org/presentationml/2006/main">
+  <p:cSld>
+    <p:spTree>
+      <p:nvGrpSpPr>
+        <p:cNvPr id="1" name=""/>
+        <p:cNvGrpSpPr/>
+        <p:nvPr/>
+      </p:nvGrpSpPr>
+      <p:grpSpPr>
+        <a:xfrm>
+          <a:off x="0" y="0"/>
+          <a:ext cx="0" cy="0"/>
+          <a:chOff x="0" y="0"/>
+          <a:chExt cx="0" cy="0"/>
+        </a:xfrm>
+      </p:grpSpPr>
+      <p:sp>
+        <p:nvSpPr>
+          <p:cNvPr id="2" name="Pladsholder til diasbillede 1"/>
+          <p:cNvSpPr>
+            <a:spLocks noGrp="1" noRot="1" noChangeAspect="1"/>
+          </p:cNvSpPr>
+          <p:nvPr>
+            <p:ph type="sldImg"/>
+          </p:nvPr>
+        </p:nvSpPr>
+        <p:spPr/>
+      </p:sp>
+      <p:sp>
+        <p:nvSpPr>
+          <p:cNvPr id="3" name="Pladsholder til noter 2"/>
+          <p:cNvSpPr>
+            <a:spLocks noGrp="1"/>
+          </p:cNvSpPr>
+          <p:nvPr>
+            <p:ph type="body" idx="1"/>
+          </p:nvPr>
+        </p:nvSpPr>
+        <p:spPr/>
+        <p:txBody>
+          <a:bodyPr/>
+          <a:lstStyle/>
+          <a:p>
+            <a:r>
+              <a:rPr lang="da-DK" smtClean="0"/>
+              <a:t>Kappers</a:t>
+            </a:r>
+            <a:endParaRPr lang="da-DK"/>
+          </a:p>
+        </p:txBody>
+      </p:sp>
+      <p:sp>
+        <p:nvSpPr>
+          <p:cNvPr id="4" name="Pladsholder til diasnummer 3"/>
+          <p:cNvSpPr>
+            <a:spLocks noGrp="1"/>
+          </p:cNvSpPr>
+          <p:nvPr>
+            <p:ph type="sldNum" sz="quarter" idx="10"/>
+          </p:nvPr>
+        </p:nvSpPr>
+        <p:spPr/>
+        <p:txBody>
+          <a:bodyPr/>
+          <a:lstStyle/>
+          <a:p>
+            <a:fld id="{695A5EAE-DCAC-445C-853E-A9B72C5FA05B}" type="slidenum">
+              <a:rPr lang="da-DK" smtClean="0"/>
+              <a:t>19</a:t>
+            </a:fld>
+            <a:endParaRPr lang="da-DK"/>
+          </a:p>
+        </p:txBody>
+      </p:sp>
+    </p:spTree>
+    <p:extLst>
+      <p:ext uri="{BB962C8B-B14F-4D97-AF65-F5344CB8AC3E}">
+        <p14:creationId xmlns:p14="http://schemas.microsoft.com/office/powerpoint/2010/main" val="3706435522"/>
+      </p:ext>
+    </p:extLst>
+  </p:cSld>
+  <p:clrMapOvr>
+    <a:masterClrMapping/>
+  </p:clrMapOvr>
+</p:notes>
+</file>
+
+<file path=ppt/notesSlides/notesSlide2.xml><?xml version="1.0" encoding="utf-8"?>
+<p:notes xmlns:a="http://schemas.openxmlformats.org/drawingml/2006/main" xmlns:r="http://schemas.openxmlformats.org/officeDocument/2006/relationships" xmlns:p="http://schemas.openxmlformats.org/presentationml/2006/main">
+  <p:cSld>
+    <p:spTree>
+      <p:nvGrpSpPr>
+        <p:cNvPr id="1" name=""/>
+        <p:cNvGrpSpPr/>
+        <p:nvPr/>
+      </p:nvGrpSpPr>
+      <p:grpSpPr>
+        <a:xfrm>
+          <a:off x="0" y="0"/>
+          <a:ext cx="0" cy="0"/>
+          <a:chOff x="0" y="0"/>
+          <a:chExt cx="0" cy="0"/>
+        </a:xfrm>
+      </p:grpSpPr>
+      <p:sp>
+        <p:nvSpPr>
+          <p:cNvPr id="2" name="Pladsholder til diasbillede 1"/>
+          <p:cNvSpPr>
+            <a:spLocks noGrp="1" noRot="1" noChangeAspect="1"/>
+          </p:cNvSpPr>
+          <p:nvPr>
+            <p:ph type="sldImg"/>
+          </p:nvPr>
+        </p:nvSpPr>
+        <p:spPr/>
+      </p:sp>
+      <p:sp>
+        <p:nvSpPr>
+          <p:cNvPr id="3" name="Pladsholder til noter 2"/>
+          <p:cNvSpPr>
+            <a:spLocks noGrp="1"/>
+          </p:cNvSpPr>
+          <p:nvPr>
+            <p:ph type="body" idx="1"/>
+          </p:nvPr>
+        </p:nvSpPr>
+        <p:spPr/>
+        <p:txBody>
+          <a:bodyPr/>
+          <a:lstStyle/>
+          <a:p>
+            <a:r>
+              <a:rPr lang="da-DK" dirty="0" err="1" smtClean="0"/>
+              <a:t>Meetski</a:t>
+            </a:r>
+            <a:endParaRPr lang="da-DK" dirty="0"/>
+          </a:p>
+        </p:txBody>
+      </p:sp>
+      <p:sp>
+        <p:nvSpPr>
+          <p:cNvPr id="4" name="Pladsholder til diasnummer 3"/>
+          <p:cNvSpPr>
+            <a:spLocks noGrp="1"/>
+          </p:cNvSpPr>
+          <p:nvPr>
+            <p:ph type="sldNum" sz="quarter" idx="10"/>
+          </p:nvPr>
+        </p:nvSpPr>
+        <p:spPr/>
+        <p:txBody>
+          <a:bodyPr/>
+          <a:lstStyle/>
+          <a:p>
+            <a:fld id="{695A5EAE-DCAC-445C-853E-A9B72C5FA05B}" type="slidenum">
+              <a:rPr lang="da-DK" smtClean="0"/>
+              <a:t>4</a:t>
+            </a:fld>
+            <a:endParaRPr lang="da-DK"/>
+          </a:p>
+        </p:txBody>
+      </p:sp>
+    </p:spTree>
+    <p:extLst>
+      <p:ext uri="{BB962C8B-B14F-4D97-AF65-F5344CB8AC3E}">
+        <p14:creationId xmlns:p14="http://schemas.microsoft.com/office/powerpoint/2010/main" val="2379702717"/>
+      </p:ext>
+    </p:extLst>
+  </p:cSld>
+  <p:clrMapOvr>
+    <a:masterClrMapping/>
+  </p:clrMapOvr>
+</p:notes>
+</file>
+
+<file path=ppt/notesSlides/notesSlide3.xml><?xml version="1.0" encoding="utf-8"?>
+<p:notes xmlns:a="http://schemas.openxmlformats.org/drawingml/2006/main" xmlns:r="http://schemas.openxmlformats.org/officeDocument/2006/relationships" xmlns:p="http://schemas.openxmlformats.org/presentationml/2006/main">
+  <p:cSld>
+    <p:spTree>
+      <p:nvGrpSpPr>
+        <p:cNvPr id="1" name=""/>
+        <p:cNvGrpSpPr/>
+        <p:nvPr/>
+      </p:nvGrpSpPr>
+      <p:grpSpPr>
+        <a:xfrm>
+          <a:off x="0" y="0"/>
+          <a:ext cx="0" cy="0"/>
+          <a:chOff x="0" y="0"/>
+          <a:chExt cx="0" cy="0"/>
+        </a:xfrm>
+      </p:grpSpPr>
+      <p:sp>
+        <p:nvSpPr>
+          <p:cNvPr id="2" name="Pladsholder til diasbillede 1"/>
+          <p:cNvSpPr>
+            <a:spLocks noGrp="1" noRot="1" noChangeAspect="1"/>
+          </p:cNvSpPr>
+          <p:nvPr>
+            <p:ph type="sldImg"/>
+          </p:nvPr>
+        </p:nvSpPr>
+        <p:spPr/>
+      </p:sp>
+      <p:sp>
+        <p:nvSpPr>
+          <p:cNvPr id="3" name="Pladsholder til noter 2"/>
+          <p:cNvSpPr>
+            <a:spLocks noGrp="1"/>
+          </p:cNvSpPr>
+          <p:nvPr>
+            <p:ph type="body" idx="1"/>
+          </p:nvPr>
+        </p:nvSpPr>
+        <p:spPr/>
+        <p:txBody>
+          <a:bodyPr/>
+          <a:lstStyle/>
+          <a:p>
+            <a:r>
+              <a:rPr lang="da-DK" dirty="0" err="1" smtClean="0"/>
+              <a:t>Alexandrius</a:t>
+            </a:r>
+            <a:endParaRPr lang="da-DK" dirty="0"/>
+          </a:p>
+        </p:txBody>
+      </p:sp>
+      <p:sp>
+        <p:nvSpPr>
+          <p:cNvPr id="4" name="Pladsholder til diasnummer 3"/>
+          <p:cNvSpPr>
+            <a:spLocks noGrp="1"/>
+          </p:cNvSpPr>
+          <p:nvPr>
+            <p:ph type="sldNum" sz="quarter" idx="10"/>
+          </p:nvPr>
+        </p:nvSpPr>
+        <p:spPr/>
+        <p:txBody>
+          <a:bodyPr/>
+          <a:lstStyle/>
+          <a:p>
+            <a:fld id="{695A5EAE-DCAC-445C-853E-A9B72C5FA05B}" type="slidenum">
+              <a:rPr lang="da-DK" smtClean="0"/>
+              <a:t>5</a:t>
+            </a:fld>
+            <a:endParaRPr lang="da-DK"/>
+          </a:p>
+        </p:txBody>
+      </p:sp>
+    </p:spTree>
+    <p:extLst>
+      <p:ext uri="{BB962C8B-B14F-4D97-AF65-F5344CB8AC3E}">
+        <p14:creationId xmlns:p14="http://schemas.microsoft.com/office/powerpoint/2010/main" val="383094199"/>
+      </p:ext>
+    </p:extLst>
+  </p:cSld>
+  <p:clrMapOvr>
+    <a:masterClrMapping/>
+  </p:clrMapOvr>
+</p:notes>
+</file>
+
+<file path=ppt/notesSlides/notesSlide4.xml><?xml version="1.0" encoding="utf-8"?>
+<p:notes xmlns:a="http://schemas.openxmlformats.org/drawingml/2006/main" xmlns:r="http://schemas.openxmlformats.org/officeDocument/2006/relationships" xmlns:p="http://schemas.openxmlformats.org/presentationml/2006/main">
+  <p:cSld>
+    <p:spTree>
+      <p:nvGrpSpPr>
+        <p:cNvPr id="1" name=""/>
+        <p:cNvGrpSpPr/>
+        <p:nvPr/>
+      </p:nvGrpSpPr>
+      <p:grpSpPr>
+        <a:xfrm>
+          <a:off x="0" y="0"/>
+          <a:ext cx="0" cy="0"/>
+          <a:chOff x="0" y="0"/>
+          <a:chExt cx="0" cy="0"/>
+        </a:xfrm>
+      </p:grpSpPr>
+      <p:sp>
+        <p:nvSpPr>
+          <p:cNvPr id="2" name="Pladsholder til diasbillede 1"/>
+          <p:cNvSpPr>
+            <a:spLocks noGrp="1" noRot="1" noChangeAspect="1"/>
+          </p:cNvSpPr>
+          <p:nvPr>
+            <p:ph type="sldImg"/>
+          </p:nvPr>
+        </p:nvSpPr>
+        <p:spPr/>
+      </p:sp>
+      <p:sp>
+        <p:nvSpPr>
+          <p:cNvPr id="3" name="Pladsholder til noter 2"/>
+          <p:cNvSpPr>
+            <a:spLocks noGrp="1"/>
+          </p:cNvSpPr>
+          <p:nvPr>
+            <p:ph type="body" idx="1"/>
+          </p:nvPr>
+        </p:nvSpPr>
+        <p:spPr/>
+        <p:txBody>
+          <a:bodyPr/>
+          <a:lstStyle/>
+          <a:p>
+            <a:r>
+              <a:rPr lang="da-DK" dirty="0" err="1" smtClean="0"/>
+              <a:t>Alexandrius</a:t>
+            </a:r>
+            <a:endParaRPr lang="da-DK" dirty="0"/>
+          </a:p>
+        </p:txBody>
+      </p:sp>
+      <p:sp>
+        <p:nvSpPr>
+          <p:cNvPr id="4" name="Pladsholder til diasnummer 3"/>
+          <p:cNvSpPr>
+            <a:spLocks noGrp="1"/>
+          </p:cNvSpPr>
+          <p:nvPr>
+            <p:ph type="sldNum" sz="quarter" idx="10"/>
+          </p:nvPr>
+        </p:nvSpPr>
+        <p:spPr/>
+        <p:txBody>
+          <a:bodyPr/>
+          <a:lstStyle/>
+          <a:p>
+            <a:fld id="{695A5EAE-DCAC-445C-853E-A9B72C5FA05B}" type="slidenum">
+              <a:rPr lang="da-DK" smtClean="0"/>
+              <a:t>6</a:t>
+            </a:fld>
+            <a:endParaRPr lang="da-DK"/>
+          </a:p>
+        </p:txBody>
+      </p:sp>
+    </p:spTree>
+    <p:extLst>
+      <p:ext uri="{BB962C8B-B14F-4D97-AF65-F5344CB8AC3E}">
+        <p14:creationId xmlns:p14="http://schemas.microsoft.com/office/powerpoint/2010/main" val="3980070397"/>
+      </p:ext>
+    </p:extLst>
+  </p:cSld>
+  <p:clrMapOvr>
+    <a:masterClrMapping/>
+  </p:clrMapOvr>
+</p:notes>
+</file>
+
+<file path=ppt/notesSlides/notesSlide5.xml><?xml version="1.0" encoding="utf-8"?>
+<p:notes xmlns:a="http://schemas.openxmlformats.org/drawingml/2006/main" xmlns:r="http://schemas.openxmlformats.org/officeDocument/2006/relationships" xmlns:p="http://schemas.openxmlformats.org/presentationml/2006/main">
+  <p:cSld>
+    <p:spTree>
+      <p:nvGrpSpPr>
+        <p:cNvPr id="1" name=""/>
+        <p:cNvGrpSpPr/>
+        <p:nvPr/>
+      </p:nvGrpSpPr>
+      <p:grpSpPr>
+        <a:xfrm>
+          <a:off x="0" y="0"/>
+          <a:ext cx="0" cy="0"/>
+          <a:chOff x="0" y="0"/>
+          <a:chExt cx="0" cy="0"/>
+        </a:xfrm>
+      </p:grpSpPr>
+      <p:sp>
+        <p:nvSpPr>
+          <p:cNvPr id="2" name="Pladsholder til diasbillede 1"/>
+          <p:cNvSpPr>
+            <a:spLocks noGrp="1" noRot="1" noChangeAspect="1"/>
+          </p:cNvSpPr>
+          <p:nvPr>
+            <p:ph type="sldImg"/>
+          </p:nvPr>
+        </p:nvSpPr>
+        <p:spPr/>
+      </p:sp>
+      <p:sp>
+        <p:nvSpPr>
+          <p:cNvPr id="3" name="Pladsholder til noter 2"/>
+          <p:cNvSpPr>
+            <a:spLocks noGrp="1"/>
+          </p:cNvSpPr>
+          <p:nvPr>
+            <p:ph type="body" idx="1"/>
+          </p:nvPr>
+        </p:nvSpPr>
+        <p:spPr/>
+        <p:txBody>
+          <a:bodyPr/>
+          <a:lstStyle/>
+          <a:p>
+            <a:r>
+              <a:rPr lang="da-DK" dirty="0" err="1" smtClean="0"/>
+              <a:t>Alexandrius</a:t>
+            </a:r>
+            <a:endParaRPr lang="da-DK" dirty="0"/>
+          </a:p>
+        </p:txBody>
+      </p:sp>
+      <p:sp>
+        <p:nvSpPr>
+          <p:cNvPr id="4" name="Pladsholder til diasnummer 3"/>
+          <p:cNvSpPr>
+            <a:spLocks noGrp="1"/>
+          </p:cNvSpPr>
+          <p:nvPr>
+            <p:ph type="sldNum" sz="quarter" idx="10"/>
+          </p:nvPr>
+        </p:nvSpPr>
+        <p:spPr/>
+        <p:txBody>
+          <a:bodyPr/>
+          <a:lstStyle/>
+          <a:p>
+            <a:fld id="{695A5EAE-DCAC-445C-853E-A9B72C5FA05B}" type="slidenum">
+              <a:rPr lang="da-DK" smtClean="0"/>
+              <a:t>7</a:t>
+            </a:fld>
+            <a:endParaRPr lang="da-DK"/>
+          </a:p>
+        </p:txBody>
+      </p:sp>
+    </p:spTree>
+    <p:extLst>
+      <p:ext uri="{BB962C8B-B14F-4D97-AF65-F5344CB8AC3E}">
+        <p14:creationId xmlns:p14="http://schemas.microsoft.com/office/powerpoint/2010/main" val="1351295640"/>
+      </p:ext>
+    </p:extLst>
+  </p:cSld>
+  <p:clrMapOvr>
+    <a:masterClrMapping/>
+  </p:clrMapOvr>
+</p:notes>
+</file>
+
+<file path=ppt/notesSlides/notesSlide6.xml><?xml version="1.0" encoding="utf-8"?>
+<p:notes xmlns:a="http://schemas.openxmlformats.org/drawingml/2006/main" xmlns:r="http://schemas.openxmlformats.org/officeDocument/2006/relationships" xmlns:p="http://schemas.openxmlformats.org/presentationml/2006/main">
+  <p:cSld>
+    <p:spTree>
+      <p:nvGrpSpPr>
+        <p:cNvPr id="1" name=""/>
+        <p:cNvGrpSpPr/>
+        <p:nvPr/>
+      </p:nvGrpSpPr>
+      <p:grpSpPr>
+        <a:xfrm>
+          <a:off x="0" y="0"/>
+          <a:ext cx="0" cy="0"/>
+          <a:chOff x="0" y="0"/>
+          <a:chExt cx="0" cy="0"/>
+        </a:xfrm>
+      </p:grpSpPr>
+      <p:sp>
+        <p:nvSpPr>
+          <p:cNvPr id="2" name="Pladsholder til diasbillede 1"/>
+          <p:cNvSpPr>
+            <a:spLocks noGrp="1" noRot="1" noChangeAspect="1"/>
+          </p:cNvSpPr>
+          <p:nvPr>
+            <p:ph type="sldImg"/>
+          </p:nvPr>
+        </p:nvSpPr>
+        <p:spPr/>
+      </p:sp>
+      <p:sp>
+        <p:nvSpPr>
+          <p:cNvPr id="3" name="Pladsholder til noter 2"/>
+          <p:cNvSpPr>
+            <a:spLocks noGrp="1"/>
+          </p:cNvSpPr>
+          <p:nvPr>
+            <p:ph type="body" idx="1"/>
+          </p:nvPr>
+        </p:nvSpPr>
+        <p:spPr/>
+        <p:txBody>
+          <a:bodyPr/>
+          <a:lstStyle/>
+          <a:p>
+            <a:r>
+              <a:rPr lang="da-DK" dirty="0" smtClean="0"/>
+              <a:t>Niller</a:t>
+            </a:r>
+            <a:endParaRPr lang="da-DK" dirty="0"/>
+          </a:p>
+        </p:txBody>
+      </p:sp>
+      <p:sp>
+        <p:nvSpPr>
+          <p:cNvPr id="4" name="Pladsholder til diasnummer 3"/>
+          <p:cNvSpPr>
+            <a:spLocks noGrp="1"/>
+          </p:cNvSpPr>
+          <p:nvPr>
+            <p:ph type="sldNum" sz="quarter" idx="10"/>
+          </p:nvPr>
+        </p:nvSpPr>
+        <p:spPr/>
+        <p:txBody>
+          <a:bodyPr/>
+          <a:lstStyle/>
+          <a:p>
+            <a:fld id="{695A5EAE-DCAC-445C-853E-A9B72C5FA05B}" type="slidenum">
+              <a:rPr lang="da-DK" smtClean="0"/>
+              <a:t>8</a:t>
+            </a:fld>
+            <a:endParaRPr lang="da-DK"/>
+          </a:p>
+        </p:txBody>
+      </p:sp>
+    </p:spTree>
+    <p:extLst>
+      <p:ext uri="{BB962C8B-B14F-4D97-AF65-F5344CB8AC3E}">
+        <p14:creationId xmlns:p14="http://schemas.microsoft.com/office/powerpoint/2010/main" val="2202312520"/>
+      </p:ext>
+    </p:extLst>
+  </p:cSld>
+  <p:clrMapOvr>
+    <a:masterClrMapping/>
+  </p:clrMapOvr>
+</p:notes>
+</file>
+
+<file path=ppt/notesSlides/notesSlide7.xml><?xml version="1.0" encoding="utf-8"?>
+<p:notes xmlns:a="http://schemas.openxmlformats.org/drawingml/2006/main" xmlns:r="http://schemas.openxmlformats.org/officeDocument/2006/relationships" xmlns:p="http://schemas.openxmlformats.org/presentationml/2006/main">
+  <p:cSld>
+    <p:spTree>
+      <p:nvGrpSpPr>
+        <p:cNvPr id="1" name=""/>
+        <p:cNvGrpSpPr/>
+        <p:nvPr/>
+      </p:nvGrpSpPr>
+      <p:grpSpPr>
+        <a:xfrm>
+          <a:off x="0" y="0"/>
+          <a:ext cx="0" cy="0"/>
+          <a:chOff x="0" y="0"/>
+          <a:chExt cx="0" cy="0"/>
+        </a:xfrm>
+      </p:grpSpPr>
+      <p:sp>
+        <p:nvSpPr>
+          <p:cNvPr id="2" name="Pladsholder til diasbillede 1"/>
+          <p:cNvSpPr>
+            <a:spLocks noGrp="1" noRot="1" noChangeAspect="1"/>
+          </p:cNvSpPr>
+          <p:nvPr>
+            <p:ph type="sldImg"/>
+          </p:nvPr>
+        </p:nvSpPr>
+        <p:spPr/>
+      </p:sp>
+      <p:sp>
+        <p:nvSpPr>
+          <p:cNvPr id="3" name="Pladsholder til noter 2"/>
+          <p:cNvSpPr>
+            <a:spLocks noGrp="1"/>
+          </p:cNvSpPr>
+          <p:nvPr>
+            <p:ph type="body" idx="1"/>
+          </p:nvPr>
+        </p:nvSpPr>
+        <p:spPr/>
+        <p:txBody>
+          <a:bodyPr/>
+          <a:lstStyle/>
+          <a:p>
+            <a:r>
+              <a:rPr lang="da-DK" dirty="0" smtClean="0"/>
+              <a:t>Niller</a:t>
+            </a:r>
+            <a:endParaRPr lang="da-DK" dirty="0"/>
+          </a:p>
+        </p:txBody>
+      </p:sp>
+      <p:sp>
+        <p:nvSpPr>
+          <p:cNvPr id="4" name="Pladsholder til diasnummer 3"/>
+          <p:cNvSpPr>
+            <a:spLocks noGrp="1"/>
+          </p:cNvSpPr>
+          <p:nvPr>
+            <p:ph type="sldNum" sz="quarter" idx="10"/>
+          </p:nvPr>
+        </p:nvSpPr>
+        <p:spPr/>
+        <p:txBody>
+          <a:bodyPr/>
+          <a:lstStyle/>
+          <a:p>
+            <a:fld id="{695A5EAE-DCAC-445C-853E-A9B72C5FA05B}" type="slidenum">
+              <a:rPr lang="da-DK" smtClean="0"/>
+              <a:t>9</a:t>
+            </a:fld>
+            <a:endParaRPr lang="da-DK"/>
+          </a:p>
+        </p:txBody>
+      </p:sp>
+    </p:spTree>
+    <p:extLst>
+      <p:ext uri="{BB962C8B-B14F-4D97-AF65-F5344CB8AC3E}">
+        <p14:creationId xmlns:p14="http://schemas.microsoft.com/office/powerpoint/2010/main" val="3891162565"/>
+      </p:ext>
+    </p:extLst>
+  </p:cSld>
+  <p:clrMapOvr>
+    <a:masterClrMapping/>
+  </p:clrMapOvr>
+</p:notes>
+</file>
+
+<file path=ppt/notesSlides/notesSlide8.xml><?xml version="1.0" encoding="utf-8"?>
+<p:notes xmlns:a="http://schemas.openxmlformats.org/drawingml/2006/main" xmlns:r="http://schemas.openxmlformats.org/officeDocument/2006/relationships" xmlns:p="http://schemas.openxmlformats.org/presentationml/2006/main">
+  <p:cSld>
+    <p:spTree>
+      <p:nvGrpSpPr>
+        <p:cNvPr id="1" name=""/>
+        <p:cNvGrpSpPr/>
+        <p:nvPr/>
+      </p:nvGrpSpPr>
+      <p:grpSpPr>
+        <a:xfrm>
+          <a:off x="0" y="0"/>
+          <a:ext cx="0" cy="0"/>
+          <a:chOff x="0" y="0"/>
+          <a:chExt cx="0" cy="0"/>
+        </a:xfrm>
+      </p:grpSpPr>
+      <p:sp>
+        <p:nvSpPr>
+          <p:cNvPr id="2" name="Pladsholder til diasbillede 1"/>
+          <p:cNvSpPr>
+            <a:spLocks noGrp="1" noRot="1" noChangeAspect="1"/>
+          </p:cNvSpPr>
+          <p:nvPr>
+            <p:ph type="sldImg"/>
+          </p:nvPr>
+        </p:nvSpPr>
+        <p:spPr/>
+      </p:sp>
+      <p:sp>
+        <p:nvSpPr>
+          <p:cNvPr id="3" name="Pladsholder til noter 2"/>
+          <p:cNvSpPr>
+            <a:spLocks noGrp="1"/>
+          </p:cNvSpPr>
+          <p:nvPr>
+            <p:ph type="body" idx="1"/>
+          </p:nvPr>
+        </p:nvSpPr>
+        <p:spPr/>
+        <p:txBody>
+          <a:bodyPr/>
+          <a:lstStyle/>
+          <a:p>
+            <a:r>
+              <a:rPr lang="da-DK" dirty="0" smtClean="0"/>
+              <a:t>Niller</a:t>
+            </a:r>
+            <a:endParaRPr lang="da-DK" dirty="0"/>
+          </a:p>
+        </p:txBody>
+      </p:sp>
+      <p:sp>
+        <p:nvSpPr>
+          <p:cNvPr id="4" name="Pladsholder til diasnummer 3"/>
+          <p:cNvSpPr>
+            <a:spLocks noGrp="1"/>
+          </p:cNvSpPr>
+          <p:nvPr>
+            <p:ph type="sldNum" sz="quarter" idx="10"/>
+          </p:nvPr>
+        </p:nvSpPr>
+        <p:spPr/>
+        <p:txBody>
+          <a:bodyPr/>
+          <a:lstStyle/>
+          <a:p>
+            <a:fld id="{695A5EAE-DCAC-445C-853E-A9B72C5FA05B}" type="slidenum">
+              <a:rPr lang="da-DK" smtClean="0"/>
+              <a:t>10</a:t>
+            </a:fld>
+            <a:endParaRPr lang="da-DK"/>
+          </a:p>
+        </p:txBody>
+      </p:sp>
+    </p:spTree>
+    <p:extLst>
+      <p:ext uri="{BB962C8B-B14F-4D97-AF65-F5344CB8AC3E}">
+        <p14:creationId xmlns:p14="http://schemas.microsoft.com/office/powerpoint/2010/main" val="646583340"/>
+      </p:ext>
+    </p:extLst>
+  </p:cSld>
+  <p:clrMapOvr>
+    <a:masterClrMapping/>
+  </p:clrMapOvr>
+</p:notes>
+</file>
+
+<file path=ppt/notesSlides/notesSlide9.xml><?xml version="1.0" encoding="utf-8"?>
+<p:notes xmlns:a="http://schemas.openxmlformats.org/drawingml/2006/main" xmlns:r="http://schemas.openxmlformats.org/officeDocument/2006/relationships" xmlns:p="http://schemas.openxmlformats.org/presentationml/2006/main">
+  <p:cSld>
+    <p:spTree>
+      <p:nvGrpSpPr>
+        <p:cNvPr id="1" name=""/>
+        <p:cNvGrpSpPr/>
+        <p:nvPr/>
+      </p:nvGrpSpPr>
+      <p:grpSpPr>
+        <a:xfrm>
+          <a:off x="0" y="0"/>
+          <a:ext cx="0" cy="0"/>
+          <a:chOff x="0" y="0"/>
+          <a:chExt cx="0" cy="0"/>
+        </a:xfrm>
+      </p:grpSpPr>
+      <p:sp>
+        <p:nvSpPr>
+          <p:cNvPr id="2" name="Pladsholder til diasbillede 1"/>
+          <p:cNvSpPr>
+            <a:spLocks noGrp="1" noRot="1" noChangeAspect="1"/>
+          </p:cNvSpPr>
+          <p:nvPr>
+            <p:ph type="sldImg"/>
+          </p:nvPr>
+        </p:nvSpPr>
+        <p:spPr/>
+      </p:sp>
+      <p:sp>
+        <p:nvSpPr>
+          <p:cNvPr id="3" name="Pladsholder til noter 2"/>
+          <p:cNvSpPr>
+            <a:spLocks noGrp="1"/>
+          </p:cNvSpPr>
+          <p:nvPr>
+            <p:ph type="body" idx="1"/>
+          </p:nvPr>
+        </p:nvSpPr>
+        <p:spPr/>
+        <p:txBody>
+          <a:bodyPr/>
+          <a:lstStyle/>
+          <a:p>
+            <a:r>
+              <a:rPr lang="da-DK" dirty="0" smtClean="0"/>
+              <a:t>Kappers</a:t>
+            </a:r>
+            <a:endParaRPr lang="da-DK" dirty="0"/>
+          </a:p>
+        </p:txBody>
+      </p:sp>
+      <p:sp>
+        <p:nvSpPr>
+          <p:cNvPr id="4" name="Pladsholder til diasnummer 3"/>
+          <p:cNvSpPr>
+            <a:spLocks noGrp="1"/>
+          </p:cNvSpPr>
+          <p:nvPr>
+            <p:ph type="sldNum" sz="quarter" idx="10"/>
+          </p:nvPr>
+        </p:nvSpPr>
+        <p:spPr/>
+        <p:txBody>
+          <a:bodyPr/>
+          <a:lstStyle/>
+          <a:p>
+            <a:fld id="{695A5EAE-DCAC-445C-853E-A9B72C5FA05B}" type="slidenum">
+              <a:rPr lang="da-DK" smtClean="0"/>
+              <a:t>11</a:t>
+            </a:fld>
+            <a:endParaRPr lang="da-DK"/>
+          </a:p>
+        </p:txBody>
+      </p:sp>
+    </p:spTree>
+    <p:extLst>
+      <p:ext uri="{BB962C8B-B14F-4D97-AF65-F5344CB8AC3E}">
+        <p14:creationId xmlns:p14="http://schemas.microsoft.com/office/powerpoint/2010/main" val="2120419686"/>
+      </p:ext>
+    </p:extLst>
+  </p:cSld>
+  <p:clrMapOvr>
+    <a:masterClrMapping/>
+  </p:clrMapOvr>
+</p:notes>
+</file>
+
+<file path=ppt/slideLayouts/slideLayout1.xml><?xml version="1.0" encoding="utf-8"?>
+<p:sldLayout xmlns:a="http://schemas.openxmlformats.org/drawingml/2006/main" xmlns:r="http://schemas.openxmlformats.org/officeDocument/2006/relationships" xmlns:p="http://schemas.openxmlformats.org/presentationml/2006/main" type="title" preserve="1">
+  <p:cSld name="Titeldias">
+    <p:bg>
+      <p:bgRef idx="1002">
+        <a:schemeClr val="bg2"/>
+      </p:bgRef>
+    </p:bg>
+    <p:spTree>
+      <p:nvGrpSpPr>
+        <p:cNvPr id="1" name=""/>
+        <p:cNvGrpSpPr/>
+        <p:nvPr/>
+      </p:nvGrpSpPr>
+      <p:grpSpPr>
+        <a:xfrm>
+          <a:off x="0" y="0"/>
+          <a:ext cx="0" cy="0"/>
+          <a:chOff x="0" y="0"/>
+          <a:chExt cx="0" cy="0"/>
+        </a:xfrm>
+      </p:grpSpPr>
+      <p:sp>
+        <p:nvSpPr>
+          <p:cNvPr id="9" name="Title 8"/>
+          <p:cNvSpPr>
+            <a:spLocks noGrp="1"/>
+          </p:cNvSpPr>
+          <p:nvPr>
+            <p:ph type="ctrTitle"/>
+          </p:nvPr>
+        </p:nvSpPr>
+        <p:spPr>
+          <a:xfrm>
+            <a:off x="533400" y="1371600"/>
+            <a:ext cx="7851648" cy="1828800"/>
+          </a:xfrm>
+          <a:ln>
+            <a:noFill/>
+          </a:ln>
+        </p:spPr>
+        <p:txBody>
+          <a:bodyPr vert="horz" tIns="0" rIns="18288" bIns="0" anchor="b">
+            <a:normAutofit/>
+            <a:scene3d>
+              <a:camera prst="orthographicFront"/>
+              <a:lightRig rig="freezing" dir="t">
+                <a:rot lat="0" lon="0" rev="5640000"/>
+              </a:lightRig>
+            </a:scene3d>
+            <a:sp3d prstMaterial="flat">
+              <a:bevelT w="38100" h="38100"/>
+              <a:contourClr>
+                <a:schemeClr val="tx2"/>
+              </a:contourClr>
+            </a:sp3d>
+          </a:bodyPr>
+          <a:lstStyle>
+            <a:lvl1pPr algn="r" rtl="0">
+              <a:spcBef>
+                <a:spcPct val="0"/>
+              </a:spcBef>
+              <a:buNone/>
+              <a:defRPr sz="5600" b="1">
+                <a:ln>
+                  <a:noFill/>
+                </a:ln>
+                <a:solidFill>
+                  <a:schemeClr val="accent3">
+                    <a:tint val="90000"/>
+                    <a:satMod val="120000"/>
+                  </a:schemeClr>
+                </a:solidFill>
+                <a:effectLst>
+                  <a:outerShdw blurRad="38100" dist="25400" dir="5400000" algn="tl" rotWithShape="0">
+                    <a:srgbClr val="000000">
+                      <a:alpha val="43000"/>
+                    </a:srgbClr>
+                  </a:outerShdw>
+                </a:effectLst>
+                <a:latin typeface="+mj-lt"/>
+                <a:ea typeface="+mj-ea"/>
+                <a:cs typeface="+mj-cs"/>
+              </a:defRPr>
+            </a:lvl1pPr>
+          </a:lstStyle>
+          <a:p>
+            <a:r>
+              <a:rPr kumimoji="0" lang="da-DK" smtClean="0"/>
+              <a:t>Klik for at redigere i master</a:t>
+            </a:r>
+            <a:endParaRPr kumimoji="0" lang="en-US"/>
+          </a:p>
+        </p:txBody>
+      </p:sp>
+      <p:sp>
+        <p:nvSpPr>
+          <p:cNvPr id="17" name="Subtitle 16"/>
+          <p:cNvSpPr>
+            <a:spLocks noGrp="1"/>
+          </p:cNvSpPr>
+          <p:nvPr>
+            <p:ph type="subTitle" idx="1"/>
+          </p:nvPr>
+        </p:nvSpPr>
+        <p:spPr>
+          <a:xfrm>
+            <a:off x="533400" y="3228536"/>
+            <a:ext cx="7854696" cy="1752600"/>
           </a:xfrm>
         </p:spPr>
         <p:txBody>
-          <a:bodyPr/>
-          <a:lstStyle/>
-          <a:p>
-            <a:r>
-              <a:rPr lang="da-DK" smtClean="0"/>
-              <a:t>Klik for at redigere titeltypografi i masteren</a:t>
-            </a:r>
-            <a:endParaRPr lang="da-DK"/>
-          </a:p>
-        </p:txBody>
-      </p:sp>
-      <p:sp>
-        <p:nvSpPr>
-          <p:cNvPr id="3" name="Undertitel 2"/>
-          <p:cNvSpPr>
-            <a:spLocks noGrp="1"/>
-          </p:cNvSpPr>
-          <p:nvPr>
-            <p:ph type="subTitle" idx="1"/>
-          </p:nvPr>
-        </p:nvSpPr>
-        <p:spPr>
-          <a:xfrm>
-            <a:off x="1371600" y="3886200"/>
-            <a:ext cx="6400800" cy="1752600"/>
-          </a:xfrm>
-        </p:spPr>
-        <p:txBody>
-          <a:bodyPr/>
+          <a:bodyPr lIns="0" rIns="18288"/>
           <a:lstStyle>
-            <a:lvl1pPr marL="0" indent="0" algn="ctr">
+            <a:lvl1pPr marL="0" marR="45720" indent="0" algn="r">
               <a:buNone/>
               <a:defRPr>
                 <a:solidFill>
-                  <a:schemeClr val="tx1">
-                    <a:tint val="75000"/>
-                  </a:schemeClr>
+                  <a:schemeClr val="tx1"/>
                 </a:solidFill>
               </a:defRPr>
             </a:lvl1pPr>
             <a:lvl2pPr marL="457200" indent="0" algn="ctr">
               <a:buNone/>
-              <a:defRPr>
-                <a:solidFill>
-                  <a:schemeClr val="tx1">
-                    <a:tint val="75000"/>
-                  </a:schemeClr>
-                </a:solidFill>
-              </a:defRPr>
             </a:lvl2pPr>
             <a:lvl3pPr marL="914400" indent="0" algn="ctr">
               <a:buNone/>
-              <a:defRPr>
-                <a:solidFill>
-                  <a:schemeClr val="tx1">
-                    <a:tint val="75000"/>
-                  </a:schemeClr>
-                </a:solidFill>
-              </a:defRPr>
             </a:lvl3pPr>
             <a:lvl4pPr marL="1371600" indent="0" algn="ctr">
               <a:buNone/>
-              <a:defRPr>
-                <a:solidFill>
-                  <a:schemeClr val="tx1">
-                    <a:tint val="75000"/>
-                  </a:schemeClr>
-                </a:solidFill>
-              </a:defRPr>
             </a:lvl4pPr>
             <a:lvl5pPr marL="1828800" indent="0" algn="ctr">
               <a:buNone/>
-              <a:defRPr>
-                <a:solidFill>
-                  <a:schemeClr val="tx1">
-                    <a:tint val="75000"/>
-                  </a:schemeClr>
-                </a:solidFill>
-              </a:defRPr>
             </a:lvl5pPr>
             <a:lvl6pPr marL="2286000" indent="0" algn="ctr">
               <a:buNone/>
-              <a:defRPr>
-                <a:solidFill>
-                  <a:schemeClr val="tx1">
-                    <a:tint val="75000"/>
-                  </a:schemeClr>
-                </a:solidFill>
-              </a:defRPr>
             </a:lvl6pPr>
             <a:lvl7pPr marL="2743200" indent="0" algn="ctr">
               <a:buNone/>
-              <a:defRPr>
-                <a:solidFill>
-                  <a:schemeClr val="tx1">
-                    <a:tint val="75000"/>
-                  </a:schemeClr>
-                </a:solidFill>
-              </a:defRPr>
             </a:lvl7pPr>
             <a:lvl8pPr marL="3200400" indent="0" algn="ctr">
               <a:buNone/>
-              <a:defRPr>
-                <a:solidFill>
-                  <a:schemeClr val="tx1">
-                    <a:tint val="75000"/>
-                  </a:schemeClr>
-                </a:solidFill>
-              </a:defRPr>
             </a:lvl8pPr>
             <a:lvl9pPr marL="3657600" indent="0" algn="ctr">
               <a:buNone/>
-              <a:defRPr>
-                <a:solidFill>
-                  <a:schemeClr val="tx1">
-                    <a:tint val="75000"/>
-                  </a:schemeClr>
-                </a:solidFill>
-              </a:defRPr>
             </a:lvl9pPr>
           </a:lstStyle>
           <a:p>
             <a:r>
-              <a:rPr lang="da-DK" smtClean="0"/>
-              <a:t>Klik for at redigere undertiteltypografien i masteren</a:t>
-            </a:r>
-            <a:endParaRPr lang="da-DK"/>
-          </a:p>
-        </p:txBody>
-      </p:sp>
-      <p:sp>
-        <p:nvSpPr>
-          <p:cNvPr id="4" name="Pladsholder til dato 3"/>
+              <a:rPr kumimoji="0" lang="da-DK" smtClean="0"/>
+              <a:t>Klik for at redigere i master</a:t>
+            </a:r>
+            <a:endParaRPr kumimoji="0" lang="en-US"/>
+          </a:p>
+        </p:txBody>
+      </p:sp>
+      <p:sp>
+        <p:nvSpPr>
+          <p:cNvPr id="30" name="Date Placeholder 29"/>
           <p:cNvSpPr>
             <a:spLocks noGrp="1"/>
           </p:cNvSpPr>
@@ -314,7 +2155,7 @@
       </p:sp>
       <p:sp>
         <p:nvSpPr>
-          <p:cNvPr id="5" name="Pladsholder til sidefod 4"/>
+          <p:cNvPr id="19" name="Footer Placeholder 18"/>
           <p:cNvSpPr>
             <a:spLocks noGrp="1"/>
           </p:cNvSpPr>
@@ -333,7 +2174,7 @@
       </p:sp>
       <p:sp>
         <p:nvSpPr>
-          <p:cNvPr id="6" name="Pladsholder til diasnummer 5"/>
+          <p:cNvPr id="27" name="Slide Number Placeholder 26"/>
           <p:cNvSpPr>
             <a:spLocks noGrp="1"/>
           </p:cNvSpPr>
@@ -357,7 +2198,7 @@
     </p:spTree>
   </p:cSld>
   <p:clrMapOvr>
-    <a:masterClrMapping/>
+    <a:overrideClrMapping bg1="dk1" tx1="lt1" bg2="dk2" tx2="lt2" accent1="accent1" accent2="accent2" accent3="accent3" accent4="accent4" accent5="accent5" accent6="accent6" hlink="hlink" folHlink="folHlink"/>
   </p:clrMapOvr>
 </p:sldLayout>
 </file>
@@ -381,7 +2222,7 @@
       </p:grpSpPr>
       <p:sp>
         <p:nvSpPr>
-          <p:cNvPr id="2" name="Titel 1"/>
+          <p:cNvPr id="2" name="Title 1"/>
           <p:cNvSpPr>
             <a:spLocks noGrp="1"/>
           </p:cNvSpPr>
@@ -395,16 +2236,16 @@
           <a:lstStyle/>
           <a:p>
             <a:r>
-              <a:rPr lang="da-DK" smtClean="0"/>
-              <a:t>Klik for at redigere titeltypografi i masteren</a:t>
-            </a:r>
-            <a:endParaRPr lang="da-DK"/>
-          </a:p>
-        </p:txBody>
-      </p:sp>
-      <p:sp>
-        <p:nvSpPr>
-          <p:cNvPr id="3" name="Pladsholder til lodret titel 2"/>
+              <a:rPr kumimoji="0" lang="da-DK" smtClean="0"/>
+              <a:t>Klik for at redigere i master</a:t>
+            </a:r>
+            <a:endParaRPr kumimoji="0" lang="en-US"/>
+          </a:p>
+        </p:txBody>
+      </p:sp>
+      <p:sp>
+        <p:nvSpPr>
+          <p:cNvPr id="3" name="Vertical Text Placeholder 2"/>
           <p:cNvSpPr>
             <a:spLocks noGrp="1"/>
           </p:cNvSpPr>
@@ -417,46 +2258,46 @@
           <a:bodyPr vert="eaVert"/>
           <a:lstStyle/>
           <a:p>
-            <a:pPr lvl="0"/>
-            <a:r>
-              <a:rPr lang="da-DK" smtClean="0"/>
-              <a:t>Klik for at redigere typografi i masteren</a:t>
-            </a:r>
-          </a:p>
-          <a:p>
-            <a:pPr lvl="1"/>
+            <a:pPr lvl="0" eaLnBrk="1" latinLnBrk="0" hangingPunct="1"/>
+            <a:r>
+              <a:rPr lang="da-DK" smtClean="0"/>
+              <a:t>Klik for at redigere i master</a:t>
+            </a:r>
+          </a:p>
+          <a:p>
+            <a:pPr lvl="1" eaLnBrk="1" latinLnBrk="0" hangingPunct="1"/>
             <a:r>
               <a:rPr lang="da-DK" smtClean="0"/>
               <a:t>Andet niveau</a:t>
             </a:r>
           </a:p>
           <a:p>
-            <a:pPr lvl="2"/>
+            <a:pPr lvl="2" eaLnBrk="1" latinLnBrk="0" hangingPunct="1"/>
             <a:r>
               <a:rPr lang="da-DK" smtClean="0"/>
               <a:t>Tredje niveau</a:t>
             </a:r>
           </a:p>
           <a:p>
-            <a:pPr lvl="3"/>
+            <a:pPr lvl="3" eaLnBrk="1" latinLnBrk="0" hangingPunct="1"/>
             <a:r>
               <a:rPr lang="da-DK" smtClean="0"/>
               <a:t>Fjerde niveau</a:t>
             </a:r>
           </a:p>
           <a:p>
-            <a:pPr lvl="4"/>
+            <a:pPr lvl="4" eaLnBrk="1" latinLnBrk="0" hangingPunct="1"/>
             <a:r>
               <a:rPr lang="da-DK" smtClean="0"/>
               <a:t>Femte niveau</a:t>
             </a:r>
-            <a:endParaRPr lang="da-DK"/>
-          </a:p>
-        </p:txBody>
-      </p:sp>
-      <p:sp>
-        <p:nvSpPr>
-          <p:cNvPr id="4" name="Pladsholder til dato 3"/>
+            <a:endParaRPr kumimoji="0" lang="en-US"/>
+          </a:p>
+        </p:txBody>
+      </p:sp>
+      <p:sp>
+        <p:nvSpPr>
+          <p:cNvPr id="4" name="Date Placeholder 3"/>
           <p:cNvSpPr>
             <a:spLocks noGrp="1"/>
           </p:cNvSpPr>
@@ -479,7 +2320,7 @@
       </p:sp>
       <p:sp>
         <p:nvSpPr>
-          <p:cNvPr id="5" name="Pladsholder til sidefod 4"/>
+          <p:cNvPr id="5" name="Footer Placeholder 4"/>
           <p:cNvSpPr>
             <a:spLocks noGrp="1"/>
           </p:cNvSpPr>
@@ -498,7 +2339,7 @@
       </p:sp>
       <p:sp>
         <p:nvSpPr>
-          <p:cNvPr id="6" name="Pladsholder til diasnummer 5"/>
+          <p:cNvPr id="6" name="Slide Number Placeholder 5"/>
           <p:cNvSpPr>
             <a:spLocks noGrp="1"/>
           </p:cNvSpPr>
@@ -546,7 +2387,7 @@
       </p:grpSpPr>
       <p:sp>
         <p:nvSpPr>
-          <p:cNvPr id="2" name="Lodret titel 1"/>
+          <p:cNvPr id="2" name="Vertical Title 1"/>
           <p:cNvSpPr>
             <a:spLocks noGrp="1"/>
           </p:cNvSpPr>
@@ -556,8 +2397,8 @@
         </p:nvSpPr>
         <p:spPr>
           <a:xfrm>
-            <a:off x="6629400" y="274638"/>
-            <a:ext cx="2057400" cy="5851525"/>
+            <a:off x="6629400" y="914401"/>
+            <a:ext cx="2057400" cy="5211763"/>
           </a:xfrm>
         </p:spPr>
         <p:txBody>
@@ -565,16 +2406,16 @@
           <a:lstStyle/>
           <a:p>
             <a:r>
-              <a:rPr lang="da-DK" smtClean="0"/>
-              <a:t>Klik for at redigere titeltypografi i masteren</a:t>
-            </a:r>
-            <a:endParaRPr lang="da-DK"/>
-          </a:p>
-        </p:txBody>
-      </p:sp>
-      <p:sp>
-        <p:nvSpPr>
-          <p:cNvPr id="3" name="Pladsholder til lodret titel 2"/>
+              <a:rPr kumimoji="0" lang="da-DK" smtClean="0"/>
+              <a:t>Klik for at redigere i master</a:t>
+            </a:r>
+            <a:endParaRPr kumimoji="0" lang="en-US"/>
+          </a:p>
+        </p:txBody>
+      </p:sp>
+      <p:sp>
+        <p:nvSpPr>
+          <p:cNvPr id="3" name="Vertical Text Placeholder 2"/>
           <p:cNvSpPr>
             <a:spLocks noGrp="1"/>
           </p:cNvSpPr>
@@ -584,54 +2425,54 @@
         </p:nvSpPr>
         <p:spPr>
           <a:xfrm>
-            <a:off x="457200" y="274638"/>
-            <a:ext cx="6019800" cy="5851525"/>
+            <a:off x="457200" y="914401"/>
+            <a:ext cx="6019800" cy="5211763"/>
           </a:xfrm>
         </p:spPr>
         <p:txBody>
           <a:bodyPr vert="eaVert"/>
           <a:lstStyle/>
           <a:p>
-            <a:pPr lvl="0"/>
-            <a:r>
-              <a:rPr lang="da-DK" smtClean="0"/>
-              <a:t>Klik for at redigere typografi i masteren</a:t>
-            </a:r>
-          </a:p>
-          <a:p>
-            <a:pPr lvl="1"/>
+            <a:pPr lvl="0" eaLnBrk="1" latinLnBrk="0" hangingPunct="1"/>
+            <a:r>
+              <a:rPr lang="da-DK" smtClean="0"/>
+              <a:t>Klik for at redigere i master</a:t>
+            </a:r>
+          </a:p>
+          <a:p>
+            <a:pPr lvl="1" eaLnBrk="1" latinLnBrk="0" hangingPunct="1"/>
             <a:r>
               <a:rPr lang="da-DK" smtClean="0"/>
               <a:t>Andet niveau</a:t>
             </a:r>
           </a:p>
           <a:p>
-            <a:pPr lvl="2"/>
+            <a:pPr lvl="2" eaLnBrk="1" latinLnBrk="0" hangingPunct="1"/>
             <a:r>
               <a:rPr lang="da-DK" smtClean="0"/>
               <a:t>Tredje niveau</a:t>
             </a:r>
           </a:p>
           <a:p>
-            <a:pPr lvl="3"/>
+            <a:pPr lvl="3" eaLnBrk="1" latinLnBrk="0" hangingPunct="1"/>
             <a:r>
               <a:rPr lang="da-DK" smtClean="0"/>
               <a:t>Fjerde niveau</a:t>
             </a:r>
           </a:p>
           <a:p>
-            <a:pPr lvl="4"/>
+            <a:pPr lvl="4" eaLnBrk="1" latinLnBrk="0" hangingPunct="1"/>
             <a:r>
               <a:rPr lang="da-DK" smtClean="0"/>
               <a:t>Femte niveau</a:t>
             </a:r>
-            <a:endParaRPr lang="da-DK"/>
-          </a:p>
-        </p:txBody>
-      </p:sp>
-      <p:sp>
-        <p:nvSpPr>
-          <p:cNvPr id="4" name="Pladsholder til dato 3"/>
+            <a:endParaRPr kumimoji="0" lang="en-US"/>
+          </a:p>
+        </p:txBody>
+      </p:sp>
+      <p:sp>
+        <p:nvSpPr>
+          <p:cNvPr id="4" name="Date Placeholder 3"/>
           <p:cNvSpPr>
             <a:spLocks noGrp="1"/>
           </p:cNvSpPr>
@@ -654,7 +2495,7 @@
       </p:sp>
       <p:sp>
         <p:nvSpPr>
-          <p:cNvPr id="5" name="Pladsholder til sidefod 4"/>
+          <p:cNvPr id="5" name="Footer Placeholder 4"/>
           <p:cNvSpPr>
             <a:spLocks noGrp="1"/>
           </p:cNvSpPr>
@@ -673,7 +2514,7 @@
       </p:sp>
       <p:sp>
         <p:nvSpPr>
-          <p:cNvPr id="6" name="Pladsholder til diasnummer 5"/>
+          <p:cNvPr id="6" name="Slide Number Placeholder 5"/>
           <p:cNvSpPr>
             <a:spLocks noGrp="1"/>
           </p:cNvSpPr>
@@ -721,7 +2562,7 @@
       </p:grpSpPr>
       <p:sp>
         <p:nvSpPr>
-          <p:cNvPr id="2" name="Titel 1"/>
+          <p:cNvPr id="2" name="Title 1"/>
           <p:cNvSpPr>
             <a:spLocks noGrp="1"/>
           </p:cNvSpPr>
@@ -735,16 +2576,16 @@
           <a:lstStyle/>
           <a:p>
             <a:r>
-              <a:rPr lang="da-DK" smtClean="0"/>
-              <a:t>Klik for at redigere titeltypografi i masteren</a:t>
-            </a:r>
-            <a:endParaRPr lang="da-DK"/>
-          </a:p>
-        </p:txBody>
-      </p:sp>
-      <p:sp>
-        <p:nvSpPr>
-          <p:cNvPr id="3" name="Pladsholder til indhold 2"/>
+              <a:rPr kumimoji="0" lang="da-DK" smtClean="0"/>
+              <a:t>Klik for at redigere i master</a:t>
+            </a:r>
+            <a:endParaRPr kumimoji="0" lang="en-US"/>
+          </a:p>
+        </p:txBody>
+      </p:sp>
+      <p:sp>
+        <p:nvSpPr>
+          <p:cNvPr id="3" name="Content Placeholder 2"/>
           <p:cNvSpPr>
             <a:spLocks noGrp="1"/>
           </p:cNvSpPr>
@@ -757,46 +2598,46 @@
           <a:bodyPr/>
           <a:lstStyle/>
           <a:p>
-            <a:pPr lvl="0"/>
-            <a:r>
-              <a:rPr lang="da-DK" smtClean="0"/>
-              <a:t>Klik for at redigere typografi i masteren</a:t>
-            </a:r>
-          </a:p>
-          <a:p>
-            <a:pPr lvl="1"/>
+            <a:pPr lvl="0" eaLnBrk="1" latinLnBrk="0" hangingPunct="1"/>
+            <a:r>
+              <a:rPr lang="da-DK" smtClean="0"/>
+              <a:t>Klik for at redigere i master</a:t>
+            </a:r>
+          </a:p>
+          <a:p>
+            <a:pPr lvl="1" eaLnBrk="1" latinLnBrk="0" hangingPunct="1"/>
             <a:r>
               <a:rPr lang="da-DK" smtClean="0"/>
               <a:t>Andet niveau</a:t>
             </a:r>
           </a:p>
           <a:p>
-            <a:pPr lvl="2"/>
+            <a:pPr lvl="2" eaLnBrk="1" latinLnBrk="0" hangingPunct="1"/>
             <a:r>
               <a:rPr lang="da-DK" smtClean="0"/>
               <a:t>Tredje niveau</a:t>
             </a:r>
           </a:p>
           <a:p>
-            <a:pPr lvl="3"/>
+            <a:pPr lvl="3" eaLnBrk="1" latinLnBrk="0" hangingPunct="1"/>
             <a:r>
               <a:rPr lang="da-DK" smtClean="0"/>
               <a:t>Fjerde niveau</a:t>
             </a:r>
           </a:p>
           <a:p>
-            <a:pPr lvl="4"/>
+            <a:pPr lvl="4" eaLnBrk="1" latinLnBrk="0" hangingPunct="1"/>
             <a:r>
               <a:rPr lang="da-DK" smtClean="0"/>
               <a:t>Femte niveau</a:t>
             </a:r>
-            <a:endParaRPr lang="da-DK"/>
-          </a:p>
-        </p:txBody>
-      </p:sp>
-      <p:sp>
-        <p:nvSpPr>
-          <p:cNvPr id="4" name="Pladsholder til dato 3"/>
+            <a:endParaRPr kumimoji="0" lang="en-US"/>
+          </a:p>
+        </p:txBody>
+      </p:sp>
+      <p:sp>
+        <p:nvSpPr>
+          <p:cNvPr id="4" name="Date Placeholder 3"/>
           <p:cNvSpPr>
             <a:spLocks noGrp="1"/>
           </p:cNvSpPr>
@@ -819,7 +2660,7 @@
       </p:sp>
       <p:sp>
         <p:nvSpPr>
-          <p:cNvPr id="5" name="Pladsholder til sidefod 4"/>
+          <p:cNvPr id="5" name="Footer Placeholder 4"/>
           <p:cNvSpPr>
             <a:spLocks noGrp="1"/>
           </p:cNvSpPr>
@@ -838,7 +2679,7 @@
       </p:sp>
       <p:sp>
         <p:nvSpPr>
-          <p:cNvPr id="6" name="Pladsholder til diasnummer 5"/>
+          <p:cNvPr id="6" name="Slide Number Placeholder 5"/>
           <p:cNvSpPr>
             <a:spLocks noGrp="1"/>
           </p:cNvSpPr>
@@ -870,6 +2711,11 @@
 <file path=ppt/slideLayouts/slideLayout3.xml><?xml version="1.0" encoding="utf-8"?>
 <p:sldLayout xmlns:a="http://schemas.openxmlformats.org/drawingml/2006/main" xmlns:r="http://schemas.openxmlformats.org/officeDocument/2006/relationships" xmlns:p="http://schemas.openxmlformats.org/presentationml/2006/main" type="secHead" preserve="1">
   <p:cSld name="Afsnitsoverskrift">
+    <p:bg>
+      <p:bgRef idx="1002">
+        <a:schemeClr val="bg2"/>
+      </p:bgRef>
+    </p:bg>
     <p:spTree>
       <p:nvGrpSpPr>
         <p:cNvPr id="1" name=""/>
@@ -886,7 +2732,7 @@
       </p:grpSpPr>
       <p:sp>
         <p:nvSpPr>
-          <p:cNvPr id="2" name="Titel 1"/>
+          <p:cNvPr id="2" name="Title 1"/>
           <p:cNvSpPr>
             <a:spLocks noGrp="1"/>
           </p:cNvSpPr>
@@ -896,56 +2742,92 @@
         </p:nvSpPr>
         <p:spPr>
           <a:xfrm>
-            <a:off x="722313" y="4406900"/>
-            <a:ext cx="7772400" cy="1362075"/>
+            <a:off x="530352" y="1316736"/>
+            <a:ext cx="7772400" cy="1362456"/>
+          </a:xfrm>
+          <a:ln>
+            <a:noFill/>
+          </a:ln>
+        </p:spPr>
+        <p:txBody>
+          <a:bodyPr vert="horz" tIns="0" bIns="0" anchor="b">
+            <a:noAutofit/>
+            <a:scene3d>
+              <a:camera prst="orthographicFront"/>
+              <a:lightRig rig="freezing" dir="t">
+                <a:rot lat="0" lon="0" rev="5640000"/>
+              </a:lightRig>
+            </a:scene3d>
+            <a:sp3d prstMaterial="flat">
+              <a:bevelT w="38100" h="38100"/>
+            </a:sp3d>
+          </a:bodyPr>
+          <a:lstStyle>
+            <a:lvl1pPr algn="l" rtl="0">
+              <a:spcBef>
+                <a:spcPct val="0"/>
+              </a:spcBef>
+              <a:buNone/>
+              <a:defRPr lang="en-US" sz="5600" b="1" cap="none" baseline="0" dirty="0">
+                <a:ln w="635">
+                  <a:noFill/>
+                </a:ln>
+                <a:solidFill>
+                  <a:schemeClr val="accent4">
+                    <a:tint val="90000"/>
+                    <a:satMod val="125000"/>
+                  </a:schemeClr>
+                </a:solidFill>
+                <a:effectLst>
+                  <a:outerShdw blurRad="38100" dist="25400" dir="5400000" algn="tl" rotWithShape="0">
+                    <a:srgbClr val="000000">
+                      <a:alpha val="43000"/>
+                    </a:srgbClr>
+                  </a:outerShdw>
+                </a:effectLst>
+                <a:latin typeface="+mj-lt"/>
+                <a:ea typeface="+mj-ea"/>
+                <a:cs typeface="+mj-cs"/>
+              </a:defRPr>
+            </a:lvl1pPr>
+          </a:lstStyle>
+          <a:p>
+            <a:r>
+              <a:rPr kumimoji="0" lang="da-DK" smtClean="0"/>
+              <a:t>Klik for at redigere i master</a:t>
+            </a:r>
+            <a:endParaRPr kumimoji="0" lang="en-US"/>
+          </a:p>
+        </p:txBody>
+      </p:sp>
+      <p:sp>
+        <p:nvSpPr>
+          <p:cNvPr id="3" name="Text Placeholder 2"/>
+          <p:cNvSpPr>
+            <a:spLocks noGrp="1"/>
+          </p:cNvSpPr>
+          <p:nvPr>
+            <p:ph type="body" idx="1"/>
+          </p:nvPr>
+        </p:nvSpPr>
+        <p:spPr>
+          <a:xfrm>
+            <a:off x="530352" y="2704664"/>
+            <a:ext cx="7772400" cy="1509712"/>
           </a:xfrm>
         </p:spPr>
         <p:txBody>
-          <a:bodyPr anchor="t"/>
-          <a:lstStyle>
-            <a:lvl1pPr algn="l">
-              <a:defRPr sz="4000" b="1" cap="all"/>
-            </a:lvl1pPr>
-          </a:lstStyle>
-          <a:p>
-            <a:r>
-              <a:rPr lang="da-DK" smtClean="0"/>
-              <a:t>Klik for at redigere titeltypografi i masteren</a:t>
-            </a:r>
-            <a:endParaRPr lang="da-DK"/>
-          </a:p>
-        </p:txBody>
-      </p:sp>
-      <p:sp>
-        <p:nvSpPr>
-          <p:cNvPr id="3" name="Pladsholder til tekst 2"/>
-          <p:cNvSpPr>
-            <a:spLocks noGrp="1"/>
-          </p:cNvSpPr>
-          <p:nvPr>
-            <p:ph type="body" idx="1"/>
-          </p:nvPr>
-        </p:nvSpPr>
-        <p:spPr>
-          <a:xfrm>
-            <a:off x="722313" y="2906713"/>
-            <a:ext cx="7772400" cy="1500187"/>
-          </a:xfrm>
-        </p:spPr>
-        <p:txBody>
-          <a:bodyPr anchor="b"/>
+          <a:bodyPr lIns="45720" rIns="45720" anchor="t"/>
           <a:lstStyle>
             <a:lvl1pPr marL="0" indent="0">
               <a:buNone/>
-              <a:defRPr sz="2000">
+              <a:defRPr sz="2200">
                 <a:solidFill>
-                  <a:schemeClr val="tx1">
-                    <a:tint val="75000"/>
-                  </a:schemeClr>
+                  <a:schemeClr val="tx1"/>
                 </a:solidFill>
               </a:defRPr>
             </a:lvl1pPr>
-            <a:lvl2pPr marL="457200" indent="0">
+            <a:lvl2pPr>
               <a:buNone/>
               <a:defRPr sz="1800">
                 <a:solidFill>
@@ -955,7 +2837,7 @@
                 </a:solidFill>
               </a:defRPr>
             </a:lvl2pPr>
-            <a:lvl3pPr marL="914400" indent="0">
+            <a:lvl3pPr>
               <a:buNone/>
               <a:defRPr sz="1600">
                 <a:solidFill>
@@ -965,7 +2847,7 @@
                 </a:solidFill>
               </a:defRPr>
             </a:lvl3pPr>
-            <a:lvl4pPr marL="1371600" indent="0">
+            <a:lvl4pPr>
               <a:buNone/>
               <a:defRPr sz="1400">
                 <a:solidFill>
@@ -975,7 +2857,7 @@
                 </a:solidFill>
               </a:defRPr>
             </a:lvl4pPr>
-            <a:lvl5pPr marL="1828800" indent="0">
+            <a:lvl5pPr>
               <a:buNone/>
               <a:defRPr sz="1400">
                 <a:solidFill>
@@ -985,59 +2867,19 @@
                 </a:solidFill>
               </a:defRPr>
             </a:lvl5pPr>
-            <a:lvl6pPr marL="2286000" indent="0">
-              <a:buNone/>
-              <a:defRPr sz="1400">
-                <a:solidFill>
-                  <a:schemeClr val="tx1">
-                    <a:tint val="75000"/>
-                  </a:schemeClr>
-                </a:solidFill>
-              </a:defRPr>
-            </a:lvl6pPr>
-            <a:lvl7pPr marL="2743200" indent="0">
-              <a:buNone/>
-              <a:defRPr sz="1400">
-                <a:solidFill>
-                  <a:schemeClr val="tx1">
-                    <a:tint val="75000"/>
-                  </a:schemeClr>
-                </a:solidFill>
-              </a:defRPr>
-            </a:lvl7pPr>
-            <a:lvl8pPr marL="3200400" indent="0">
-              <a:buNone/>
-              <a:defRPr sz="1400">
-                <a:solidFill>
-                  <a:schemeClr val="tx1">
-                    <a:tint val="75000"/>
-                  </a:schemeClr>
-                </a:solidFill>
-              </a:defRPr>
-            </a:lvl8pPr>
-            <a:lvl9pPr marL="3657600" indent="0">
-              <a:buNone/>
-              <a:defRPr sz="1400">
-                <a:solidFill>
-                  <a:schemeClr val="tx1">
-                    <a:tint val="75000"/>
-                  </a:schemeClr>
-                </a:solidFill>
-              </a:defRPr>
-            </a:lvl9pPr>
           </a:lstStyle>
           <a:p>
-            <a:pPr lvl="0"/>
-            <a:r>
-              <a:rPr lang="da-DK" smtClean="0"/>
-              <a:t>Klik for at redigere typografi i masteren</a:t>
-            </a:r>
-          </a:p>
-        </p:txBody>
-      </p:sp>
-      <p:sp>
-        <p:nvSpPr>
-          <p:cNvPr id="4" name="Pladsholder til dato 3"/>
+            <a:pPr lvl="0" eaLnBrk="1" latinLnBrk="0" hangingPunct="1"/>
+            <a:r>
+              <a:rPr kumimoji="0" lang="da-DK" smtClean="0"/>
+              <a:t>Klik for at redigere i master</a:t>
+            </a:r>
+          </a:p>
+        </p:txBody>
+      </p:sp>
+      <p:sp>
+        <p:nvSpPr>
+          <p:cNvPr id="4" name="Date Placeholder 3"/>
           <p:cNvSpPr>
             <a:spLocks noGrp="1"/>
           </p:cNvSpPr>
@@ -1060,7 +2902,7 @@
       </p:sp>
       <p:sp>
         <p:nvSpPr>
-          <p:cNvPr id="5" name="Pladsholder til sidefod 4"/>
+          <p:cNvPr id="5" name="Footer Placeholder 4"/>
           <p:cNvSpPr>
             <a:spLocks noGrp="1"/>
           </p:cNvSpPr>
@@ -1079,7 +2921,7 @@
       </p:sp>
       <p:sp>
         <p:nvSpPr>
-          <p:cNvPr id="6" name="Pladsholder til diasnummer 5"/>
+          <p:cNvPr id="6" name="Slide Number Placeholder 5"/>
           <p:cNvSpPr>
             <a:spLocks noGrp="1"/>
           </p:cNvSpPr>
@@ -1103,7 +2945,7 @@
     </p:spTree>
   </p:cSld>
   <p:clrMapOvr>
-    <a:masterClrMapping/>
+    <a:overrideClrMapping bg1="dk1" tx1="lt1" bg2="dk2" tx2="lt2" accent1="accent1" accent2="accent2" accent3="accent3" accent4="accent4" accent5="accent5" accent6="accent6" hlink="hlink" folHlink="folHlink"/>
   </p:clrMapOvr>
 </p:sldLayout>
 </file>
@@ -1127,48 +2969,53 @@
       </p:grpSpPr>
       <p:sp>
         <p:nvSpPr>
-          <p:cNvPr id="2" name="Titel 1"/>
+          <p:cNvPr id="2" name="Title 1"/>
           <p:cNvSpPr>
             <a:spLocks noGrp="1"/>
           </p:cNvSpPr>
           <p:nvPr>
             <p:ph type="title"/>
-          </p:nvPr>
-        </p:nvSpPr>
-        <p:spPr/>
-        <p:txBody>
-          <a:bodyPr/>
-          <a:lstStyle/>
-          <a:p>
-            <a:r>
-              <a:rPr lang="da-DK" smtClean="0"/>
-              <a:t>Klik for at redigere titeltypografi i masteren</a:t>
-            </a:r>
-            <a:endParaRPr lang="da-DK"/>
-          </a:p>
-        </p:txBody>
-      </p:sp>
-      <p:sp>
-        <p:nvSpPr>
-          <p:cNvPr id="3" name="Pladsholder til indhold 2"/>
-          <p:cNvSpPr>
-            <a:spLocks noGrp="1"/>
-          </p:cNvSpPr>
-          <p:nvPr>
-            <p:ph sz="half" idx="1"/>
           </p:nvPr>
         </p:nvSpPr>
         <p:spPr>
           <a:xfrm>
-            <a:off x="457200" y="1600200"/>
-            <a:ext cx="4038600" cy="4525963"/>
+            <a:off x="457200" y="704088"/>
+            <a:ext cx="8229600" cy="1143000"/>
           </a:xfrm>
         </p:spPr>
         <p:txBody>
           <a:bodyPr/>
+          <a:lstStyle/>
+          <a:p>
+            <a:r>
+              <a:rPr kumimoji="0" lang="da-DK" smtClean="0"/>
+              <a:t>Klik for at redigere i master</a:t>
+            </a:r>
+            <a:endParaRPr kumimoji="0" lang="en-US"/>
+          </a:p>
+        </p:txBody>
+      </p:sp>
+      <p:sp>
+        <p:nvSpPr>
+          <p:cNvPr id="3" name="Content Placeholder 2"/>
+          <p:cNvSpPr>
+            <a:spLocks noGrp="1"/>
+          </p:cNvSpPr>
+          <p:nvPr>
+            <p:ph sz="half" idx="1"/>
+          </p:nvPr>
+        </p:nvSpPr>
+        <p:spPr>
+          <a:xfrm>
+            <a:off x="457200" y="1920085"/>
+            <a:ext cx="4038600" cy="4434840"/>
+          </a:xfrm>
+        </p:spPr>
+        <p:txBody>
+          <a:bodyPr/>
           <a:lstStyle>
             <a:lvl1pPr>
-              <a:defRPr sz="2800"/>
+              <a:defRPr sz="2600"/>
             </a:lvl1pPr>
             <a:lvl2pPr>
               <a:defRPr sz="2400"/>
@@ -1182,60 +3029,48 @@
             <a:lvl5pPr>
               <a:defRPr sz="1800"/>
             </a:lvl5pPr>
-            <a:lvl6pPr>
-              <a:defRPr sz="1800"/>
-            </a:lvl6pPr>
-            <a:lvl7pPr>
-              <a:defRPr sz="1800"/>
-            </a:lvl7pPr>
-            <a:lvl8pPr>
-              <a:defRPr sz="1800"/>
-            </a:lvl8pPr>
-            <a:lvl9pPr>
-              <a:defRPr sz="1800"/>
-            </a:lvl9pPr>
           </a:lstStyle>
           <a:p>
-            <a:pPr lvl="0"/>
-            <a:r>
-              <a:rPr lang="da-DK" smtClean="0"/>
-              <a:t>Klik for at redigere typografi i masteren</a:t>
-            </a:r>
-          </a:p>
-          <a:p>
-            <a:pPr lvl="1"/>
+            <a:pPr lvl="0" eaLnBrk="1" latinLnBrk="0" hangingPunct="1"/>
+            <a:r>
+              <a:rPr lang="da-DK" smtClean="0"/>
+              <a:t>Klik for at redigere i master</a:t>
+            </a:r>
+          </a:p>
+          <a:p>
+            <a:pPr lvl="1" eaLnBrk="1" latinLnBrk="0" hangingPunct="1"/>
             <a:r>
               <a:rPr lang="da-DK" smtClean="0"/>
               <a:t>Andet niveau</a:t>
             </a:r>
           </a:p>
           <a:p>
-            <a:pPr lvl="2"/>
+            <a:pPr lvl="2" eaLnBrk="1" latinLnBrk="0" hangingPunct="1"/>
             <a:r>
               <a:rPr lang="da-DK" smtClean="0"/>
               <a:t>Tredje niveau</a:t>
             </a:r>
           </a:p>
           <a:p>
-            <a:pPr lvl="3"/>
+            <a:pPr lvl="3" eaLnBrk="1" latinLnBrk="0" hangingPunct="1"/>
             <a:r>
               <a:rPr lang="da-DK" smtClean="0"/>
               <a:t>Fjerde niveau</a:t>
             </a:r>
           </a:p>
           <a:p>
-            <a:pPr lvl="4"/>
+            <a:pPr lvl="4" eaLnBrk="1" latinLnBrk="0" hangingPunct="1"/>
             <a:r>
               <a:rPr lang="da-DK" smtClean="0"/>
               <a:t>Femte niveau</a:t>
             </a:r>
-            <a:endParaRPr lang="da-DK"/>
-          </a:p>
-        </p:txBody>
-      </p:sp>
-      <p:sp>
-        <p:nvSpPr>
-          <p:cNvPr id="4" name="Pladsholder til indhold 3"/>
+            <a:endParaRPr kumimoji="0" lang="en-US"/>
+          </a:p>
+        </p:txBody>
+      </p:sp>
+      <p:sp>
+        <p:nvSpPr>
+          <p:cNvPr id="4" name="Content Placeholder 3"/>
           <p:cNvSpPr>
             <a:spLocks noGrp="1"/>
           </p:cNvSpPr>
@@ -1245,15 +3080,15 @@
         </p:nvSpPr>
         <p:spPr>
           <a:xfrm>
-            <a:off x="4648200" y="1600200"/>
-            <a:ext cx="4038600" cy="4525963"/>
+            <a:off x="4648200" y="1920085"/>
+            <a:ext cx="4038600" cy="4434840"/>
           </a:xfrm>
         </p:spPr>
         <p:txBody>
           <a:bodyPr/>
           <a:lstStyle>
             <a:lvl1pPr>
-              <a:defRPr sz="2800"/>
+              <a:defRPr sz="2600"/>
             </a:lvl1pPr>
             <a:lvl2pPr>
               <a:defRPr sz="2400"/>
@@ -1267,60 +3102,48 @@
             <a:lvl5pPr>
               <a:defRPr sz="1800"/>
             </a:lvl5pPr>
-            <a:lvl6pPr>
-              <a:defRPr sz="1800"/>
-            </a:lvl6pPr>
-            <a:lvl7pPr>
-              <a:defRPr sz="1800"/>
-            </a:lvl7pPr>
-            <a:lvl8pPr>
-              <a:defRPr sz="1800"/>
-            </a:lvl8pPr>
-            <a:lvl9pPr>
-              <a:defRPr sz="1800"/>
-            </a:lvl9pPr>
           </a:lstStyle>
           <a:p>
-            <a:pPr lvl="0"/>
-            <a:r>
-              <a:rPr lang="da-DK" smtClean="0"/>
-              <a:t>Klik for at redigere typografi i masteren</a:t>
-            </a:r>
-          </a:p>
-          <a:p>
-            <a:pPr lvl="1"/>
+            <a:pPr lvl="0" eaLnBrk="1" latinLnBrk="0" hangingPunct="1"/>
+            <a:r>
+              <a:rPr lang="da-DK" smtClean="0"/>
+              <a:t>Klik for at redigere i master</a:t>
+            </a:r>
+          </a:p>
+          <a:p>
+            <a:pPr lvl="1" eaLnBrk="1" latinLnBrk="0" hangingPunct="1"/>
             <a:r>
               <a:rPr lang="da-DK" smtClean="0"/>
               <a:t>Andet niveau</a:t>
             </a:r>
           </a:p>
           <a:p>
-            <a:pPr lvl="2"/>
+            <a:pPr lvl="2" eaLnBrk="1" latinLnBrk="0" hangingPunct="1"/>
             <a:r>
               <a:rPr lang="da-DK" smtClean="0"/>
               <a:t>Tredje niveau</a:t>
             </a:r>
           </a:p>
           <a:p>
-            <a:pPr lvl="3"/>
+            <a:pPr lvl="3" eaLnBrk="1" latinLnBrk="0" hangingPunct="1"/>
             <a:r>
               <a:rPr lang="da-DK" smtClean="0"/>
               <a:t>Fjerde niveau</a:t>
             </a:r>
           </a:p>
           <a:p>
-            <a:pPr lvl="4"/>
+            <a:pPr lvl="4" eaLnBrk="1" latinLnBrk="0" hangingPunct="1"/>
             <a:r>
               <a:rPr lang="da-DK" smtClean="0"/>
               <a:t>Femte niveau</a:t>
             </a:r>
-            <a:endParaRPr lang="da-DK"/>
-          </a:p>
-        </p:txBody>
-      </p:sp>
-      <p:sp>
-        <p:nvSpPr>
-          <p:cNvPr id="5" name="Pladsholder til dato 4"/>
+            <a:endParaRPr kumimoji="0" lang="en-US"/>
+          </a:p>
+        </p:txBody>
+      </p:sp>
+      <p:sp>
+        <p:nvSpPr>
+          <p:cNvPr id="5" name="Date Placeholder 4"/>
           <p:cNvSpPr>
             <a:spLocks noGrp="1"/>
           </p:cNvSpPr>
@@ -1343,7 +3166,7 @@
       </p:sp>
       <p:sp>
         <p:nvSpPr>
-          <p:cNvPr id="6" name="Pladsholder til sidefod 5"/>
+          <p:cNvPr id="6" name="Footer Placeholder 5"/>
           <p:cNvSpPr>
             <a:spLocks noGrp="1"/>
           </p:cNvSpPr>
@@ -1362,7 +3185,7 @@
       </p:sp>
       <p:sp>
         <p:nvSpPr>
-          <p:cNvPr id="7" name="Pladsholder til diasnummer 6"/>
+          <p:cNvPr id="7" name="Slide Number Placeholder 6"/>
           <p:cNvSpPr>
             <a:spLocks noGrp="1"/>
           </p:cNvSpPr>
@@ -1410,7 +3233,7 @@
       </p:grpSpPr>
       <p:sp>
         <p:nvSpPr>
-          <p:cNvPr id="2" name="Titel 1"/>
+          <p:cNvPr id="2" name="Title 1"/>
           <p:cNvSpPr>
             <a:spLocks noGrp="1"/>
           </p:cNvSpPr>
@@ -1418,9 +3241,14 @@
             <p:ph type="title"/>
           </p:nvPr>
         </p:nvSpPr>
-        <p:spPr/>
-        <p:txBody>
-          <a:bodyPr/>
+        <p:spPr>
+          <a:xfrm>
+            <a:off x="457200" y="704088"/>
+            <a:ext cx="8229600" cy="1143000"/>
+          </a:xfrm>
+        </p:spPr>
+        <p:txBody>
+          <a:bodyPr tIns="45720" anchor="b"/>
           <a:lstStyle>
             <a:lvl1pPr>
               <a:defRPr/>
@@ -1428,16 +3256,16 @@
           </a:lstStyle>
           <a:p>
             <a:r>
-              <a:rPr lang="da-DK" smtClean="0"/>
-              <a:t>Klik for at redigere titeltypografi i masteren</a:t>
-            </a:r>
-            <a:endParaRPr lang="da-DK"/>
-          </a:p>
-        </p:txBody>
-      </p:sp>
-      <p:sp>
-        <p:nvSpPr>
-          <p:cNvPr id="3" name="Pladsholder til tekst 2"/>
+              <a:rPr kumimoji="0" lang="da-DK" smtClean="0"/>
+              <a:t>Klik for at redigere i master</a:t>
+            </a:r>
+            <a:endParaRPr kumimoji="0" lang="en-US"/>
+          </a:p>
+        </p:txBody>
+      </p:sp>
+      <p:sp>
+        <p:nvSpPr>
+          <p:cNvPr id="3" name="Text Placeholder 2"/>
           <p:cNvSpPr>
             <a:spLocks noGrp="1"/>
           </p:cNvSpPr>
@@ -1447,80 +3275,125 @@
         </p:nvSpPr>
         <p:spPr>
           <a:xfrm>
-            <a:off x="457200" y="1535113"/>
-            <a:ext cx="4040188" cy="639762"/>
+            <a:off x="457200" y="1855248"/>
+            <a:ext cx="4040188" cy="659352"/>
           </a:xfrm>
         </p:spPr>
         <p:txBody>
-          <a:bodyPr anchor="b"/>
+          <a:bodyPr lIns="45720" tIns="0" rIns="45720" bIns="0" anchor="ctr">
+            <a:noAutofit/>
+          </a:bodyPr>
           <a:lstStyle>
             <a:lvl1pPr marL="0" indent="0">
               <a:buNone/>
-              <a:defRPr sz="2400" b="1"/>
+              <a:defRPr sz="2400" b="1" cap="none" baseline="0">
+                <a:solidFill>
+                  <a:schemeClr val="tx2"/>
+                </a:solidFill>
+                <a:effectLst/>
+              </a:defRPr>
             </a:lvl1pPr>
-            <a:lvl2pPr marL="457200" indent="0">
+            <a:lvl2pPr>
               <a:buNone/>
               <a:defRPr sz="2000" b="1"/>
             </a:lvl2pPr>
-            <a:lvl3pPr marL="914400" indent="0">
+            <a:lvl3pPr>
               <a:buNone/>
               <a:defRPr sz="1800" b="1"/>
             </a:lvl3pPr>
-            <a:lvl4pPr marL="1371600" indent="0">
+            <a:lvl4pPr>
               <a:buNone/>
               <a:defRPr sz="1600" b="1"/>
             </a:lvl4pPr>
-            <a:lvl5pPr marL="1828800" indent="0">
+            <a:lvl5pPr>
               <a:buNone/>
               <a:defRPr sz="1600" b="1"/>
             </a:lvl5pPr>
-            <a:lvl6pPr marL="2286000" indent="0">
+          </a:lstStyle>
+          <a:p>
+            <a:pPr lvl="0" eaLnBrk="1" latinLnBrk="0" hangingPunct="1"/>
+            <a:r>
+              <a:rPr kumimoji="0" lang="da-DK" smtClean="0"/>
+              <a:t>Klik for at redigere i master</a:t>
+            </a:r>
+          </a:p>
+        </p:txBody>
+      </p:sp>
+      <p:sp>
+        <p:nvSpPr>
+          <p:cNvPr id="4" name="Text Placeholder 3"/>
+          <p:cNvSpPr>
+            <a:spLocks noGrp="1"/>
+          </p:cNvSpPr>
+          <p:nvPr>
+            <p:ph type="body" sz="half" idx="3"/>
+          </p:nvPr>
+        </p:nvSpPr>
+        <p:spPr>
+          <a:xfrm>
+            <a:off x="4645025" y="1859757"/>
+            <a:ext cx="4041775" cy="654843"/>
+          </a:xfrm>
+        </p:spPr>
+        <p:txBody>
+          <a:bodyPr lIns="45720" tIns="0" rIns="45720" bIns="0" anchor="ctr"/>
+          <a:lstStyle>
+            <a:lvl1pPr marL="0" indent="0">
+              <a:buNone/>
+              <a:defRPr sz="2400" b="1" cap="none" baseline="0">
+                <a:solidFill>
+                  <a:schemeClr val="tx2"/>
+                </a:solidFill>
+                <a:effectLst/>
+              </a:defRPr>
+            </a:lvl1pPr>
+            <a:lvl2pPr>
+              <a:buNone/>
+              <a:defRPr sz="2000" b="1"/>
+            </a:lvl2pPr>
+            <a:lvl3pPr>
+              <a:buNone/>
+              <a:defRPr sz="1800" b="1"/>
+            </a:lvl3pPr>
+            <a:lvl4pPr>
               <a:buNone/>
               <a:defRPr sz="1600" b="1"/>
-            </a:lvl6pPr>
-            <a:lvl7pPr marL="2743200" indent="0">
+            </a:lvl4pPr>
+            <a:lvl5pPr>
               <a:buNone/>
               <a:defRPr sz="1600" b="1"/>
-            </a:lvl7pPr>
-            <a:lvl8pPr marL="3200400" indent="0">
-              <a:buNone/>
-              <a:defRPr sz="1600" b="1"/>
-            </a:lvl8pPr>
-            <a:lvl9pPr marL="3657600" indent="0">
-              <a:buNone/>
-              <a:defRPr sz="1600" b="1"/>
-            </a:lvl9pPr>
+            </a:lvl5pPr>
           </a:lstStyle>
           <a:p>
-            <a:pPr lvl="0"/>
-            <a:r>
-              <a:rPr lang="da-DK" smtClean="0"/>
-              <a:t>Klik for at redigere typografi i masteren</a:t>
-            </a:r>
-          </a:p>
-        </p:txBody>
-      </p:sp>
-      <p:sp>
-        <p:nvSpPr>
-          <p:cNvPr id="4" name="Pladsholder til indhold 3"/>
-          <p:cNvSpPr>
-            <a:spLocks noGrp="1"/>
-          </p:cNvSpPr>
-          <p:nvPr>
-            <p:ph sz="half" idx="2"/>
+            <a:pPr lvl="0" eaLnBrk="1" latinLnBrk="0" hangingPunct="1"/>
+            <a:r>
+              <a:rPr kumimoji="0" lang="da-DK" smtClean="0"/>
+              <a:t>Klik for at redigere i master</a:t>
+            </a:r>
+          </a:p>
+        </p:txBody>
+      </p:sp>
+      <p:sp>
+        <p:nvSpPr>
+          <p:cNvPr id="5" name="Content Placeholder 4"/>
+          <p:cNvSpPr>
+            <a:spLocks noGrp="1"/>
+          </p:cNvSpPr>
+          <p:nvPr>
+            <p:ph sz="quarter" idx="2"/>
           </p:nvPr>
         </p:nvSpPr>
         <p:spPr>
           <a:xfrm>
-            <a:off x="457200" y="2174875"/>
-            <a:ext cx="4040188" cy="3951288"/>
+            <a:off x="457200" y="2514600"/>
+            <a:ext cx="4040188" cy="3845720"/>
           </a:xfrm>
         </p:spPr>
         <p:txBody>
-          <a:bodyPr/>
+          <a:bodyPr tIns="0"/>
           <a:lstStyle>
             <a:lvl1pPr>
-              <a:defRPr sz="2400"/>
+              <a:defRPr sz="2200"/>
             </a:lvl1pPr>
             <a:lvl2pPr>
               <a:defRPr sz="2000"/>
@@ -1534,143 +3407,66 @@
             <a:lvl5pPr>
               <a:defRPr sz="1600"/>
             </a:lvl5pPr>
-            <a:lvl6pPr>
-              <a:defRPr sz="1600"/>
-            </a:lvl6pPr>
-            <a:lvl7pPr>
-              <a:defRPr sz="1600"/>
-            </a:lvl7pPr>
-            <a:lvl8pPr>
-              <a:defRPr sz="1600"/>
-            </a:lvl8pPr>
-            <a:lvl9pPr>
-              <a:defRPr sz="1600"/>
-            </a:lvl9pPr>
           </a:lstStyle>
           <a:p>
-            <a:pPr lvl="0"/>
-            <a:r>
-              <a:rPr lang="da-DK" smtClean="0"/>
-              <a:t>Klik for at redigere typografi i masteren</a:t>
-            </a:r>
-          </a:p>
-          <a:p>
-            <a:pPr lvl="1"/>
+            <a:pPr lvl="0" eaLnBrk="1" latinLnBrk="0" hangingPunct="1"/>
+            <a:r>
+              <a:rPr lang="da-DK" smtClean="0"/>
+              <a:t>Klik for at redigere i master</a:t>
+            </a:r>
+          </a:p>
+          <a:p>
+            <a:pPr lvl="1" eaLnBrk="1" latinLnBrk="0" hangingPunct="1"/>
             <a:r>
               <a:rPr lang="da-DK" smtClean="0"/>
               <a:t>Andet niveau</a:t>
             </a:r>
           </a:p>
           <a:p>
-            <a:pPr lvl="2"/>
+            <a:pPr lvl="2" eaLnBrk="1" latinLnBrk="0" hangingPunct="1"/>
             <a:r>
               <a:rPr lang="da-DK" smtClean="0"/>
               <a:t>Tredje niveau</a:t>
             </a:r>
           </a:p>
           <a:p>
-            <a:pPr lvl="3"/>
+            <a:pPr lvl="3" eaLnBrk="1" latinLnBrk="0" hangingPunct="1"/>
             <a:r>
               <a:rPr lang="da-DK" smtClean="0"/>
               <a:t>Fjerde niveau</a:t>
             </a:r>
           </a:p>
           <a:p>
-            <a:pPr lvl="4"/>
+            <a:pPr lvl="4" eaLnBrk="1" latinLnBrk="0" hangingPunct="1"/>
             <a:r>
               <a:rPr lang="da-DK" smtClean="0"/>
               <a:t>Femte niveau</a:t>
             </a:r>
-            <a:endParaRPr lang="da-DK"/>
-          </a:p>
-        </p:txBody>
-      </p:sp>
-      <p:sp>
-        <p:nvSpPr>
-          <p:cNvPr id="5" name="Pladsholder til tekst 4"/>
-          <p:cNvSpPr>
-            <a:spLocks noGrp="1"/>
-          </p:cNvSpPr>
-          <p:nvPr>
-            <p:ph type="body" sz="quarter" idx="3"/>
+            <a:endParaRPr kumimoji="0" lang="en-US"/>
+          </a:p>
+        </p:txBody>
+      </p:sp>
+      <p:sp>
+        <p:nvSpPr>
+          <p:cNvPr id="6" name="Content Placeholder 5"/>
+          <p:cNvSpPr>
+            <a:spLocks noGrp="1"/>
+          </p:cNvSpPr>
+          <p:nvPr>
+            <p:ph sz="quarter" idx="4"/>
           </p:nvPr>
         </p:nvSpPr>
         <p:spPr>
           <a:xfrm>
-            <a:off x="4645025" y="1535113"/>
-            <a:ext cx="4041775" cy="639762"/>
+            <a:off x="4645025" y="2514600"/>
+            <a:ext cx="4041775" cy="3845720"/>
           </a:xfrm>
         </p:spPr>
         <p:txBody>
-          <a:bodyPr anchor="b"/>
-          <a:lstStyle>
-            <a:lvl1pPr marL="0" indent="0">
-              <a:buNone/>
-              <a:defRPr sz="2400" b="1"/>
-            </a:lvl1pPr>
-            <a:lvl2pPr marL="457200" indent="0">
-              <a:buNone/>
-              <a:defRPr sz="2000" b="1"/>
-            </a:lvl2pPr>
-            <a:lvl3pPr marL="914400" indent="0">
-              <a:buNone/>
-              <a:defRPr sz="1800" b="1"/>
-            </a:lvl3pPr>
-            <a:lvl4pPr marL="1371600" indent="0">
-              <a:buNone/>
-              <a:defRPr sz="1600" b="1"/>
-            </a:lvl4pPr>
-            <a:lvl5pPr marL="1828800" indent="0">
-              <a:buNone/>
-              <a:defRPr sz="1600" b="1"/>
-            </a:lvl5pPr>
-            <a:lvl6pPr marL="2286000" indent="0">
-              <a:buNone/>
-              <a:defRPr sz="1600" b="1"/>
-            </a:lvl6pPr>
-            <a:lvl7pPr marL="2743200" indent="0">
-              <a:buNone/>
-              <a:defRPr sz="1600" b="1"/>
-            </a:lvl7pPr>
-            <a:lvl8pPr marL="3200400" indent="0">
-              <a:buNone/>
-              <a:defRPr sz="1600" b="1"/>
-            </a:lvl8pPr>
-            <a:lvl9pPr marL="3657600" indent="0">
-              <a:buNone/>
-              <a:defRPr sz="1600" b="1"/>
-            </a:lvl9pPr>
-          </a:lstStyle>
-          <a:p>
-            <a:pPr lvl="0"/>
-            <a:r>
-              <a:rPr lang="da-DK" smtClean="0"/>
-              <a:t>Klik for at redigere typografi i masteren</a:t>
-            </a:r>
-          </a:p>
-        </p:txBody>
-      </p:sp>
-      <p:sp>
-        <p:nvSpPr>
-          <p:cNvPr id="6" name="Pladsholder til indhold 5"/>
-          <p:cNvSpPr>
-            <a:spLocks noGrp="1"/>
-          </p:cNvSpPr>
-          <p:nvPr>
-            <p:ph sz="quarter" idx="4"/>
-          </p:nvPr>
-        </p:nvSpPr>
-        <p:spPr>
-          <a:xfrm>
-            <a:off x="4645025" y="2174875"/>
-            <a:ext cx="4041775" cy="3951288"/>
-          </a:xfrm>
-        </p:spPr>
-        <p:txBody>
-          <a:bodyPr/>
+          <a:bodyPr tIns="0"/>
           <a:lstStyle>
             <a:lvl1pPr>
-              <a:defRPr sz="2400"/>
+              <a:defRPr sz="2200"/>
             </a:lvl1pPr>
             <a:lvl2pPr>
               <a:defRPr sz="2000"/>
@@ -1684,60 +3480,48 @@
             <a:lvl5pPr>
               <a:defRPr sz="1600"/>
             </a:lvl5pPr>
-            <a:lvl6pPr>
-              <a:defRPr sz="1600"/>
-            </a:lvl6pPr>
-            <a:lvl7pPr>
-              <a:defRPr sz="1600"/>
-            </a:lvl7pPr>
-            <a:lvl8pPr>
-              <a:defRPr sz="1600"/>
-            </a:lvl8pPr>
-            <a:lvl9pPr>
-              <a:defRPr sz="1600"/>
-            </a:lvl9pPr>
           </a:lstStyle>
           <a:p>
-            <a:pPr lvl="0"/>
-            <a:r>
-              <a:rPr lang="da-DK" smtClean="0"/>
-              <a:t>Klik for at redigere typografi i masteren</a:t>
-            </a:r>
-          </a:p>
-          <a:p>
-            <a:pPr lvl="1"/>
+            <a:pPr lvl="0" eaLnBrk="1" latinLnBrk="0" hangingPunct="1"/>
+            <a:r>
+              <a:rPr lang="da-DK" smtClean="0"/>
+              <a:t>Klik for at redigere i master</a:t>
+            </a:r>
+          </a:p>
+          <a:p>
+            <a:pPr lvl="1" eaLnBrk="1" latinLnBrk="0" hangingPunct="1"/>
             <a:r>
               <a:rPr lang="da-DK" smtClean="0"/>
               <a:t>Andet niveau</a:t>
             </a:r>
           </a:p>
           <a:p>
-            <a:pPr lvl="2"/>
+            <a:pPr lvl="2" eaLnBrk="1" latinLnBrk="0" hangingPunct="1"/>
             <a:r>
               <a:rPr lang="da-DK" smtClean="0"/>
               <a:t>Tredje niveau</a:t>
             </a:r>
           </a:p>
           <a:p>
-            <a:pPr lvl="3"/>
+            <a:pPr lvl="3" eaLnBrk="1" latinLnBrk="0" hangingPunct="1"/>
             <a:r>
               <a:rPr lang="da-DK" smtClean="0"/>
               <a:t>Fjerde niveau</a:t>
             </a:r>
           </a:p>
           <a:p>
-            <a:pPr lvl="4"/>
+            <a:pPr lvl="4" eaLnBrk="1" latinLnBrk="0" hangingPunct="1"/>
             <a:r>
               <a:rPr lang="da-DK" smtClean="0"/>
               <a:t>Femte niveau</a:t>
             </a:r>
-            <a:endParaRPr lang="da-DK"/>
-          </a:p>
-        </p:txBody>
-      </p:sp>
-      <p:sp>
-        <p:nvSpPr>
-          <p:cNvPr id="7" name="Pladsholder til dato 6"/>
+            <a:endParaRPr kumimoji="0" lang="en-US"/>
+          </a:p>
+        </p:txBody>
+      </p:sp>
+      <p:sp>
+        <p:nvSpPr>
+          <p:cNvPr id="7" name="Date Placeholder 6"/>
           <p:cNvSpPr>
             <a:spLocks noGrp="1"/>
           </p:cNvSpPr>
@@ -1760,7 +3544,7 @@
       </p:sp>
       <p:sp>
         <p:nvSpPr>
-          <p:cNvPr id="8" name="Pladsholder til sidefod 7"/>
+          <p:cNvPr id="8" name="Footer Placeholder 7"/>
           <p:cNvSpPr>
             <a:spLocks noGrp="1"/>
           </p:cNvSpPr>
@@ -1779,7 +3563,7 @@
       </p:sp>
       <p:sp>
         <p:nvSpPr>
-          <p:cNvPr id="9" name="Pladsholder til diasnummer 8"/>
+          <p:cNvPr id="9" name="Slide Number Placeholder 8"/>
           <p:cNvSpPr>
             <a:spLocks noGrp="1"/>
           </p:cNvSpPr>
@@ -1827,7 +3611,7 @@
       </p:grpSpPr>
       <p:sp>
         <p:nvSpPr>
-          <p:cNvPr id="2" name="Titel 1"/>
+          <p:cNvPr id="2" name="Title 1"/>
           <p:cNvSpPr>
             <a:spLocks noGrp="1"/>
           </p:cNvSpPr>
@@ -1835,22 +3619,59 @@
             <p:ph type="title"/>
           </p:nvPr>
         </p:nvSpPr>
-        <p:spPr/>
-        <p:txBody>
-          <a:bodyPr/>
-          <a:lstStyle/>
-          <a:p>
-            <a:r>
-              <a:rPr lang="da-DK" smtClean="0"/>
-              <a:t>Klik for at redigere titeltypografi i masteren</a:t>
-            </a:r>
-            <a:endParaRPr lang="da-DK"/>
-          </a:p>
-        </p:txBody>
-      </p:sp>
-      <p:sp>
-        <p:nvSpPr>
-          <p:cNvPr id="3" name="Pladsholder til dato 2"/>
+        <p:spPr>
+          <a:xfrm>
+            <a:off x="457200" y="704088"/>
+            <a:ext cx="8305800" cy="1143000"/>
+          </a:xfrm>
+        </p:spPr>
+        <p:txBody>
+          <a:bodyPr vert="horz" tIns="45720" bIns="0" anchor="b">
+            <a:normAutofit/>
+            <a:scene3d>
+              <a:camera prst="orthographicFront"/>
+              <a:lightRig rig="freezing" dir="t">
+                <a:rot lat="0" lon="0" rev="5640000"/>
+              </a:lightRig>
+            </a:scene3d>
+            <a:sp3d prstMaterial="flat">
+              <a:contourClr>
+                <a:schemeClr val="tx2"/>
+              </a:contourClr>
+            </a:sp3d>
+          </a:bodyPr>
+          <a:lstStyle>
+            <a:lvl1pPr algn="l" rtl="0">
+              <a:spcBef>
+                <a:spcPct val="0"/>
+              </a:spcBef>
+              <a:buNone/>
+              <a:defRPr sz="5000" b="0">
+                <a:ln>
+                  <a:noFill/>
+                </a:ln>
+                <a:solidFill>
+                  <a:schemeClr val="tx2"/>
+                </a:solidFill>
+                <a:effectLst/>
+                <a:latin typeface="+mj-lt"/>
+                <a:ea typeface="+mj-ea"/>
+                <a:cs typeface="+mj-cs"/>
+              </a:defRPr>
+            </a:lvl1pPr>
+          </a:lstStyle>
+          <a:p>
+            <a:r>
+              <a:rPr kumimoji="0" lang="da-DK" smtClean="0"/>
+              <a:t>Klik for at redigere i master</a:t>
+            </a:r>
+            <a:endParaRPr kumimoji="0" lang="en-US"/>
+          </a:p>
+        </p:txBody>
+      </p:sp>
+      <p:sp>
+        <p:nvSpPr>
+          <p:cNvPr id="3" name="Date Placeholder 2"/>
           <p:cNvSpPr>
             <a:spLocks noGrp="1"/>
           </p:cNvSpPr>
@@ -1873,7 +3694,7 @@
       </p:sp>
       <p:sp>
         <p:nvSpPr>
-          <p:cNvPr id="4" name="Pladsholder til sidefod 3"/>
+          <p:cNvPr id="4" name="Footer Placeholder 3"/>
           <p:cNvSpPr>
             <a:spLocks noGrp="1"/>
           </p:cNvSpPr>
@@ -1892,7 +3713,7 @@
       </p:sp>
       <p:sp>
         <p:nvSpPr>
-          <p:cNvPr id="5" name="Pladsholder til diasnummer 4"/>
+          <p:cNvPr id="5" name="Slide Number Placeholder 4"/>
           <p:cNvSpPr>
             <a:spLocks noGrp="1"/>
           </p:cNvSpPr>
@@ -1940,7 +3761,7 @@
       </p:grpSpPr>
       <p:sp>
         <p:nvSpPr>
-          <p:cNvPr id="2" name="Pladsholder til dato 1"/>
+          <p:cNvPr id="2" name="Date Placeholder 1"/>
           <p:cNvSpPr>
             <a:spLocks noGrp="1"/>
           </p:cNvSpPr>
@@ -1963,7 +3784,7 @@
       </p:sp>
       <p:sp>
         <p:nvSpPr>
-          <p:cNvPr id="3" name="Pladsholder til sidefod 2"/>
+          <p:cNvPr id="3" name="Footer Placeholder 2"/>
           <p:cNvSpPr>
             <a:spLocks noGrp="1"/>
           </p:cNvSpPr>
@@ -1982,7 +3803,7 @@
       </p:sp>
       <p:sp>
         <p:nvSpPr>
-          <p:cNvPr id="4" name="Pladsholder til diasnummer 3"/>
+          <p:cNvPr id="4" name="Slide Number Placeholder 3"/>
           <p:cNvSpPr>
             <a:spLocks noGrp="1"/>
           </p:cNvSpPr>
@@ -2030,7 +3851,7 @@
       </p:grpSpPr>
       <p:sp>
         <p:nvSpPr>
-          <p:cNvPr id="2" name="Titel 1"/>
+          <p:cNvPr id="2" name="Title 1"/>
           <p:cNvSpPr>
             <a:spLocks noGrp="1"/>
           </p:cNvSpPr>
@@ -2040,50 +3861,116 @@
         </p:nvSpPr>
         <p:spPr>
           <a:xfrm>
-            <a:off x="457200" y="273050"/>
-            <a:ext cx="3008313" cy="1162050"/>
+            <a:off x="685800" y="514352"/>
+            <a:ext cx="2743200" cy="1162050"/>
           </a:xfrm>
         </p:spPr>
         <p:txBody>
-          <a:bodyPr anchor="b"/>
+          <a:bodyPr lIns="0" anchor="b">
+            <a:noAutofit/>
+          </a:bodyPr>
           <a:lstStyle>
-            <a:lvl1pPr algn="l">
-              <a:defRPr sz="2000" b="1"/>
+            <a:lvl1pPr algn="l" rtl="0">
+              <a:spcBef>
+                <a:spcPct val="0"/>
+              </a:spcBef>
+              <a:buNone/>
+              <a:defRPr sz="2600" b="0">
+                <a:ln>
+                  <a:noFill/>
+                </a:ln>
+                <a:solidFill>
+                  <a:schemeClr val="tx2"/>
+                </a:solidFill>
+                <a:effectLst/>
+                <a:latin typeface="+mj-lt"/>
+                <a:ea typeface="+mj-ea"/>
+                <a:cs typeface="+mj-cs"/>
+              </a:defRPr>
             </a:lvl1pPr>
           </a:lstStyle>
           <a:p>
             <a:r>
-              <a:rPr lang="da-DK" smtClean="0"/>
-              <a:t>Klik for at redigere titeltypografi i masteren</a:t>
-            </a:r>
-            <a:endParaRPr lang="da-DK"/>
-          </a:p>
-        </p:txBody>
-      </p:sp>
-      <p:sp>
-        <p:nvSpPr>
-          <p:cNvPr id="3" name="Pladsholder til indhold 2"/>
-          <p:cNvSpPr>
-            <a:spLocks noGrp="1"/>
-          </p:cNvSpPr>
-          <p:nvPr>
-            <p:ph idx="1"/>
+              <a:rPr kumimoji="0" lang="da-DK" smtClean="0"/>
+              <a:t>Klik for at redigere i master</a:t>
+            </a:r>
+            <a:endParaRPr kumimoji="0" lang="en-US"/>
+          </a:p>
+        </p:txBody>
+      </p:sp>
+      <p:sp>
+        <p:nvSpPr>
+          <p:cNvPr id="3" name="Text Placeholder 2"/>
+          <p:cNvSpPr>
+            <a:spLocks noGrp="1"/>
+          </p:cNvSpPr>
+          <p:nvPr>
+            <p:ph type="body" idx="2"/>
           </p:nvPr>
         </p:nvSpPr>
         <p:spPr>
           <a:xfrm>
-            <a:off x="3575050" y="273050"/>
-            <a:ext cx="5111750" cy="5853113"/>
+            <a:off x="685800" y="1676400"/>
+            <a:ext cx="2743200" cy="4572000"/>
           </a:xfrm>
         </p:spPr>
         <p:txBody>
-          <a:bodyPr/>
+          <a:bodyPr lIns="18288" rIns="18288"/>
+          <a:lstStyle>
+            <a:lvl1pPr marL="0" indent="0" algn="l">
+              <a:buNone/>
+              <a:defRPr sz="1400"/>
+            </a:lvl1pPr>
+            <a:lvl2pPr indent="0" algn="l">
+              <a:buNone/>
+              <a:defRPr sz="1200"/>
+            </a:lvl2pPr>
+            <a:lvl3pPr indent="0" algn="l">
+              <a:buNone/>
+              <a:defRPr sz="1000"/>
+            </a:lvl3pPr>
+            <a:lvl4pPr indent="0" algn="l">
+              <a:buNone/>
+              <a:defRPr sz="900"/>
+            </a:lvl4pPr>
+            <a:lvl5pPr indent="0" algn="l">
+              <a:buNone/>
+              <a:defRPr sz="900"/>
+            </a:lvl5pPr>
+          </a:lstStyle>
+          <a:p>
+            <a:pPr lvl="0" eaLnBrk="1" latinLnBrk="0" hangingPunct="1"/>
+            <a:r>
+              <a:rPr kumimoji="0" lang="da-DK" smtClean="0"/>
+              <a:t>Klik for at redigere i master</a:t>
+            </a:r>
+          </a:p>
+        </p:txBody>
+      </p:sp>
+      <p:sp>
+        <p:nvSpPr>
+          <p:cNvPr id="4" name="Content Placeholder 3"/>
+          <p:cNvSpPr>
+            <a:spLocks noGrp="1"/>
+          </p:cNvSpPr>
+          <p:nvPr>
+            <p:ph sz="half" idx="1"/>
+          </p:nvPr>
+        </p:nvSpPr>
+        <p:spPr>
+          <a:xfrm>
+            <a:off x="3575050" y="1676400"/>
+            <a:ext cx="5111750" cy="4572000"/>
+          </a:xfrm>
+        </p:spPr>
+        <p:txBody>
+          <a:bodyPr tIns="0"/>
           <a:lstStyle>
             <a:lvl1pPr>
-              <a:defRPr sz="3200"/>
+              <a:defRPr sz="2800"/>
             </a:lvl1pPr>
             <a:lvl2pPr>
-              <a:defRPr sz="2800"/>
+              <a:defRPr sz="2600"/>
             </a:lvl2pPr>
             <a:lvl3pPr>
               <a:defRPr sz="2400"/>
@@ -2092,127 +3979,50 @@
               <a:defRPr sz="2000"/>
             </a:lvl4pPr>
             <a:lvl5pPr>
-              <a:defRPr sz="2000"/>
+              <a:defRPr sz="1800"/>
             </a:lvl5pPr>
-            <a:lvl6pPr>
-              <a:defRPr sz="2000"/>
-            </a:lvl6pPr>
-            <a:lvl7pPr>
-              <a:defRPr sz="2000"/>
-            </a:lvl7pPr>
-            <a:lvl8pPr>
-              <a:defRPr sz="2000"/>
-            </a:lvl8pPr>
-            <a:lvl9pPr>
-              <a:defRPr sz="2000"/>
-            </a:lvl9pPr>
           </a:lstStyle>
           <a:p>
-            <a:pPr lvl="0"/>
-            <a:r>
-              <a:rPr lang="da-DK" smtClean="0"/>
-              <a:t>Klik for at redigere typografi i masteren</a:t>
-            </a:r>
-          </a:p>
-          <a:p>
-            <a:pPr lvl="1"/>
+            <a:pPr lvl="0" eaLnBrk="1" latinLnBrk="0" hangingPunct="1"/>
+            <a:r>
+              <a:rPr lang="da-DK" smtClean="0"/>
+              <a:t>Klik for at redigere i master</a:t>
+            </a:r>
+          </a:p>
+          <a:p>
+            <a:pPr lvl="1" eaLnBrk="1" latinLnBrk="0" hangingPunct="1"/>
             <a:r>
               <a:rPr lang="da-DK" smtClean="0"/>
               <a:t>Andet niveau</a:t>
             </a:r>
           </a:p>
           <a:p>
-            <a:pPr lvl="2"/>
+            <a:pPr lvl="2" eaLnBrk="1" latinLnBrk="0" hangingPunct="1"/>
             <a:r>
               <a:rPr lang="da-DK" smtClean="0"/>
               <a:t>Tredje niveau</a:t>
             </a:r>
           </a:p>
           <a:p>
-            <a:pPr lvl="3"/>
+            <a:pPr lvl="3" eaLnBrk="1" latinLnBrk="0" hangingPunct="1"/>
             <a:r>
               <a:rPr lang="da-DK" smtClean="0"/>
               <a:t>Fjerde niveau</a:t>
             </a:r>
           </a:p>
           <a:p>
-            <a:pPr lvl="4"/>
+            <a:pPr lvl="4" eaLnBrk="1" latinLnBrk="0" hangingPunct="1"/>
             <a:r>
               <a:rPr lang="da-DK" smtClean="0"/>
               <a:t>Femte niveau</a:t>
             </a:r>
-            <a:endParaRPr lang="da-DK"/>
-          </a:p>
-        </p:txBody>
-      </p:sp>
-      <p:sp>
-        <p:nvSpPr>
-          <p:cNvPr id="4" name="Pladsholder til tekst 3"/>
-          <p:cNvSpPr>
-            <a:spLocks noGrp="1"/>
-          </p:cNvSpPr>
-          <p:nvPr>
-            <p:ph type="body" sz="half" idx="2"/>
-          </p:nvPr>
-        </p:nvSpPr>
-        <p:spPr>
-          <a:xfrm>
-            <a:off x="457200" y="1435100"/>
-            <a:ext cx="3008313" cy="4691063"/>
-          </a:xfrm>
-        </p:spPr>
-        <p:txBody>
-          <a:bodyPr/>
-          <a:lstStyle>
-            <a:lvl1pPr marL="0" indent="0">
-              <a:buNone/>
-              <a:defRPr sz="1400"/>
-            </a:lvl1pPr>
-            <a:lvl2pPr marL="457200" indent="0">
-              <a:buNone/>
-              <a:defRPr sz="1200"/>
-            </a:lvl2pPr>
-            <a:lvl3pPr marL="914400" indent="0">
-              <a:buNone/>
-              <a:defRPr sz="1000"/>
-            </a:lvl3pPr>
-            <a:lvl4pPr marL="1371600" indent="0">
-              <a:buNone/>
-              <a:defRPr sz="900"/>
-            </a:lvl4pPr>
-            <a:lvl5pPr marL="1828800" indent="0">
-              <a:buNone/>
-              <a:defRPr sz="900"/>
-            </a:lvl5pPr>
-            <a:lvl6pPr marL="2286000" indent="0">
-              <a:buNone/>
-              <a:defRPr sz="900"/>
-            </a:lvl6pPr>
-            <a:lvl7pPr marL="2743200" indent="0">
-              <a:buNone/>
-              <a:defRPr sz="900"/>
-            </a:lvl7pPr>
-            <a:lvl8pPr marL="3200400" indent="0">
-              <a:buNone/>
-              <a:defRPr sz="900"/>
-            </a:lvl8pPr>
-            <a:lvl9pPr marL="3657600" indent="0">
-              <a:buNone/>
-              <a:defRPr sz="900"/>
-            </a:lvl9pPr>
-          </a:lstStyle>
-          <a:p>
-            <a:pPr lvl="0"/>
-            <a:r>
-              <a:rPr lang="da-DK" smtClean="0"/>
-              <a:t>Klik for at redigere typografi i masteren</a:t>
-            </a:r>
-          </a:p>
-        </p:txBody>
-      </p:sp>
-      <p:sp>
-        <p:nvSpPr>
-          <p:cNvPr id="5" name="Pladsholder til dato 4"/>
+            <a:endParaRPr kumimoji="0" lang="en-US"/>
+          </a:p>
+        </p:txBody>
+      </p:sp>
+      <p:sp>
+        <p:nvSpPr>
+          <p:cNvPr id="5" name="Date Placeholder 4"/>
           <p:cNvSpPr>
             <a:spLocks noGrp="1"/>
           </p:cNvSpPr>
@@ -2235,7 +4045,7 @@
       </p:sp>
       <p:sp>
         <p:nvSpPr>
-          <p:cNvPr id="6" name="Pladsholder til sidefod 5"/>
+          <p:cNvPr id="6" name="Footer Placeholder 5"/>
           <p:cNvSpPr>
             <a:spLocks noGrp="1"/>
           </p:cNvSpPr>
@@ -2254,7 +4064,7 @@
       </p:sp>
       <p:sp>
         <p:nvSpPr>
-          <p:cNvPr id="7" name="Pladsholder til diasnummer 6"/>
+          <p:cNvPr id="7" name="Slide Number Placeholder 6"/>
           <p:cNvSpPr>
             <a:spLocks noGrp="1"/>
           </p:cNvSpPr>
@@ -2284,7 +4094,7 @@
 </file>
 
 <file path=ppt/slideLayouts/slideLayout9.xml><?xml version="1.0" encoding="utf-8"?>
-<p:sldLayout xmlns:a="http://schemas.openxmlformats.org/drawingml/2006/main" xmlns:r="http://schemas.openxmlformats.org/officeDocument/2006/relationships" xmlns:p="http://schemas.openxmlformats.org/presentationml/2006/main" type="picTx" preserve="1">
+<p:sldLayout xmlns:a="http://schemas.openxmlformats.org/drawingml/2006/main" xmlns:r="http://schemas.openxmlformats.org/officeDocument/2006/relationships" xmlns:p="http://schemas.openxmlformats.org/presentationml/2006/main" showMasterSp="0" type="picTx" preserve="1">
   <p:cSld name="Billede med billedtekst">
     <p:spTree>
       <p:nvGrpSpPr>
@@ -2302,7 +4112,119 @@
       </p:grpSpPr>
       <p:sp>
         <p:nvSpPr>
-          <p:cNvPr id="2" name="Titel 1"/>
+          <p:cNvPr id="9" name="Snip and Round Single Corner Rectangle 8"/>
+          <p:cNvSpPr/>
+          <p:nvPr/>
+        </p:nvSpPr>
+        <p:spPr>
+          <a:xfrm rot="420000" flipV="1">
+            <a:off x="3165753" y="1108077"/>
+            <a:ext cx="5257800" cy="4114800"/>
+          </a:xfrm>
+          <a:prstGeom prst="snipRoundRect">
+            <a:avLst>
+              <a:gd name="adj1" fmla="val 0"/>
+              <a:gd name="adj2" fmla="val 3646"/>
+            </a:avLst>
+          </a:prstGeom>
+          <a:solidFill>
+            <a:srgbClr val="FFFFFF"/>
+          </a:solidFill>
+          <a:ln w="3175" cap="rnd" cmpd="sng" algn="ctr">
+            <a:solidFill>
+              <a:srgbClr val="C0C0C0"/>
+            </a:solidFill>
+            <a:prstDash val="solid"/>
+          </a:ln>
+          <a:effectLst>
+            <a:outerShdw blurRad="63500" dist="38500" dir="7500000" sx="98500" sy="100080" kx="100000" algn="tl" rotWithShape="0">
+              <a:srgbClr val="000000">
+                <a:alpha val="25000"/>
+              </a:srgbClr>
+            </a:outerShdw>
+          </a:effectLst>
+        </p:spPr>
+        <p:style>
+          <a:lnRef idx="2">
+            <a:schemeClr val="accent1"/>
+          </a:lnRef>
+          <a:fillRef idx="1">
+            <a:schemeClr val="accent1"/>
+          </a:fillRef>
+          <a:effectRef idx="0">
+            <a:schemeClr val="accent1"/>
+          </a:effectRef>
+          <a:fontRef idx="minor">
+            <a:schemeClr val="lt1"/>
+          </a:fontRef>
+        </p:style>
+        <p:txBody>
+          <a:bodyPr rtlCol="0" anchor="ctr"/>
+          <a:lstStyle/>
+          <a:p>
+            <a:pPr algn="ctr" eaLnBrk="1" latinLnBrk="0" hangingPunct="1"/>
+            <a:endParaRPr kumimoji="0" lang="en-US"/>
+          </a:p>
+        </p:txBody>
+      </p:sp>
+      <p:sp>
+        <p:nvSpPr>
+          <p:cNvPr id="12" name="Right Triangle 11"/>
+          <p:cNvSpPr/>
+          <p:nvPr/>
+        </p:nvSpPr>
+        <p:spPr>
+          <a:xfrm rot="420000" flipV="1">
+            <a:off x="8004134" y="5359769"/>
+            <a:ext cx="155448" cy="155448"/>
+          </a:xfrm>
+          <a:prstGeom prst="rtTriangle">
+            <a:avLst/>
+          </a:prstGeom>
+          <a:solidFill>
+            <a:srgbClr val="FFFFFF"/>
+          </a:solidFill>
+          <a:ln w="12700" cap="flat" cmpd="sng" algn="ctr">
+            <a:solidFill>
+              <a:srgbClr val="FFFFFF"/>
+            </a:solidFill>
+            <a:prstDash val="solid"/>
+            <a:bevel/>
+          </a:ln>
+          <a:effectLst>
+            <a:outerShdw blurRad="19685" dist="6350" dir="12900000" algn="tl" rotWithShape="0">
+              <a:srgbClr val="000000">
+                <a:alpha val="47000"/>
+              </a:srgbClr>
+            </a:outerShdw>
+          </a:effectLst>
+        </p:spPr>
+        <p:style>
+          <a:lnRef idx="2">
+            <a:schemeClr val="accent1"/>
+          </a:lnRef>
+          <a:fillRef idx="1">
+            <a:schemeClr val="accent1"/>
+          </a:fillRef>
+          <a:effectRef idx="0">
+            <a:schemeClr val="accent1"/>
+          </a:effectRef>
+          <a:fontRef idx="minor">
+            <a:schemeClr val="lt1"/>
+          </a:fontRef>
+        </p:style>
+        <p:txBody>
+          <a:bodyPr rtlCol="0" anchor="ctr"/>
+          <a:lstStyle/>
+          <a:p>
+            <a:pPr algn="ctr" eaLnBrk="1" latinLnBrk="0" hangingPunct="1"/>
+            <a:endParaRPr kumimoji="0" lang="en-US"/>
+          </a:p>
+        </p:txBody>
+      </p:sp>
+      <p:sp>
+        <p:nvSpPr>
+          <p:cNvPr id="2" name="Title 1"/>
           <p:cNvSpPr>
             <a:spLocks noGrp="1"/>
           </p:cNvSpPr>
@@ -2312,41 +4234,178 @@
         </p:nvSpPr>
         <p:spPr>
           <a:xfrm>
-            <a:off x="1792288" y="4800600"/>
-            <a:ext cx="5486400" cy="566738"/>
+            <a:off x="609600" y="1176996"/>
+            <a:ext cx="2212848" cy="1582621"/>
           </a:xfrm>
         </p:spPr>
         <p:txBody>
-          <a:bodyPr anchor="b"/>
+          <a:bodyPr vert="horz" lIns="45720" tIns="45720" rIns="45720" bIns="45720" anchor="b"/>
           <a:lstStyle>
             <a:lvl1pPr algn="l">
-              <a:defRPr sz="2000" b="1"/>
+              <a:buNone/>
+              <a:defRPr sz="2000" b="1">
+                <a:solidFill>
+                  <a:schemeClr val="tx2"/>
+                </a:solidFill>
+              </a:defRPr>
             </a:lvl1pPr>
           </a:lstStyle>
           <a:p>
             <a:r>
-              <a:rPr lang="da-DK" smtClean="0"/>
-              <a:t>Klik for at redigere titeltypografi i masteren</a:t>
-            </a:r>
-            <a:endParaRPr lang="da-DK"/>
-          </a:p>
-        </p:txBody>
-      </p:sp>
-      <p:sp>
-        <p:nvSpPr>
-          <p:cNvPr id="3" name="Pladsholder til billede 2"/>
-          <p:cNvSpPr>
-            <a:spLocks noGrp="1"/>
-          </p:cNvSpPr>
-          <p:nvPr>
-            <p:ph type="pic" idx="1"/>
+              <a:rPr kumimoji="0" lang="da-DK" smtClean="0"/>
+              <a:t>Klik for at redigere i master</a:t>
+            </a:r>
+            <a:endParaRPr kumimoji="0" lang="en-US"/>
+          </a:p>
+        </p:txBody>
+      </p:sp>
+      <p:sp>
+        <p:nvSpPr>
+          <p:cNvPr id="4" name="Text Placeholder 3"/>
+          <p:cNvSpPr>
+            <a:spLocks noGrp="1"/>
+          </p:cNvSpPr>
+          <p:nvPr>
+            <p:ph type="body" sz="half" idx="2"/>
           </p:nvPr>
         </p:nvSpPr>
         <p:spPr>
           <a:xfrm>
-            <a:off x="1792288" y="612775"/>
-            <a:ext cx="5486400" cy="4114800"/>
+            <a:off x="609600" y="2828785"/>
+            <a:ext cx="2209800" cy="2179320"/>
           </a:xfrm>
+        </p:spPr>
+        <p:txBody>
+          <a:bodyPr lIns="64008" rIns="45720" bIns="45720" anchor="t"/>
+          <a:lstStyle>
+            <a:lvl1pPr marL="0" indent="0" algn="l">
+              <a:spcBef>
+                <a:spcPts val="250"/>
+              </a:spcBef>
+              <a:buFontTx/>
+              <a:buNone/>
+              <a:defRPr sz="1300"/>
+            </a:lvl1pPr>
+            <a:lvl2pPr>
+              <a:defRPr sz="1200"/>
+            </a:lvl2pPr>
+            <a:lvl3pPr>
+              <a:defRPr sz="1000"/>
+            </a:lvl3pPr>
+            <a:lvl4pPr>
+              <a:defRPr sz="900"/>
+            </a:lvl4pPr>
+            <a:lvl5pPr>
+              <a:defRPr sz="900"/>
+            </a:lvl5pPr>
+          </a:lstStyle>
+          <a:p>
+            <a:pPr lvl="0" eaLnBrk="1" latinLnBrk="0" hangingPunct="1"/>
+            <a:r>
+              <a:rPr kumimoji="0" lang="da-DK" smtClean="0"/>
+              <a:t>Klik for at redigere i master</a:t>
+            </a:r>
+          </a:p>
+        </p:txBody>
+      </p:sp>
+      <p:sp>
+        <p:nvSpPr>
+          <p:cNvPr id="5" name="Date Placeholder 4"/>
+          <p:cNvSpPr>
+            <a:spLocks noGrp="1"/>
+          </p:cNvSpPr>
+          <p:nvPr>
+            <p:ph type="dt" sz="half" idx="10"/>
+          </p:nvPr>
+        </p:nvSpPr>
+        <p:spPr/>
+        <p:txBody>
+          <a:bodyPr/>
+          <a:lstStyle/>
+          <a:p>
+            <a:fld id="{6A1FAD05-99D2-4537-959B-62B4FA162F04}" type="datetimeFigureOut">
+              <a:rPr lang="da-DK" smtClean="0"/>
+              <a:t>11-06-2012</a:t>
+            </a:fld>
+            <a:endParaRPr lang="da-DK" dirty="0"/>
+          </a:p>
+        </p:txBody>
+      </p:sp>
+      <p:sp>
+        <p:nvSpPr>
+          <p:cNvPr id="6" name="Footer Placeholder 5"/>
+          <p:cNvSpPr>
+            <a:spLocks noGrp="1"/>
+          </p:cNvSpPr>
+          <p:nvPr>
+            <p:ph type="ftr" sz="quarter" idx="11"/>
+          </p:nvPr>
+        </p:nvSpPr>
+        <p:spPr/>
+        <p:txBody>
+          <a:bodyPr/>
+          <a:lstStyle/>
+          <a:p>
+            <a:endParaRPr lang="da-DK" dirty="0"/>
+          </a:p>
+        </p:txBody>
+      </p:sp>
+      <p:sp>
+        <p:nvSpPr>
+          <p:cNvPr id="7" name="Slide Number Placeholder 6"/>
+          <p:cNvSpPr>
+            <a:spLocks noGrp="1"/>
+          </p:cNvSpPr>
+          <p:nvPr>
+            <p:ph type="sldNum" sz="quarter" idx="12"/>
+          </p:nvPr>
+        </p:nvSpPr>
+        <p:spPr>
+          <a:xfrm>
+            <a:off x="8077200" y="6356350"/>
+            <a:ext cx="609600" cy="365125"/>
+          </a:xfrm>
+        </p:spPr>
+        <p:txBody>
+          <a:bodyPr/>
+          <a:lstStyle/>
+          <a:p>
+            <a:fld id="{46B7D9C3-E229-45A3-B8AB-0AC9B1E4CE0F}" type="slidenum">
+              <a:rPr lang="da-DK" smtClean="0"/>
+              <a:t>‹nr.›</a:t>
+            </a:fld>
+            <a:endParaRPr lang="da-DK" dirty="0"/>
+          </a:p>
+        </p:txBody>
+      </p:sp>
+      <p:sp>
+        <p:nvSpPr>
+          <p:cNvPr id="3" name="Picture Placeholder 2"/>
+          <p:cNvSpPr>
+            <a:spLocks noGrp="1"/>
+          </p:cNvSpPr>
+          <p:nvPr>
+            <p:ph type="pic" idx="1"/>
+          </p:nvPr>
+        </p:nvSpPr>
+        <p:spPr>
+          <a:xfrm rot="420000">
+            <a:off x="3485793" y="1199517"/>
+            <a:ext cx="4617720" cy="3931920"/>
+          </a:xfrm>
+          <a:prstGeom prst="rect">
+            <a:avLst/>
+          </a:prstGeom>
+          <a:solidFill>
+            <a:schemeClr val="bg2"/>
+          </a:solidFill>
+          <a:ln w="3000" cap="rnd">
+            <a:solidFill>
+              <a:srgbClr val="C0C0C0"/>
+            </a:solidFill>
+            <a:round/>
+          </a:ln>
+          <a:effectLst/>
         </p:spPr>
         <p:txBody>
           <a:bodyPr/>
@@ -2355,171 +4414,269 @@
               <a:buNone/>
               <a:defRPr sz="3200"/>
             </a:lvl1pPr>
-            <a:lvl2pPr marL="457200" indent="0">
-              <a:buNone/>
-              <a:defRPr sz="2800"/>
-            </a:lvl2pPr>
-            <a:lvl3pPr marL="914400" indent="0">
-              <a:buNone/>
-              <a:defRPr sz="2400"/>
-            </a:lvl3pPr>
-            <a:lvl4pPr marL="1371600" indent="0">
-              <a:buNone/>
-              <a:defRPr sz="2000"/>
-            </a:lvl4pPr>
-            <a:lvl5pPr marL="1828800" indent="0">
-              <a:buNone/>
-              <a:defRPr sz="2000"/>
-            </a:lvl5pPr>
-            <a:lvl6pPr marL="2286000" indent="0">
-              <a:buNone/>
-              <a:defRPr sz="2000"/>
-            </a:lvl6pPr>
-            <a:lvl7pPr marL="2743200" indent="0">
-              <a:buNone/>
-              <a:defRPr sz="2000"/>
-            </a:lvl7pPr>
-            <a:lvl8pPr marL="3200400" indent="0">
-              <a:buNone/>
-              <a:defRPr sz="2000"/>
-            </a:lvl8pPr>
-            <a:lvl9pPr marL="3657600" indent="0">
-              <a:buNone/>
-              <a:defRPr sz="2000"/>
-            </a:lvl9pPr>
           </a:lstStyle>
           <a:p>
-            <a:endParaRPr lang="da-DK" dirty="0"/>
-          </a:p>
-        </p:txBody>
-      </p:sp>
-      <p:sp>
-        <p:nvSpPr>
-          <p:cNvPr id="4" name="Pladsholder til tekst 3"/>
-          <p:cNvSpPr>
-            <a:spLocks noGrp="1"/>
-          </p:cNvSpPr>
-          <p:nvPr>
-            <p:ph type="body" sz="half" idx="2"/>
-          </p:nvPr>
-        </p:nvSpPr>
-        <p:spPr>
-          <a:xfrm>
-            <a:off x="1792288" y="5367338"/>
-            <a:ext cx="5486400" cy="804862"/>
+            <a:r>
+              <a:rPr kumimoji="0" lang="da-DK" smtClean="0"/>
+              <a:t>Klik på ikonet for at tilføje et billede</a:t>
+            </a:r>
+            <a:endParaRPr kumimoji="0" lang="en-US" dirty="0"/>
+          </a:p>
+        </p:txBody>
+      </p:sp>
+      <p:sp>
+        <p:nvSpPr>
+          <p:cNvPr id="10" name="Freeform 9"/>
+          <p:cNvSpPr>
+            <a:spLocks/>
+          </p:cNvSpPr>
+          <p:nvPr/>
+        </p:nvSpPr>
+        <p:spPr bwMode="auto">
+          <a:xfrm flipV="1">
+            <a:off x="-9525" y="5816600"/>
+            <a:ext cx="9163050" cy="1041400"/>
           </a:xfrm>
+          <a:custGeom>
+            <a:avLst>
+              <a:gd name="A1" fmla="val 0"/>
+              <a:gd name="A2" fmla="val 0"/>
+              <a:gd name="A3" fmla="val 0"/>
+              <a:gd name="A4" fmla="val 0"/>
+              <a:gd name="A5" fmla="val 0"/>
+              <a:gd name="A6" fmla="val 0"/>
+              <a:gd name="A7" fmla="val 0"/>
+              <a:gd name="A8" fmla="val 0"/>
+            </a:avLst>
+            <a:gdLst/>
+            <a:ahLst/>
+            <a:cxnLst>
+              <a:cxn ang="0">
+                <a:pos x="6" y="2"/>
+              </a:cxn>
+              <a:cxn ang="0">
+                <a:pos x="2542" y="0"/>
+              </a:cxn>
+              <a:cxn ang="0">
+                <a:pos x="4374" y="367"/>
+              </a:cxn>
+              <a:cxn ang="0">
+                <a:pos x="5766" y="55"/>
+              </a:cxn>
+              <a:cxn ang="0">
+                <a:pos x="5772" y="213"/>
+              </a:cxn>
+              <a:cxn ang="0">
+                <a:pos x="4302" y="439"/>
+              </a:cxn>
+              <a:cxn ang="0">
+                <a:pos x="1488" y="201"/>
+              </a:cxn>
+              <a:cxn ang="0">
+                <a:pos x="0" y="656"/>
+              </a:cxn>
+              <a:cxn ang="0">
+                <a:pos x="6" y="2"/>
+              </a:cxn>
+            </a:cxnLst>
+            <a:rect l="0" t="0" r="0" b="0"/>
+            <a:pathLst>
+              <a:path w="5772" h="656">
+                <a:moveTo>
+                  <a:pt x="6" y="2"/>
+                </a:moveTo>
+                <a:lnTo>
+                  <a:pt x="2542" y="0"/>
+                </a:lnTo>
+                <a:cubicBezTo>
+                  <a:pt x="2746" y="101"/>
+                  <a:pt x="3828" y="367"/>
+                  <a:pt x="4374" y="367"/>
+                </a:cubicBezTo>
+                <a:cubicBezTo>
+                  <a:pt x="4920" y="367"/>
+                  <a:pt x="5526" y="152"/>
+                  <a:pt x="5766" y="55"/>
+                </a:cubicBezTo>
+                <a:lnTo>
+                  <a:pt x="5772" y="213"/>
+                </a:lnTo>
+                <a:cubicBezTo>
+                  <a:pt x="5670" y="257"/>
+                  <a:pt x="5016" y="441"/>
+                  <a:pt x="4302" y="439"/>
+                </a:cubicBezTo>
+                <a:cubicBezTo>
+                  <a:pt x="3588" y="437"/>
+                  <a:pt x="2205" y="165"/>
+                  <a:pt x="1488" y="201"/>
+                </a:cubicBezTo>
+                <a:cubicBezTo>
+                  <a:pt x="750" y="209"/>
+                  <a:pt x="270" y="482"/>
+                  <a:pt x="0" y="656"/>
+                </a:cubicBezTo>
+                <a:lnTo>
+                  <a:pt x="6" y="2"/>
+                </a:lnTo>
+                <a:close/>
+              </a:path>
+            </a:pathLst>
+          </a:custGeom>
+          <a:gradFill>
+            <a:gsLst>
+              <a:gs pos="0">
+                <a:schemeClr val="accent2">
+                  <a:shade val="50000"/>
+                  <a:alpha val="45000"/>
+                  <a:satMod val="120000"/>
+                </a:schemeClr>
+              </a:gs>
+              <a:gs pos="100000">
+                <a:schemeClr val="accent3">
+                  <a:shade val="80000"/>
+                  <a:alpha val="55000"/>
+                  <a:satMod val="155000"/>
+                </a:schemeClr>
+              </a:gs>
+            </a:gsLst>
+            <a:lin ang="5400000" scaled="1"/>
+          </a:gradFill>
+          <a:ln w="9525" cap="flat" cmpd="sng" algn="ctr">
+            <a:noFill/>
+            <a:prstDash val="solid"/>
+            <a:round/>
+            <a:headEnd type="none" w="med" len="med"/>
+            <a:tailEnd type="none" w="med" len="med"/>
+          </a:ln>
+          <a:effectLst/>
         </p:spPr>
         <p:txBody>
-          <a:bodyPr/>
-          <a:lstStyle>
-            <a:lvl1pPr marL="0" indent="0">
-              <a:buNone/>
-              <a:defRPr sz="1400"/>
-            </a:lvl1pPr>
-            <a:lvl2pPr marL="457200" indent="0">
-              <a:buNone/>
-              <a:defRPr sz="1200"/>
-            </a:lvl2pPr>
-            <a:lvl3pPr marL="914400" indent="0">
-              <a:buNone/>
-              <a:defRPr sz="1000"/>
-            </a:lvl3pPr>
-            <a:lvl4pPr marL="1371600" indent="0">
-              <a:buNone/>
-              <a:defRPr sz="900"/>
-            </a:lvl4pPr>
-            <a:lvl5pPr marL="1828800" indent="0">
-              <a:buNone/>
-              <a:defRPr sz="900"/>
-            </a:lvl5pPr>
-            <a:lvl6pPr marL="2286000" indent="0">
-              <a:buNone/>
-              <a:defRPr sz="900"/>
-            </a:lvl6pPr>
-            <a:lvl7pPr marL="2743200" indent="0">
-              <a:buNone/>
-              <a:defRPr sz="900"/>
-            </a:lvl7pPr>
-            <a:lvl8pPr marL="3200400" indent="0">
-              <a:buNone/>
-              <a:defRPr sz="900"/>
-            </a:lvl8pPr>
-            <a:lvl9pPr marL="3657600" indent="0">
-              <a:buNone/>
-              <a:defRPr sz="900"/>
-            </a:lvl9pPr>
-          </a:lstStyle>
-          <a:p>
-            <a:pPr lvl="0"/>
-            <a:r>
-              <a:rPr lang="da-DK" smtClean="0"/>
-              <a:t>Klik for at redigere typografi i masteren</a:t>
-            </a:r>
-          </a:p>
-        </p:txBody>
-      </p:sp>
-      <p:sp>
-        <p:nvSpPr>
-          <p:cNvPr id="5" name="Pladsholder til dato 4"/>
-          <p:cNvSpPr>
-            <a:spLocks noGrp="1"/>
-          </p:cNvSpPr>
-          <p:nvPr>
-            <p:ph type="dt" sz="half" idx="10"/>
-          </p:nvPr>
-        </p:nvSpPr>
-        <p:spPr/>
-        <p:txBody>
-          <a:bodyPr/>
-          <a:lstStyle/>
-          <a:p>
-            <a:fld id="{6A1FAD05-99D2-4537-959B-62B4FA162F04}" type="datetimeFigureOut">
-              <a:rPr lang="da-DK" smtClean="0"/>
-              <a:t>11-06-2012</a:t>
-            </a:fld>
-            <a:endParaRPr lang="da-DK" dirty="0"/>
-          </a:p>
-        </p:txBody>
-      </p:sp>
-      <p:sp>
-        <p:nvSpPr>
-          <p:cNvPr id="6" name="Pladsholder til sidefod 5"/>
-          <p:cNvSpPr>
-            <a:spLocks noGrp="1"/>
-          </p:cNvSpPr>
-          <p:nvPr>
-            <p:ph type="ftr" sz="quarter" idx="11"/>
-          </p:nvPr>
-        </p:nvSpPr>
-        <p:spPr/>
-        <p:txBody>
-          <a:bodyPr/>
-          <a:lstStyle/>
-          <a:p>
-            <a:endParaRPr lang="da-DK" dirty="0"/>
-          </a:p>
-        </p:txBody>
-      </p:sp>
-      <p:sp>
-        <p:nvSpPr>
-          <p:cNvPr id="7" name="Pladsholder til diasnummer 6"/>
-          <p:cNvSpPr>
-            <a:spLocks noGrp="1"/>
-          </p:cNvSpPr>
-          <p:nvPr>
-            <p:ph type="sldNum" sz="quarter" idx="12"/>
-          </p:nvPr>
-        </p:nvSpPr>
-        <p:spPr/>
-        <p:txBody>
-          <a:bodyPr/>
-          <a:lstStyle/>
-          <a:p>
-            <a:fld id="{46B7D9C3-E229-45A3-B8AB-0AC9B1E4CE0F}" type="slidenum">
-              <a:rPr lang="da-DK" smtClean="0"/>
-              <a:t>‹nr.›</a:t>
-            </a:fld>
-            <a:endParaRPr lang="da-DK" dirty="0"/>
+          <a:bodyPr vert="horz" wrap="square" lIns="91440" tIns="45720" rIns="91440" bIns="45720" anchor="t" compatLnSpc="1"/>
+          <a:lstStyle/>
+          <a:p>
+            <a:pPr marL="0" algn="l" rtl="0" eaLnBrk="1" latinLnBrk="0" hangingPunct="1"/>
+            <a:endParaRPr kumimoji="0" lang="en-US">
+              <a:solidFill>
+                <a:schemeClr val="tx1"/>
+              </a:solidFill>
+              <a:latin typeface="+mn-lt"/>
+              <a:ea typeface="+mn-ea"/>
+              <a:cs typeface="+mn-cs"/>
+            </a:endParaRPr>
+          </a:p>
+        </p:txBody>
+      </p:sp>
+      <p:sp>
+        <p:nvSpPr>
+          <p:cNvPr id="11" name="Freeform 10"/>
+          <p:cNvSpPr>
+            <a:spLocks/>
+          </p:cNvSpPr>
+          <p:nvPr/>
+        </p:nvSpPr>
+        <p:spPr bwMode="auto">
+          <a:xfrm flipV="1">
+            <a:off x="4381500" y="6219825"/>
+            <a:ext cx="4762500" cy="638175"/>
+          </a:xfrm>
+          <a:custGeom>
+            <a:avLst>
+              <a:gd name="A1" fmla="val 0"/>
+              <a:gd name="A2" fmla="val 0"/>
+              <a:gd name="A3" fmla="val 0"/>
+              <a:gd name="A4" fmla="val 0"/>
+              <a:gd name="A5" fmla="val 0"/>
+              <a:gd name="A6" fmla="val 0"/>
+              <a:gd name="A7" fmla="val 0"/>
+              <a:gd name="A8" fmla="val 0"/>
+            </a:avLst>
+            <a:gdLst/>
+            <a:ahLst/>
+            <a:cxnLst>
+              <a:cxn ang="0">
+                <a:pos x="0" y="0"/>
+              </a:cxn>
+              <a:cxn ang="0">
+                <a:pos x="1668" y="564"/>
+              </a:cxn>
+              <a:cxn ang="0">
+                <a:pos x="3000" y="186"/>
+              </a:cxn>
+              <a:cxn ang="0">
+                <a:pos x="3000" y="6"/>
+              </a:cxn>
+              <a:cxn ang="0">
+                <a:pos x="0" y="0"/>
+              </a:cxn>
+            </a:cxnLst>
+            <a:rect l="0" t="0" r="0" b="0"/>
+            <a:pathLst>
+              <a:path w="3000" h="595">
+                <a:moveTo>
+                  <a:pt x="0" y="0"/>
+                </a:moveTo>
+                <a:cubicBezTo>
+                  <a:pt x="174" y="102"/>
+                  <a:pt x="1168" y="533"/>
+                  <a:pt x="1668" y="564"/>
+                </a:cubicBezTo>
+                <a:cubicBezTo>
+                  <a:pt x="2168" y="595"/>
+                  <a:pt x="2778" y="279"/>
+                  <a:pt x="3000" y="186"/>
+                </a:cubicBezTo>
+                <a:lnTo>
+                  <a:pt x="3000" y="6"/>
+                </a:lnTo>
+                <a:lnTo>
+                  <a:pt x="0" y="0"/>
+                </a:lnTo>
+                <a:close/>
+              </a:path>
+            </a:pathLst>
+          </a:custGeom>
+          <a:gradFill>
+            <a:gsLst>
+              <a:gs pos="0">
+                <a:schemeClr val="accent3">
+                  <a:shade val="50000"/>
+                  <a:alpha val="30000"/>
+                  <a:satMod val="130000"/>
+                </a:schemeClr>
+              </a:gs>
+              <a:gs pos="80000">
+                <a:schemeClr val="accent2">
+                  <a:shade val="75000"/>
+                  <a:alpha val="45000"/>
+                  <a:satMod val="140000"/>
+                </a:schemeClr>
+              </a:gs>
+            </a:gsLst>
+            <a:lin ang="5400000" scaled="1"/>
+          </a:gradFill>
+          <a:ln w="9525" cap="flat" cmpd="sng" algn="ctr">
+            <a:noFill/>
+            <a:prstDash val="solid"/>
+            <a:round/>
+            <a:headEnd type="none" w="med" len="med"/>
+            <a:tailEnd type="none" w="med" len="med"/>
+          </a:ln>
+          <a:effectLst/>
+        </p:spPr>
+        <p:txBody>
+          <a:bodyPr vert="horz" wrap="square" lIns="91440" tIns="45720" rIns="91440" bIns="45720" anchor="t" compatLnSpc="1"/>
+          <a:lstStyle/>
+          <a:p>
+            <a:pPr marL="0" algn="l" rtl="0" eaLnBrk="1" latinLnBrk="0" hangingPunct="1"/>
+            <a:endParaRPr kumimoji="0" lang="en-US">
+              <a:solidFill>
+                <a:schemeClr val="tx1"/>
+              </a:solidFill>
+              <a:latin typeface="+mn-lt"/>
+              <a:ea typeface="+mn-ea"/>
+              <a:cs typeface="+mn-cs"/>
+            </a:endParaRPr>
           </a:p>
         </p:txBody>
       </p:sp>
@@ -2535,7 +4692,7 @@
 <p:sldMaster xmlns:a="http://schemas.openxmlformats.org/drawingml/2006/main" xmlns:r="http://schemas.openxmlformats.org/officeDocument/2006/relationships" xmlns:p="http://schemas.openxmlformats.org/presentationml/2006/main">
   <p:cSld>
     <p:bg>
-      <p:bgRef idx="1001">
+      <p:bgRef idx="1003">
         <a:schemeClr val="bg1"/>
       </p:bgRef>
     </p:bg>
@@ -2555,7 +4712,263 @@
       </p:grpSpPr>
       <p:sp>
         <p:nvSpPr>
-          <p:cNvPr id="2" name="Pladsholder til titel 1"/>
+          <p:cNvPr id="7" name="Freeform 6"/>
+          <p:cNvSpPr>
+            <a:spLocks/>
+          </p:cNvSpPr>
+          <p:nvPr/>
+        </p:nvSpPr>
+        <p:spPr bwMode="auto">
+          <a:xfrm>
+            <a:off x="-9525" y="-7144"/>
+            <a:ext cx="9163050" cy="1041400"/>
+          </a:xfrm>
+          <a:custGeom>
+            <a:avLst>
+              <a:gd name="A1" fmla="val 0"/>
+              <a:gd name="A2" fmla="val 0"/>
+              <a:gd name="A3" fmla="val 0"/>
+              <a:gd name="A4" fmla="val 0"/>
+              <a:gd name="A5" fmla="val 0"/>
+              <a:gd name="A6" fmla="val 0"/>
+              <a:gd name="A7" fmla="val 0"/>
+              <a:gd name="A8" fmla="val 0"/>
+            </a:avLst>
+            <a:gdLst/>
+            <a:ahLst/>
+            <a:cxnLst>
+              <a:cxn ang="0">
+                <a:pos x="6" y="2"/>
+              </a:cxn>
+              <a:cxn ang="0">
+                <a:pos x="2542" y="0"/>
+              </a:cxn>
+              <a:cxn ang="0">
+                <a:pos x="4374" y="367"/>
+              </a:cxn>
+              <a:cxn ang="0">
+                <a:pos x="5766" y="55"/>
+              </a:cxn>
+              <a:cxn ang="0">
+                <a:pos x="5772" y="213"/>
+              </a:cxn>
+              <a:cxn ang="0">
+                <a:pos x="4302" y="439"/>
+              </a:cxn>
+              <a:cxn ang="0">
+                <a:pos x="1488" y="201"/>
+              </a:cxn>
+              <a:cxn ang="0">
+                <a:pos x="0" y="656"/>
+              </a:cxn>
+              <a:cxn ang="0">
+                <a:pos x="6" y="2"/>
+              </a:cxn>
+            </a:cxnLst>
+            <a:rect l="0" t="0" r="0" b="0"/>
+            <a:pathLst>
+              <a:path w="5772" h="656">
+                <a:moveTo>
+                  <a:pt x="6" y="2"/>
+                </a:moveTo>
+                <a:lnTo>
+                  <a:pt x="2542" y="0"/>
+                </a:lnTo>
+                <a:cubicBezTo>
+                  <a:pt x="2746" y="101"/>
+                  <a:pt x="3828" y="367"/>
+                  <a:pt x="4374" y="367"/>
+                </a:cubicBezTo>
+                <a:cubicBezTo>
+                  <a:pt x="4920" y="367"/>
+                  <a:pt x="5526" y="152"/>
+                  <a:pt x="5766" y="55"/>
+                </a:cubicBezTo>
+                <a:lnTo>
+                  <a:pt x="5772" y="213"/>
+                </a:lnTo>
+                <a:cubicBezTo>
+                  <a:pt x="5670" y="257"/>
+                  <a:pt x="5016" y="441"/>
+                  <a:pt x="4302" y="439"/>
+                </a:cubicBezTo>
+                <a:cubicBezTo>
+                  <a:pt x="3588" y="437"/>
+                  <a:pt x="2205" y="165"/>
+                  <a:pt x="1488" y="201"/>
+                </a:cubicBezTo>
+                <a:cubicBezTo>
+                  <a:pt x="750" y="209"/>
+                  <a:pt x="270" y="482"/>
+                  <a:pt x="0" y="656"/>
+                </a:cubicBezTo>
+                <a:lnTo>
+                  <a:pt x="6" y="2"/>
+                </a:lnTo>
+                <a:close/>
+              </a:path>
+            </a:pathLst>
+          </a:custGeom>
+          <a:gradFill>
+            <a:gsLst>
+              <a:gs pos="0">
+                <a:schemeClr val="accent2">
+                  <a:shade val="50000"/>
+                  <a:alpha val="45000"/>
+                  <a:satMod val="120000"/>
+                </a:schemeClr>
+              </a:gs>
+              <a:gs pos="100000">
+                <a:schemeClr val="accent3">
+                  <a:shade val="80000"/>
+                  <a:alpha val="55000"/>
+                  <a:satMod val="155000"/>
+                </a:schemeClr>
+              </a:gs>
+            </a:gsLst>
+            <a:lin ang="5400000" scaled="1"/>
+          </a:gradFill>
+          <a:ln w="9525" cap="flat" cmpd="sng" algn="ctr">
+            <a:noFill/>
+            <a:prstDash val="solid"/>
+            <a:round/>
+            <a:headEnd type="none" w="med" len="med"/>
+            <a:tailEnd type="none" w="med" len="med"/>
+          </a:ln>
+          <a:effectLst/>
+        </p:spPr>
+        <p:txBody>
+          <a:bodyPr vert="horz" wrap="square" lIns="91440" tIns="45720" rIns="91440" bIns="45720" anchor="t" compatLnSpc="1"/>
+          <a:lstStyle/>
+          <a:p>
+            <a:pPr marL="0" algn="l" rtl="0" eaLnBrk="1" latinLnBrk="0" hangingPunct="1"/>
+            <a:endParaRPr kumimoji="0" lang="en-US">
+              <a:solidFill>
+                <a:schemeClr val="tx1"/>
+              </a:solidFill>
+              <a:latin typeface="+mn-lt"/>
+              <a:ea typeface="+mn-ea"/>
+              <a:cs typeface="+mn-cs"/>
+            </a:endParaRPr>
+          </a:p>
+        </p:txBody>
+      </p:sp>
+      <p:sp>
+        <p:nvSpPr>
+          <p:cNvPr id="8" name="Freeform 7"/>
+          <p:cNvSpPr>
+            <a:spLocks/>
+          </p:cNvSpPr>
+          <p:nvPr/>
+        </p:nvSpPr>
+        <p:spPr bwMode="auto">
+          <a:xfrm>
+            <a:off x="4381500" y="-7144"/>
+            <a:ext cx="4762500" cy="638175"/>
+          </a:xfrm>
+          <a:custGeom>
+            <a:avLst>
+              <a:gd name="A1" fmla="val 0"/>
+              <a:gd name="A2" fmla="val 0"/>
+              <a:gd name="A3" fmla="val 0"/>
+              <a:gd name="A4" fmla="val 0"/>
+              <a:gd name="A5" fmla="val 0"/>
+              <a:gd name="A6" fmla="val 0"/>
+              <a:gd name="A7" fmla="val 0"/>
+              <a:gd name="A8" fmla="val 0"/>
+            </a:avLst>
+            <a:gdLst/>
+            <a:ahLst/>
+            <a:cxnLst>
+              <a:cxn ang="0">
+                <a:pos x="0" y="0"/>
+              </a:cxn>
+              <a:cxn ang="0">
+                <a:pos x="1668" y="564"/>
+              </a:cxn>
+              <a:cxn ang="0">
+                <a:pos x="3000" y="186"/>
+              </a:cxn>
+              <a:cxn ang="0">
+                <a:pos x="3000" y="6"/>
+              </a:cxn>
+              <a:cxn ang="0">
+                <a:pos x="0" y="0"/>
+              </a:cxn>
+            </a:cxnLst>
+            <a:rect l="0" t="0" r="0" b="0"/>
+            <a:pathLst>
+              <a:path w="3000" h="595">
+                <a:moveTo>
+                  <a:pt x="0" y="0"/>
+                </a:moveTo>
+                <a:cubicBezTo>
+                  <a:pt x="174" y="102"/>
+                  <a:pt x="1168" y="533"/>
+                  <a:pt x="1668" y="564"/>
+                </a:cubicBezTo>
+                <a:cubicBezTo>
+                  <a:pt x="2168" y="595"/>
+                  <a:pt x="2778" y="279"/>
+                  <a:pt x="3000" y="186"/>
+                </a:cubicBezTo>
+                <a:lnTo>
+                  <a:pt x="3000" y="6"/>
+                </a:lnTo>
+                <a:lnTo>
+                  <a:pt x="0" y="0"/>
+                </a:lnTo>
+                <a:close/>
+              </a:path>
+            </a:pathLst>
+          </a:custGeom>
+          <a:gradFill>
+            <a:gsLst>
+              <a:gs pos="0">
+                <a:schemeClr val="accent3">
+                  <a:shade val="50000"/>
+                  <a:alpha val="30000"/>
+                  <a:satMod val="130000"/>
+                </a:schemeClr>
+              </a:gs>
+              <a:gs pos="80000">
+                <a:schemeClr val="accent2">
+                  <a:shade val="75000"/>
+                  <a:alpha val="45000"/>
+                  <a:satMod val="140000"/>
+                </a:schemeClr>
+              </a:gs>
+            </a:gsLst>
+            <a:lin ang="5400000" scaled="1"/>
+          </a:gradFill>
+          <a:ln w="9525" cap="flat" cmpd="sng" algn="ctr">
+            <a:noFill/>
+            <a:prstDash val="solid"/>
+            <a:round/>
+            <a:headEnd type="none" w="med" len="med"/>
+            <a:tailEnd type="none" w="med" len="med"/>
+          </a:ln>
+          <a:effectLst/>
+        </p:spPr>
+        <p:txBody>
+          <a:bodyPr vert="horz" wrap="square" lIns="91440" tIns="45720" rIns="91440" bIns="45720" anchor="t" compatLnSpc="1"/>
+          <a:lstStyle/>
+          <a:p>
+            <a:pPr marL="0" algn="l" rtl="0" eaLnBrk="1" latinLnBrk="0" hangingPunct="1"/>
+            <a:endParaRPr kumimoji="0" lang="en-US">
+              <a:solidFill>
+                <a:schemeClr val="tx1"/>
+              </a:solidFill>
+              <a:latin typeface="+mn-lt"/>
+              <a:ea typeface="+mn-ea"/>
+              <a:cs typeface="+mn-cs"/>
+            </a:endParaRPr>
+          </a:p>
+        </p:txBody>
+      </p:sp>
+      <p:sp>
+        <p:nvSpPr>
+          <p:cNvPr id="9" name="Title Placeholder 8"/>
           <p:cNvSpPr>
             <a:spLocks noGrp="1"/>
           </p:cNvSpPr>
@@ -2565,7 +4978,7 @@
         </p:nvSpPr>
         <p:spPr>
           <a:xfrm>
-            <a:off x="457200" y="274638"/>
+            <a:off x="457200" y="704088"/>
             <a:ext cx="8229600" cy="1143000"/>
           </a:xfrm>
           <a:prstGeom prst="rect">
@@ -2573,22 +4986,22 @@
           </a:prstGeom>
         </p:spPr>
         <p:txBody>
-          <a:bodyPr vert="horz" lIns="91440" tIns="45720" rIns="91440" bIns="45720" rtlCol="0" anchor="ctr">
+          <a:bodyPr vert="horz" lIns="0" rIns="0" bIns="0" anchor="b">
             <a:normAutofit/>
           </a:bodyPr>
           <a:lstStyle/>
           <a:p>
             <a:r>
-              <a:rPr lang="da-DK" smtClean="0"/>
-              <a:t>Klik for at redigere titeltypografi i masteren</a:t>
-            </a:r>
-            <a:endParaRPr lang="da-DK"/>
-          </a:p>
-        </p:txBody>
-      </p:sp>
-      <p:sp>
-        <p:nvSpPr>
-          <p:cNvPr id="3" name="Pladsholder til tekst 2"/>
+              <a:rPr kumimoji="0" lang="da-DK" smtClean="0"/>
+              <a:t>Klik for at redigere i master</a:t>
+            </a:r>
+            <a:endParaRPr kumimoji="0" lang="en-US"/>
+          </a:p>
+        </p:txBody>
+      </p:sp>
+      <p:sp>
+        <p:nvSpPr>
+          <p:cNvPr id="30" name="Text Placeholder 29"/>
           <p:cNvSpPr>
             <a:spLocks noGrp="1"/>
           </p:cNvSpPr>
@@ -2598,59 +5011,59 @@
         </p:nvSpPr>
         <p:spPr>
           <a:xfrm>
-            <a:off x="457200" y="1600200"/>
-            <a:ext cx="8229600" cy="4525963"/>
+            <a:off x="457200" y="1935480"/>
+            <a:ext cx="8229600" cy="4389120"/>
           </a:xfrm>
           <a:prstGeom prst="rect">
             <a:avLst/>
           </a:prstGeom>
         </p:spPr>
         <p:txBody>
-          <a:bodyPr vert="horz" lIns="91440" tIns="45720" rIns="91440" bIns="45720" rtlCol="0">
+          <a:bodyPr vert="horz">
             <a:normAutofit/>
           </a:bodyPr>
           <a:lstStyle/>
           <a:p>
-            <a:pPr lvl="0"/>
-            <a:r>
-              <a:rPr lang="da-DK" smtClean="0"/>
-              <a:t>Klik for at redigere typografi i masteren</a:t>
-            </a:r>
-          </a:p>
-          <a:p>
-            <a:pPr lvl="1"/>
-            <a:r>
-              <a:rPr lang="da-DK" smtClean="0"/>
+            <a:pPr lvl="0" eaLnBrk="1" latinLnBrk="0" hangingPunct="1"/>
+            <a:r>
+              <a:rPr kumimoji="0" lang="da-DK" smtClean="0"/>
+              <a:t>Klik for at redigere i master</a:t>
+            </a:r>
+          </a:p>
+          <a:p>
+            <a:pPr lvl="1" eaLnBrk="1" latinLnBrk="0" hangingPunct="1"/>
+            <a:r>
+              <a:rPr kumimoji="0" lang="da-DK" smtClean="0"/>
               <a:t>Andet niveau</a:t>
             </a:r>
           </a:p>
           <a:p>
-            <a:pPr lvl="2"/>
-            <a:r>
-              <a:rPr lang="da-DK" smtClean="0"/>
+            <a:pPr lvl="2" eaLnBrk="1" latinLnBrk="0" hangingPunct="1"/>
+            <a:r>
+              <a:rPr kumimoji="0" lang="da-DK" smtClean="0"/>
               <a:t>Tredje niveau</a:t>
             </a:r>
           </a:p>
           <a:p>
-            <a:pPr lvl="3"/>
-            <a:r>
-              <a:rPr lang="da-DK" smtClean="0"/>
+            <a:pPr lvl="3" eaLnBrk="1" latinLnBrk="0" hangingPunct="1"/>
+            <a:r>
+              <a:rPr kumimoji="0" lang="da-DK" smtClean="0"/>
               <a:t>Fjerde niveau</a:t>
             </a:r>
           </a:p>
           <a:p>
-            <a:pPr lvl="4"/>
-            <a:r>
-              <a:rPr lang="da-DK" smtClean="0"/>
+            <a:pPr lvl="4" eaLnBrk="1" latinLnBrk="0" hangingPunct="1"/>
+            <a:r>
+              <a:rPr kumimoji="0" lang="da-DK" smtClean="0"/>
               <a:t>Femte niveau</a:t>
             </a:r>
-            <a:endParaRPr lang="da-DK"/>
-          </a:p>
-        </p:txBody>
-      </p:sp>
-      <p:sp>
-        <p:nvSpPr>
-          <p:cNvPr id="4" name="Pladsholder til dato 3"/>
+            <a:endParaRPr kumimoji="0" lang="en-US"/>
+          </a:p>
+        </p:txBody>
+      </p:sp>
+      <p:sp>
+        <p:nvSpPr>
+          <p:cNvPr id="10" name="Date Placeholder 9"/>
           <p:cNvSpPr>
             <a:spLocks noGrp="1"/>
           </p:cNvSpPr>
@@ -2668,13 +5081,13 @@
           </a:prstGeom>
         </p:spPr>
         <p:txBody>
-          <a:bodyPr vert="horz" lIns="91440" tIns="45720" rIns="91440" bIns="45720" rtlCol="0" anchor="ctr"/>
+          <a:bodyPr vert="horz" lIns="0" tIns="0" rIns="0" bIns="0" anchor="b"/>
           <a:lstStyle>
-            <a:lvl1pPr algn="l">
-              <a:defRPr sz="1200">
+            <a:lvl1pPr algn="l" eaLnBrk="1" latinLnBrk="0" hangingPunct="1">
+              <a:defRPr kumimoji="0" sz="1200">
                 <a:solidFill>
-                  <a:schemeClr val="tx1">
-                    <a:tint val="75000"/>
+                  <a:schemeClr val="tx2">
+                    <a:shade val="90000"/>
                   </a:schemeClr>
                 </a:solidFill>
               </a:defRPr>
@@ -2691,7 +5104,7 @@
       </p:sp>
       <p:sp>
         <p:nvSpPr>
-          <p:cNvPr id="5" name="Pladsholder til sidefod 4"/>
+          <p:cNvPr id="22" name="Footer Placeholder 21"/>
           <p:cNvSpPr>
             <a:spLocks noGrp="1"/>
           </p:cNvSpPr>
@@ -2701,21 +5114,21 @@
         </p:nvSpPr>
         <p:spPr>
           <a:xfrm>
-            <a:off x="3124200" y="6356350"/>
-            <a:ext cx="2895600" cy="365125"/>
+            <a:off x="2667000" y="6356350"/>
+            <a:ext cx="3352800" cy="365125"/>
           </a:xfrm>
           <a:prstGeom prst="rect">
             <a:avLst/>
           </a:prstGeom>
         </p:spPr>
         <p:txBody>
-          <a:bodyPr vert="horz" lIns="91440" tIns="45720" rIns="91440" bIns="45720" rtlCol="0" anchor="ctr"/>
+          <a:bodyPr vert="horz" lIns="0" tIns="0" rIns="0" bIns="0" anchor="b"/>
           <a:lstStyle>
-            <a:lvl1pPr algn="ctr">
-              <a:defRPr sz="1200">
+            <a:lvl1pPr algn="l" eaLnBrk="1" latinLnBrk="0" hangingPunct="1">
+              <a:defRPr kumimoji="0" sz="1200">
                 <a:solidFill>
-                  <a:schemeClr val="tx1">
-                    <a:tint val="75000"/>
+                  <a:schemeClr val="tx2">
+                    <a:shade val="90000"/>
                   </a:schemeClr>
                 </a:solidFill>
               </a:defRPr>
@@ -2728,7 +5141,7 @@
       </p:sp>
       <p:sp>
         <p:nvSpPr>
-          <p:cNvPr id="6" name="Pladsholder til diasnummer 5"/>
+          <p:cNvPr id="18" name="Slide Number Placeholder 17"/>
           <p:cNvSpPr>
             <a:spLocks noGrp="1"/>
           </p:cNvSpPr>
@@ -2738,21 +5151,21 @@
         </p:nvSpPr>
         <p:spPr>
           <a:xfrm>
-            <a:off x="6553200" y="6356350"/>
-            <a:ext cx="2133600" cy="365125"/>
+            <a:off x="7924800" y="6356350"/>
+            <a:ext cx="762000" cy="365125"/>
           </a:xfrm>
           <a:prstGeom prst="rect">
             <a:avLst/>
           </a:prstGeom>
         </p:spPr>
         <p:txBody>
-          <a:bodyPr vert="horz" lIns="91440" tIns="45720" rIns="91440" bIns="45720" rtlCol="0" anchor="ctr"/>
+          <a:bodyPr vert="horz" lIns="0" tIns="0" rIns="0" bIns="0" anchor="b"/>
           <a:lstStyle>
-            <a:lvl1pPr algn="r">
-              <a:defRPr sz="1200">
+            <a:lvl1pPr algn="r" eaLnBrk="1" latinLnBrk="0" hangingPunct="1">
+              <a:defRPr kumimoji="0" sz="1200">
                 <a:solidFill>
-                  <a:schemeClr val="tx1">
-                    <a:tint val="75000"/>
+                  <a:schemeClr val="tx2">
+                    <a:shade val="90000"/>
                   </a:schemeClr>
                 </a:solidFill>
               </a:defRPr>
@@ -2767,33 +5180,251 @@
           </a:p>
         </p:txBody>
       </p:sp>
+      <p:grpSp>
+        <p:nvGrpSpPr>
+          <p:cNvPr id="2" name="Group 1"/>
+          <p:cNvGrpSpPr/>
+          <p:nvPr/>
+        </p:nvGrpSpPr>
+        <p:grpSpPr>
+          <a:xfrm>
+            <a:off x="-19017" y="202408"/>
+            <a:ext cx="9180548" cy="649224"/>
+            <a:chOff x="-19045" y="216550"/>
+            <a:chExt cx="9180548" cy="649224"/>
+          </a:xfrm>
+        </p:grpSpPr>
+        <p:sp>
+          <p:nvSpPr>
+            <p:cNvPr id="12" name="Freeform 11"/>
+            <p:cNvSpPr>
+              <a:spLocks/>
+            </p:cNvSpPr>
+            <p:nvPr/>
+          </p:nvSpPr>
+          <p:spPr bwMode="auto">
+            <a:xfrm rot="21435692">
+              <a:off x="-19045" y="216550"/>
+              <a:ext cx="9163050" cy="649224"/>
+            </a:xfrm>
+            <a:custGeom>
+              <a:avLst>
+                <a:gd name="A1" fmla="val 0"/>
+                <a:gd name="A2" fmla="val 0"/>
+                <a:gd name="A3" fmla="val 0"/>
+                <a:gd name="A4" fmla="val 0"/>
+                <a:gd name="A5" fmla="val 0"/>
+                <a:gd name="A6" fmla="val 0"/>
+                <a:gd name="A7" fmla="val 0"/>
+                <a:gd name="A8" fmla="val 0"/>
+              </a:avLst>
+              <a:gdLst/>
+              <a:ahLst/>
+              <a:cxnLst>
+                <a:cxn ang="0">
+                  <a:pos x="0" y="966"/>
+                </a:cxn>
+                <a:cxn ang="0">
+                  <a:pos x="1608" y="282"/>
+                </a:cxn>
+                <a:cxn ang="0">
+                  <a:pos x="4110" y="1008"/>
+                </a:cxn>
+                <a:cxn ang="0">
+                  <a:pos x="5772" y="0"/>
+                </a:cxn>
+              </a:cxnLst>
+              <a:rect l="0" t="0" r="0" b="0"/>
+              <a:pathLst>
+                <a:path w="5772" h="1055">
+                  <a:moveTo>
+                    <a:pt x="0" y="966"/>
+                  </a:moveTo>
+                  <a:cubicBezTo>
+                    <a:pt x="282" y="738"/>
+                    <a:pt x="923" y="275"/>
+                    <a:pt x="1608" y="282"/>
+                  </a:cubicBezTo>
+                  <a:cubicBezTo>
+                    <a:pt x="2293" y="289"/>
+                    <a:pt x="3416" y="1055"/>
+                    <a:pt x="4110" y="1008"/>
+                  </a:cubicBezTo>
+                  <a:cubicBezTo>
+                    <a:pt x="4804" y="961"/>
+                    <a:pt x="5426" y="210"/>
+                    <a:pt x="5772" y="0"/>
+                  </a:cubicBezTo>
+                </a:path>
+              </a:pathLst>
+            </a:custGeom>
+            <a:noFill/>
+            <a:ln w="10795" cap="flat" cmpd="sng" algn="ctr">
+              <a:gradFill>
+                <a:gsLst>
+                  <a:gs pos="74000">
+                    <a:schemeClr val="accent3">
+                      <a:shade val="75000"/>
+                    </a:schemeClr>
+                  </a:gs>
+                  <a:gs pos="86000">
+                    <a:schemeClr val="tx1">
+                      <a:alpha val="29000"/>
+                    </a:schemeClr>
+                  </a:gs>
+                  <a:gs pos="16000">
+                    <a:schemeClr val="accent2">
+                      <a:shade val="75000"/>
+                      <a:alpha val="56000"/>
+                    </a:schemeClr>
+                  </a:gs>
+                </a:gsLst>
+                <a:lin ang="5400000" scaled="1"/>
+              </a:gradFill>
+              <a:prstDash val="solid"/>
+              <a:round/>
+              <a:headEnd type="none" w="med" len="med"/>
+              <a:tailEnd type="none" w="med" len="med"/>
+            </a:ln>
+            <a:effectLst/>
+          </p:spPr>
+          <p:txBody>
+            <a:bodyPr vert="horz" wrap="square" lIns="91440" tIns="45720" rIns="91440" bIns="45720" anchor="t" compatLnSpc="1"/>
+            <a:lstStyle/>
+            <a:p>
+              <a:endParaRPr kumimoji="0" lang="en-US"/>
+            </a:p>
+          </p:txBody>
+        </p:sp>
+        <p:sp>
+          <p:nvSpPr>
+            <p:cNvPr id="13" name="Freeform 12"/>
+            <p:cNvSpPr>
+              <a:spLocks/>
+            </p:cNvSpPr>
+            <p:nvPr/>
+          </p:nvSpPr>
+          <p:spPr bwMode="auto">
+            <a:xfrm rot="21435692">
+              <a:off x="-14309" y="290003"/>
+              <a:ext cx="9175812" cy="530352"/>
+            </a:xfrm>
+            <a:custGeom>
+              <a:avLst>
+                <a:gd name="A1" fmla="val 0"/>
+                <a:gd name="A2" fmla="val 0"/>
+                <a:gd name="A3" fmla="val 0"/>
+                <a:gd name="A4" fmla="val 0"/>
+                <a:gd name="A5" fmla="val 0"/>
+                <a:gd name="A6" fmla="val 0"/>
+                <a:gd name="A7" fmla="val 0"/>
+                <a:gd name="A8" fmla="val 0"/>
+              </a:avLst>
+              <a:gdLst/>
+              <a:ahLst/>
+              <a:cxnLst>
+                <a:cxn ang="0">
+                  <a:pos x="0" y="732"/>
+                </a:cxn>
+                <a:cxn ang="0">
+                  <a:pos x="1638" y="228"/>
+                </a:cxn>
+                <a:cxn ang="0">
+                  <a:pos x="4122" y="816"/>
+                </a:cxn>
+                <a:cxn ang="0">
+                  <a:pos x="5766" y="0"/>
+                </a:cxn>
+              </a:cxnLst>
+              <a:rect l="0" t="0" r="0" b="0"/>
+              <a:pathLst>
+                <a:path w="5766" h="854">
+                  <a:moveTo>
+                    <a:pt x="0" y="732"/>
+                  </a:moveTo>
+                  <a:cubicBezTo>
+                    <a:pt x="273" y="647"/>
+                    <a:pt x="951" y="214"/>
+                    <a:pt x="1638" y="228"/>
+                  </a:cubicBezTo>
+                  <a:cubicBezTo>
+                    <a:pt x="2325" y="242"/>
+                    <a:pt x="3434" y="854"/>
+                    <a:pt x="4122" y="816"/>
+                  </a:cubicBezTo>
+                  <a:cubicBezTo>
+                    <a:pt x="4810" y="778"/>
+                    <a:pt x="5424" y="170"/>
+                    <a:pt x="5766" y="0"/>
+                  </a:cubicBezTo>
+                </a:path>
+              </a:pathLst>
+            </a:custGeom>
+            <a:noFill/>
+            <a:ln w="9525" cap="flat" cmpd="sng" algn="ctr">
+              <a:gradFill>
+                <a:gsLst>
+                  <a:gs pos="74000">
+                    <a:schemeClr val="accent4"/>
+                  </a:gs>
+                  <a:gs pos="44000">
+                    <a:schemeClr val="accent1"/>
+                  </a:gs>
+                  <a:gs pos="33000">
+                    <a:schemeClr val="accent2">
+                      <a:alpha val="56000"/>
+                    </a:schemeClr>
+                  </a:gs>
+                </a:gsLst>
+                <a:lin ang="5400000" scaled="1"/>
+              </a:gradFill>
+              <a:prstDash val="solid"/>
+              <a:round/>
+              <a:headEnd type="none" w="med" len="med"/>
+              <a:tailEnd type="none" w="med" len="med"/>
+            </a:ln>
+            <a:effectLst/>
+          </p:spPr>
+          <p:txBody>
+            <a:bodyPr vert="horz" wrap="square" lIns="91440" tIns="45720" rIns="91440" bIns="45720" anchor="t" compatLnSpc="1"/>
+            <a:lstStyle/>
+            <a:p>
+              <a:endParaRPr kumimoji="0" lang="en-US"/>
+            </a:p>
+          </p:txBody>
+        </p:sp>
+      </p:grpSp>
     </p:spTree>
   </p:cSld>
   <p:clrMap bg1="lt1" tx1="dk1" bg2="lt2" tx2="dk2" accent1="accent1" accent2="accent2" accent3="accent3" accent4="accent4" accent5="accent5" accent6="accent6" hlink="hlink" folHlink="folHlink"/>
   <p:sldLayoutIdLst>
-    <p:sldLayoutId id="2147483649" r:id="rId1"/>
-    <p:sldLayoutId id="2147483650" r:id="rId2"/>
-    <p:sldLayoutId id="2147483651" r:id="rId3"/>
-    <p:sldLayoutId id="2147483652" r:id="rId4"/>
-    <p:sldLayoutId id="2147483653" r:id="rId5"/>
-    <p:sldLayoutId id="2147483654" r:id="rId6"/>
-    <p:sldLayoutId id="2147483655" r:id="rId7"/>
-    <p:sldLayoutId id="2147483656" r:id="rId8"/>
-    <p:sldLayoutId id="2147483657" r:id="rId9"/>
-    <p:sldLayoutId id="2147483658" r:id="rId10"/>
-    <p:sldLayoutId id="2147483659" r:id="rId11"/>
+    <p:sldLayoutId id="2147483661" r:id="rId1"/>
+    <p:sldLayoutId id="2147483662" r:id="rId2"/>
+    <p:sldLayoutId id="2147483663" r:id="rId3"/>
+    <p:sldLayoutId id="2147483664" r:id="rId4"/>
+    <p:sldLayoutId id="2147483665" r:id="rId5"/>
+    <p:sldLayoutId id="2147483666" r:id="rId6"/>
+    <p:sldLayoutId id="2147483667" r:id="rId7"/>
+    <p:sldLayoutId id="2147483668" r:id="rId8"/>
+    <p:sldLayoutId id="2147483669" r:id="rId9"/>
+    <p:sldLayoutId id="2147483670" r:id="rId10"/>
+    <p:sldLayoutId id="2147483671" r:id="rId11"/>
   </p:sldLayoutIdLst>
   <p:txStyles>
     <p:titleStyle>
-      <a:lvl1pPr algn="ctr" defTabSz="914400" rtl="0" eaLnBrk="1" latinLnBrk="0" hangingPunct="1">
+      <a:lvl1pPr algn="l" rtl="0" eaLnBrk="1" latinLnBrk="0" hangingPunct="1">
         <a:spcBef>
           <a:spcPct val="0"/>
         </a:spcBef>
         <a:buNone/>
-        <a:defRPr sz="4400" kern="1200">
+        <a:defRPr kumimoji="0" sz="5000" b="0" kern="1200">
+          <a:ln>
+            <a:noFill/>
+          </a:ln>
           <a:solidFill>
-            <a:schemeClr val="tx1"/>
+            <a:schemeClr val="tx2"/>
           </a:solidFill>
+          <a:effectLst/>
           <a:latin typeface="+mj-lt"/>
           <a:ea typeface="+mj-ea"/>
           <a:cs typeface="+mj-cs"/>
@@ -2801,13 +5432,17 @@
       </a:lvl1pPr>
     </p:titleStyle>
     <p:bodyStyle>
-      <a:lvl1pPr marL="342900" indent="-342900" algn="l" defTabSz="914400" rtl="0" eaLnBrk="1" latinLnBrk="0" hangingPunct="1">
+      <a:lvl1pPr marL="274320" indent="-274320" algn="l" rtl="0" eaLnBrk="1" latinLnBrk="0" hangingPunct="1">
         <a:spcBef>
           <a:spcPct val="20000"/>
         </a:spcBef>
-        <a:buFont typeface="Arial" pitchFamily="34" charset="0"/>
-        <a:buChar char="•"/>
-        <a:defRPr sz="3200" kern="1200">
+        <a:buClr>
+          <a:schemeClr val="accent3"/>
+        </a:buClr>
+        <a:buSzPct val="95000"/>
+        <a:buFont typeface="Wingdings 2"/>
+        <a:buChar char=""/>
+        <a:defRPr kumimoji="0" sz="2600" kern="1200">
           <a:solidFill>
             <a:schemeClr val="tx1"/>
           </a:solidFill>
@@ -2816,13 +5451,17 @@
           <a:cs typeface="+mn-cs"/>
         </a:defRPr>
       </a:lvl1pPr>
-      <a:lvl2pPr marL="742950" indent="-285750" algn="l" defTabSz="914400" rtl="0" eaLnBrk="1" latinLnBrk="0" hangingPunct="1">
+      <a:lvl2pPr marL="640080" indent="-246888" algn="l" rtl="0" eaLnBrk="1" latinLnBrk="0" hangingPunct="1">
         <a:spcBef>
           <a:spcPct val="20000"/>
         </a:spcBef>
-        <a:buFont typeface="Arial" pitchFamily="34" charset="0"/>
-        <a:buChar char="–"/>
-        <a:defRPr sz="2800" kern="1200">
+        <a:buClr>
+          <a:schemeClr val="accent1"/>
+        </a:buClr>
+        <a:buSzPct val="85000"/>
+        <a:buFont typeface="Wingdings 2"/>
+        <a:buChar char=""/>
+        <a:defRPr kumimoji="0" sz="2400" kern="1200">
           <a:solidFill>
             <a:schemeClr val="tx1"/>
           </a:solidFill>
@@ -2831,13 +5470,17 @@
           <a:cs typeface="+mn-cs"/>
         </a:defRPr>
       </a:lvl2pPr>
-      <a:lvl3pPr marL="1143000" indent="-228600" algn="l" defTabSz="914400" rtl="0" eaLnBrk="1" latinLnBrk="0" hangingPunct="1">
+      <a:lvl3pPr marL="914400" indent="-246888" algn="l" rtl="0" eaLnBrk="1" latinLnBrk="0" hangingPunct="1">
         <a:spcBef>
           <a:spcPct val="20000"/>
         </a:spcBef>
-        <a:buFont typeface="Arial" pitchFamily="34" charset="0"/>
-        <a:buChar char="•"/>
-        <a:defRPr sz="2400" kern="1200">
+        <a:buClr>
+          <a:schemeClr val="accent2"/>
+        </a:buClr>
+        <a:buSzPct val="70000"/>
+        <a:buFont typeface="Wingdings 2"/>
+        <a:buChar char=""/>
+        <a:defRPr kumimoji="0" sz="2100" kern="1200">
           <a:solidFill>
             <a:schemeClr val="tx1"/>
           </a:solidFill>
@@ -2846,13 +5489,17 @@
           <a:cs typeface="+mn-cs"/>
         </a:defRPr>
       </a:lvl3pPr>
-      <a:lvl4pPr marL="1600200" indent="-228600" algn="l" defTabSz="914400" rtl="0" eaLnBrk="1" latinLnBrk="0" hangingPunct="1">
+      <a:lvl4pPr marL="1188720" indent="-210312" algn="l" rtl="0" eaLnBrk="1" latinLnBrk="0" hangingPunct="1">
         <a:spcBef>
           <a:spcPct val="20000"/>
         </a:spcBef>
-        <a:buFont typeface="Arial" pitchFamily="34" charset="0"/>
-        <a:buChar char="–"/>
-        <a:defRPr sz="2000" kern="1200">
+        <a:buClr>
+          <a:schemeClr val="accent3"/>
+        </a:buClr>
+        <a:buSzPct val="65000"/>
+        <a:buFont typeface="Wingdings 2"/>
+        <a:buChar char=""/>
+        <a:defRPr kumimoji="0" sz="2000" kern="1200">
           <a:solidFill>
             <a:schemeClr val="tx1"/>
           </a:solidFill>
@@ -2861,13 +5508,17 @@
           <a:cs typeface="+mn-cs"/>
         </a:defRPr>
       </a:lvl4pPr>
-      <a:lvl5pPr marL="2057400" indent="-228600" algn="l" defTabSz="914400" rtl="0" eaLnBrk="1" latinLnBrk="0" hangingPunct="1">
+      <a:lvl5pPr marL="1463040" indent="-210312" algn="l" rtl="0" eaLnBrk="1" latinLnBrk="0" hangingPunct="1">
         <a:spcBef>
           <a:spcPct val="20000"/>
         </a:spcBef>
-        <a:buFont typeface="Arial" pitchFamily="34" charset="0"/>
-        <a:buChar char="»"/>
-        <a:defRPr sz="2000" kern="1200">
+        <a:buClr>
+          <a:schemeClr val="accent4"/>
+        </a:buClr>
+        <a:buSzPct val="65000"/>
+        <a:buFont typeface="Wingdings 2"/>
+        <a:buChar char=""/>
+        <a:defRPr kumimoji="0" sz="2000" kern="1200">
           <a:solidFill>
             <a:schemeClr val="tx1"/>
           </a:solidFill>
@@ -2876,13 +5527,17 @@
           <a:cs typeface="+mn-cs"/>
         </a:defRPr>
       </a:lvl5pPr>
-      <a:lvl6pPr marL="2514600" indent="-228600" algn="l" defTabSz="914400" rtl="0" eaLnBrk="1" latinLnBrk="0" hangingPunct="1">
+      <a:lvl6pPr marL="1737360" indent="-210312" algn="l" rtl="0" eaLnBrk="1" latinLnBrk="0" hangingPunct="1">
         <a:spcBef>
           <a:spcPct val="20000"/>
         </a:spcBef>
-        <a:buFont typeface="Arial" pitchFamily="34" charset="0"/>
-        <a:buChar char="•"/>
-        <a:defRPr sz="2000" kern="1200">
+        <a:buClr>
+          <a:schemeClr val="accent5"/>
+        </a:buClr>
+        <a:buSzPct val="80000"/>
+        <a:buFont typeface="Wingdings 2"/>
+        <a:buChar char=""/>
+        <a:defRPr kumimoji="0" sz="1800" kern="1200">
           <a:solidFill>
             <a:schemeClr val="tx1"/>
           </a:solidFill>
@@ -2891,13 +5546,17 @@
           <a:cs typeface="+mn-cs"/>
         </a:defRPr>
       </a:lvl6pPr>
-      <a:lvl7pPr marL="2971800" indent="-228600" algn="l" defTabSz="914400" rtl="0" eaLnBrk="1" latinLnBrk="0" hangingPunct="1">
+      <a:lvl7pPr marL="1920240" indent="-182880" algn="l" rtl="0" eaLnBrk="1" latinLnBrk="0" hangingPunct="1">
         <a:spcBef>
           <a:spcPct val="20000"/>
         </a:spcBef>
-        <a:buFont typeface="Arial" pitchFamily="34" charset="0"/>
-        <a:buChar char="•"/>
-        <a:defRPr sz="2000" kern="1200">
+        <a:buClr>
+          <a:schemeClr val="accent6"/>
+        </a:buClr>
+        <a:buSzPct val="80000"/>
+        <a:buFont typeface="Wingdings 2"/>
+        <a:buChar char=""/>
+        <a:defRPr kumimoji="0" sz="1600" kern="1200" baseline="0">
           <a:solidFill>
             <a:schemeClr val="tx1"/>
           </a:solidFill>
@@ -2906,13 +5565,15 @@
           <a:cs typeface="+mn-cs"/>
         </a:defRPr>
       </a:lvl7pPr>
-      <a:lvl8pPr marL="3429000" indent="-228600" algn="l" defTabSz="914400" rtl="0" eaLnBrk="1" latinLnBrk="0" hangingPunct="1">
+      <a:lvl8pPr marL="2194560" indent="-182880" algn="l" rtl="0" eaLnBrk="1" latinLnBrk="0" hangingPunct="1">
         <a:spcBef>
           <a:spcPct val="20000"/>
         </a:spcBef>
-        <a:buFont typeface="Arial" pitchFamily="34" charset="0"/>
+        <a:buClr>
+          <a:schemeClr val="tx2"/>
+        </a:buClr>
         <a:buChar char="•"/>
-        <a:defRPr sz="2000" kern="1200">
+        <a:defRPr kumimoji="0" sz="1600" kern="1200">
           <a:solidFill>
             <a:schemeClr val="tx1"/>
           </a:solidFill>
@@ -2921,13 +5582,16 @@
           <a:cs typeface="+mn-cs"/>
         </a:defRPr>
       </a:lvl8pPr>
-      <a:lvl9pPr marL="3886200" indent="-228600" algn="l" defTabSz="914400" rtl="0" eaLnBrk="1" latinLnBrk="0" hangingPunct="1">
+      <a:lvl9pPr marL="2468880" indent="-182880" algn="l" rtl="0" eaLnBrk="1" latinLnBrk="0" hangingPunct="1">
         <a:spcBef>
           <a:spcPct val="20000"/>
         </a:spcBef>
-        <a:buFont typeface="Arial" pitchFamily="34" charset="0"/>
+        <a:buClr>
+          <a:schemeClr val="tx2"/>
+        </a:buClr>
+        <a:buFontTx/>
         <a:buChar char="•"/>
-        <a:defRPr sz="2000" kern="1200">
+        <a:defRPr kumimoji="0" sz="1400" kern="1200" baseline="0">
           <a:solidFill>
             <a:schemeClr val="tx1"/>
           </a:solidFill>
@@ -2938,11 +5602,8 @@
       </a:lvl9pPr>
     </p:bodyStyle>
     <p:otherStyle>
-      <a:defPPr>
-        <a:defRPr lang="da-DK"/>
-      </a:defPPr>
-      <a:lvl1pPr marL="0" algn="l" defTabSz="914400" rtl="0" eaLnBrk="1" latinLnBrk="0" hangingPunct="1">
-        <a:defRPr sz="1800" kern="1200">
+      <a:lvl1pPr marL="0" algn="l" rtl="0" eaLnBrk="1" latinLnBrk="0" hangingPunct="1">
+        <a:defRPr kumimoji="0" kern="1200">
           <a:solidFill>
             <a:schemeClr val="tx1"/>
           </a:solidFill>
@@ -2951,8 +5612,8 @@
           <a:cs typeface="+mn-cs"/>
         </a:defRPr>
       </a:lvl1pPr>
-      <a:lvl2pPr marL="457200" algn="l" defTabSz="914400" rtl="0" eaLnBrk="1" latinLnBrk="0" hangingPunct="1">
-        <a:defRPr sz="1800" kern="1200">
+      <a:lvl2pPr marL="457200" algn="l" rtl="0" eaLnBrk="1" latinLnBrk="0" hangingPunct="1">
+        <a:defRPr kumimoji="0" kern="1200">
           <a:solidFill>
             <a:schemeClr val="tx1"/>
           </a:solidFill>
@@ -2961,8 +5622,8 @@
           <a:cs typeface="+mn-cs"/>
         </a:defRPr>
       </a:lvl2pPr>
-      <a:lvl3pPr marL="914400" algn="l" defTabSz="914400" rtl="0" eaLnBrk="1" latinLnBrk="0" hangingPunct="1">
-        <a:defRPr sz="1800" kern="1200">
+      <a:lvl3pPr marL="914400" algn="l" rtl="0" eaLnBrk="1" latinLnBrk="0" hangingPunct="1">
+        <a:defRPr kumimoji="0" kern="1200">
           <a:solidFill>
             <a:schemeClr val="tx1"/>
           </a:solidFill>
@@ -2971,8 +5632,8 @@
           <a:cs typeface="+mn-cs"/>
         </a:defRPr>
       </a:lvl3pPr>
-      <a:lvl4pPr marL="1371600" algn="l" defTabSz="914400" rtl="0" eaLnBrk="1" latinLnBrk="0" hangingPunct="1">
-        <a:defRPr sz="1800" kern="1200">
+      <a:lvl4pPr marL="1371600" algn="l" rtl="0" eaLnBrk="1" latinLnBrk="0" hangingPunct="1">
+        <a:defRPr kumimoji="0" kern="1200">
           <a:solidFill>
             <a:schemeClr val="tx1"/>
           </a:solidFill>
@@ -2981,8 +5642,8 @@
           <a:cs typeface="+mn-cs"/>
         </a:defRPr>
       </a:lvl4pPr>
-      <a:lvl5pPr marL="1828800" algn="l" defTabSz="914400" rtl="0" eaLnBrk="1" latinLnBrk="0" hangingPunct="1">
-        <a:defRPr sz="1800" kern="1200">
+      <a:lvl5pPr marL="1828800" algn="l" rtl="0" eaLnBrk="1" latinLnBrk="0" hangingPunct="1">
+        <a:defRPr kumimoji="0" kern="1200">
           <a:solidFill>
             <a:schemeClr val="tx1"/>
           </a:solidFill>
@@ -2991,8 +5652,8 @@
           <a:cs typeface="+mn-cs"/>
         </a:defRPr>
       </a:lvl5pPr>
-      <a:lvl6pPr marL="2286000" algn="l" defTabSz="914400" rtl="0" eaLnBrk="1" latinLnBrk="0" hangingPunct="1">
-        <a:defRPr sz="1800" kern="1200">
+      <a:lvl6pPr marL="2286000" algn="l" rtl="0" eaLnBrk="1" latinLnBrk="0" hangingPunct="1">
+        <a:defRPr kumimoji="0" kern="1200">
           <a:solidFill>
             <a:schemeClr val="tx1"/>
           </a:solidFill>
@@ -3001,8 +5662,8 @@
           <a:cs typeface="+mn-cs"/>
         </a:defRPr>
       </a:lvl6pPr>
-      <a:lvl7pPr marL="2743200" algn="l" defTabSz="914400" rtl="0" eaLnBrk="1" latinLnBrk="0" hangingPunct="1">
-        <a:defRPr sz="1800" kern="1200">
+      <a:lvl7pPr marL="2743200" algn="l" rtl="0" eaLnBrk="1" latinLnBrk="0" hangingPunct="1">
+        <a:defRPr kumimoji="0" kern="1200">
           <a:solidFill>
             <a:schemeClr val="tx1"/>
           </a:solidFill>
@@ -3011,8 +5672,8 @@
           <a:cs typeface="+mn-cs"/>
         </a:defRPr>
       </a:lvl7pPr>
-      <a:lvl8pPr marL="3200400" algn="l" defTabSz="914400" rtl="0" eaLnBrk="1" latinLnBrk="0" hangingPunct="1">
-        <a:defRPr sz="1800" kern="1200">
+      <a:lvl8pPr marL="3200400" algn="l" rtl="0" eaLnBrk="1" latinLnBrk="0" hangingPunct="1">
+        <a:defRPr kumimoji="0" kern="1200">
           <a:solidFill>
             <a:schemeClr val="tx1"/>
           </a:solidFill>
@@ -3021,8 +5682,8 @@
           <a:cs typeface="+mn-cs"/>
         </a:defRPr>
       </a:lvl8pPr>
-      <a:lvl9pPr marL="3657600" algn="l" defTabSz="914400" rtl="0" eaLnBrk="1" latinLnBrk="0" hangingPunct="1">
-        <a:defRPr sz="1800" kern="1200">
+      <a:lvl9pPr marL="3657600" algn="l" rtl="0" eaLnBrk="1" latinLnBrk="0" hangingPunct="1">
+        <a:defRPr kumimoji="0" kern="1200">
           <a:solidFill>
             <a:schemeClr val="tx1"/>
           </a:solidFill>
@@ -3099,7 +5760,7 @@
         </p:spPr>
         <p:txBody>
           <a:bodyPr>
-            <a:normAutofit fontScale="92500" lnSpcReduction="10000"/>
+            <a:normAutofit/>
           </a:bodyPr>
           <a:lstStyle/>
           <a:p>
@@ -3146,7 +5807,6 @@
               <a:rPr lang="da-DK" dirty="0" smtClean="0"/>
               <a:t>Dag T. B. Pedersen</a:t>
             </a:r>
-            <a:endParaRPr lang="da-DK" dirty="0" smtClean="0"/>
           </a:p>
           <a:p>
             <a:r>
@@ -3180,7 +5840,7 @@
         </p:blipFill>
         <p:spPr bwMode="auto">
           <a:xfrm>
-            <a:off x="5004048" y="2132855"/>
+            <a:off x="5436096" y="2159793"/>
             <a:ext cx="3024336" cy="4229841"/>
           </a:xfrm>
           <a:prstGeom prst="rect">
@@ -3354,22 +6014,21 @@
           </p:nvPr>
         </p:nvPicPr>
         <p:blipFill>
-          <a:blip r:embed="rId2" cstate="print">
+          <a:blip r:embed="rId3" cstate="print">
             <a:extLst>
               <a:ext uri="{28A0092B-C50C-407E-A947-70E740481C1C}">
-                <a14:useLocalDpi xmlns:a14="http://schemas.microsoft.com/office/drawing/2010/main" xmlns="" val="0"/>
+                <a14:useLocalDpi xmlns:a14="http://schemas.microsoft.com/office/drawing/2010/main" val="0"/>
               </a:ext>
             </a:extLst>
           </a:blip>
-          <a:srcRect/>
           <a:stretch>
             <a:fillRect/>
           </a:stretch>
         </p:blipFill>
         <p:spPr bwMode="auto">
           <a:xfrm>
-            <a:off x="2330450" y="1627981"/>
-            <a:ext cx="4483100" cy="4470400"/>
+            <a:off x="2371047" y="1935163"/>
+            <a:ext cx="4401906" cy="4389437"/>
           </a:xfrm>
           <a:prstGeom prst="rect">
             <a:avLst/>
@@ -3381,7 +6040,7 @@
           <a:effectLst/>
           <a:extLst>
             <a:ext uri="{909E8E84-426E-40DD-AFC4-6F175D3DCCD1}">
-              <a14:hiddenFill xmlns:a14="http://schemas.microsoft.com/office/drawing/2010/main" xmlns="">
+              <a14:hiddenFill xmlns:a14="http://schemas.microsoft.com/office/drawing/2010/main">
                 <a:blipFill dpi="0" rotWithShape="0">
                   <a:blip/>
                   <a:srcRect/>
@@ -3392,7 +6051,7 @@
               </a14:hiddenFill>
             </a:ext>
             <a:ext uri="{91240B29-F687-4F45-9708-019B960494DF}">
-              <a14:hiddenLine xmlns:a14="http://schemas.microsoft.com/office/drawing/2010/main" xmlns="" w="9525">
+              <a14:hiddenLine xmlns:a14="http://schemas.microsoft.com/office/drawing/2010/main" w="9525">
                 <a:solidFill>
                   <a:srgbClr val="000000"/>
                 </a:solidFill>
@@ -3402,7 +6061,7 @@
               </a14:hiddenLine>
             </a:ext>
             <a:ext uri="{AF507438-7753-43E0-B8FC-AC1667EBCBE1}">
-              <a14:hiddenEffects xmlns:a14="http://schemas.microsoft.com/office/drawing/2010/main" xmlns="">
+              <a14:hiddenEffects xmlns:a14="http://schemas.microsoft.com/office/drawing/2010/main">
                 <a:effectLst>
                   <a:outerShdw dist="35921" dir="2700000" algn="ctr" rotWithShape="0">
                     <a:srgbClr val="808080"/>
@@ -3483,11 +6142,7 @@
           <a:p>
             <a:r>
               <a:rPr lang="en-US" dirty="0" smtClean="0"/>
-              <a:t>The packing </a:t>
-            </a:r>
-            <a:r>
-              <a:rPr lang="en-US" dirty="0" smtClean="0"/>
-              <a:t>algorithm</a:t>
+              <a:t>The packing algorithm</a:t>
             </a:r>
           </a:p>
           <a:p>
@@ -4400,7 +7055,7 @@
           <p:nvPr/>
         </p:nvPicPr>
         <p:blipFill>
-          <a:blip r:embed="rId2" cstate="print"/>
+          <a:blip r:embed="rId3" cstate="print"/>
           <a:srcRect l="12366" t="27360" r="16794" b="45078"/>
           <a:stretch>
             <a:fillRect/>
@@ -4545,7 +7200,6 @@
               <a:rPr lang="en-US" dirty="0" smtClean="0"/>
               <a:t>olutions</a:t>
             </a:r>
-            <a:endParaRPr lang="en-US" dirty="0" smtClean="0"/>
           </a:p>
           <a:p>
             <a:pPr lvl="1"/>
@@ -4757,7 +7411,7 @@
           <p:nvPr/>
         </p:nvPicPr>
         <p:blipFill>
-          <a:blip r:embed="rId2" cstate="print"/>
+          <a:blip r:embed="rId3" cstate="print"/>
           <a:srcRect/>
           <a:stretch>
             <a:fillRect/>
@@ -4864,7 +7518,6 @@
               <a:rPr lang="en-US" dirty="0" smtClean="0"/>
               <a:t>Knapsack Problem</a:t>
             </a:r>
-            <a:endParaRPr lang="en-US" dirty="0" smtClean="0"/>
           </a:p>
           <a:p>
             <a:endParaRPr lang="en-US" dirty="0"/>
@@ -4880,7 +7533,7 @@
           <p:nvPr/>
         </p:nvPicPr>
         <p:blipFill>
-          <a:blip r:embed="rId2" cstate="print"/>
+          <a:blip r:embed="rId3" cstate="print"/>
           <a:srcRect/>
           <a:stretch>
             <a:fillRect/>
@@ -4888,7 +7541,7 @@
         </p:blipFill>
         <p:spPr bwMode="auto">
           <a:xfrm>
-            <a:off x="5004048" y="1772816"/>
+            <a:off x="5220072" y="1916832"/>
             <a:ext cx="3473735" cy="1008112"/>
           </a:xfrm>
           <a:prstGeom prst="rect">
@@ -4912,7 +7565,7 @@
           <p:nvPr/>
         </p:nvPicPr>
         <p:blipFill>
-          <a:blip r:embed="rId3" cstate="print"/>
+          <a:blip r:embed="rId4" cstate="print"/>
           <a:srcRect/>
           <a:stretch>
             <a:fillRect/>
@@ -4920,7 +7573,7 @@
         </p:blipFill>
         <p:spPr bwMode="auto">
           <a:xfrm>
-            <a:off x="5004048" y="2996952"/>
+            <a:off x="5220071" y="3356992"/>
             <a:ext cx="3473735" cy="1008112"/>
           </a:xfrm>
           <a:prstGeom prst="rect">
@@ -4981,12 +7634,12 @@
           <a:lstStyle/>
           <a:p>
             <a:r>
-              <a:rPr lang="en-US" dirty="0" err="1"/>
-              <a:t>Specication</a:t>
+              <a:rPr lang="en-US" dirty="0" smtClean="0"/>
+              <a:t>Specification </a:t>
             </a:r>
             <a:r>
               <a:rPr lang="en-US" dirty="0"/>
-              <a:t> Requirements</a:t>
+              <a:t>Requirements</a:t>
             </a:r>
           </a:p>
         </p:txBody>
@@ -5125,6 +7778,301 @@
 </file>
 
 <file path=ppt/theme/theme1.xml><?xml version="1.0" encoding="utf-8"?>
+<a:theme xmlns:a="http://schemas.openxmlformats.org/drawingml/2006/main" name="Forløb">
+  <a:themeElements>
+    <a:clrScheme name="Forløb">
+      <a:dk1>
+        <a:sysClr val="windowText" lastClr="000000"/>
+      </a:dk1>
+      <a:lt1>
+        <a:sysClr val="window" lastClr="FFFFFF"/>
+      </a:lt1>
+      <a:dk2>
+        <a:srgbClr val="04617B"/>
+      </a:dk2>
+      <a:lt2>
+        <a:srgbClr val="DBF5F9"/>
+      </a:lt2>
+      <a:accent1>
+        <a:srgbClr val="0F6FC6"/>
+      </a:accent1>
+      <a:accent2>
+        <a:srgbClr val="009DD9"/>
+      </a:accent2>
+      <a:accent3>
+        <a:srgbClr val="0BD0D9"/>
+      </a:accent3>
+      <a:accent4>
+        <a:srgbClr val="10CF9B"/>
+      </a:accent4>
+      <a:accent5>
+        <a:srgbClr val="7CCA62"/>
+      </a:accent5>
+      <a:accent6>
+        <a:srgbClr val="A5C249"/>
+      </a:accent6>
+      <a:hlink>
+        <a:srgbClr val="F49100"/>
+      </a:hlink>
+      <a:folHlink>
+        <a:srgbClr val="85DFD0"/>
+      </a:folHlink>
+    </a:clrScheme>
+    <a:fontScheme name="Forløb">
+      <a:majorFont>
+        <a:latin typeface="Calibri"/>
+        <a:ea typeface=""/>
+        <a:cs typeface=""/>
+        <a:font script="Jpan" typeface="ＭＳ Ｐゴシック"/>
+        <a:font script="Hang" typeface="HY중고딕"/>
+        <a:font script="Hans" typeface="隶书"/>
+        <a:font script="Hant" typeface="微軟正黑體"/>
+        <a:font script="Arab" typeface="Traditional Arabic"/>
+        <a:font script="Hebr" typeface="Arial"/>
+        <a:font script="Thai" typeface="Cordia New"/>
+        <a:font script="Ethi" typeface="Nyala"/>
+        <a:font script="Beng" typeface="Vrinda"/>
+        <a:font script="Gujr" typeface="Shruti"/>
+        <a:font script="Khmr" typeface="DaunPenh"/>
+        <a:font script="Knda" typeface="Tunga"/>
+        <a:font script="Guru" typeface="Raavi"/>
+        <a:font script="Cans" typeface="Euphemia"/>
+        <a:font script="Cher" typeface="Plantagenet Cherokee"/>
+        <a:font script="Yiii" typeface="Microsoft Yi Baiti"/>
+        <a:font script="Tibt" typeface="Microsoft Himalaya"/>
+        <a:font script="Thaa" typeface="MV Boli"/>
+        <a:font script="Deva" typeface="Mangal"/>
+        <a:font script="Telu" typeface="Gautami"/>
+        <a:font script="Taml" typeface="Latha"/>
+        <a:font script="Syrc" typeface="Estrangelo Edessa"/>
+        <a:font script="Orya" typeface="Kalinga"/>
+        <a:font script="Mlym" typeface="Kartika"/>
+        <a:font script="Laoo" typeface="DokChampa"/>
+        <a:font script="Sinh" typeface="Iskoola Pota"/>
+        <a:font script="Mong" typeface="Mongolian Baiti"/>
+        <a:font script="Viet" typeface="Arial"/>
+        <a:font script="Uigh" typeface="Microsoft Uighur"/>
+      </a:majorFont>
+      <a:minorFont>
+        <a:latin typeface="Constantia"/>
+        <a:ea typeface=""/>
+        <a:cs typeface=""/>
+        <a:font script="Jpan" typeface="HGP明朝E"/>
+        <a:font script="Hang" typeface="HY신명조"/>
+        <a:font script="Hans" typeface="宋体"/>
+        <a:font script="Hant" typeface="新細明體"/>
+        <a:font script="Arab" typeface="Majalla UI"/>
+        <a:font script="Hebr" typeface="David"/>
+        <a:font script="Thai" typeface="Browallia New"/>
+        <a:font script="Ethi" typeface="Nyala"/>
+        <a:font script="Beng" typeface="Vrinda"/>
+        <a:font script="Gujr" typeface="Shruti"/>
+        <a:font script="Khmr" typeface="MoolBoran"/>
+        <a:font script="Knda" typeface="Tunga"/>
+        <a:font script="Guru" typeface="Raavi"/>
+        <a:font script="Cans" typeface="Euphemia"/>
+        <a:font script="Cher" typeface="Plantagenet Cherokee"/>
+        <a:font script="Yiii" typeface="Microsoft Yi Baiti"/>
+        <a:font script="Tibt" typeface="Microsoft Himalaya"/>
+        <a:font script="Thaa" typeface="MV Boli"/>
+        <a:font script="Deva" typeface="Mangal"/>
+        <a:font script="Telu" typeface="Gautami"/>
+        <a:font script="Taml" typeface="Latha"/>
+        <a:font script="Syrc" typeface="Estrangelo Edessa"/>
+        <a:font script="Orya" typeface="Kalinga"/>
+        <a:font script="Mlym" typeface="Kartika"/>
+        <a:font script="Laoo" typeface="DokChampa"/>
+        <a:font script="Sinh" typeface="Iskoola Pota"/>
+        <a:font script="Mong" typeface="Mongolian Baiti"/>
+        <a:font script="Viet" typeface="Times New Roman"/>
+        <a:font script="Uigh" typeface="Microsoft Uighur"/>
+      </a:minorFont>
+    </a:fontScheme>
+    <a:fmtScheme name="Forløb">
+      <a:fillStyleLst>
+        <a:solidFill>
+          <a:schemeClr val="phClr"/>
+        </a:solidFill>
+        <a:gradFill rotWithShape="1">
+          <a:gsLst>
+            <a:gs pos="0">
+              <a:schemeClr val="phClr">
+                <a:tint val="70000"/>
+                <a:satMod val="130000"/>
+              </a:schemeClr>
+            </a:gs>
+            <a:gs pos="43000">
+              <a:schemeClr val="phClr">
+                <a:tint val="44000"/>
+                <a:satMod val="165000"/>
+              </a:schemeClr>
+            </a:gs>
+            <a:gs pos="93000">
+              <a:schemeClr val="phClr">
+                <a:tint val="15000"/>
+                <a:satMod val="165000"/>
+              </a:schemeClr>
+            </a:gs>
+            <a:gs pos="100000">
+              <a:schemeClr val="phClr">
+                <a:tint val="5000"/>
+                <a:satMod val="250000"/>
+              </a:schemeClr>
+            </a:gs>
+          </a:gsLst>
+          <a:path path="circle">
+            <a:fillToRect l="50000" t="130000" r="50000" b="-30000"/>
+          </a:path>
+        </a:gradFill>
+        <a:gradFill rotWithShape="1">
+          <a:gsLst>
+            <a:gs pos="0">
+              <a:schemeClr val="phClr">
+                <a:tint val="98000"/>
+                <a:shade val="25000"/>
+                <a:satMod val="250000"/>
+              </a:schemeClr>
+            </a:gs>
+            <a:gs pos="68000">
+              <a:schemeClr val="phClr">
+                <a:tint val="86000"/>
+                <a:satMod val="115000"/>
+              </a:schemeClr>
+            </a:gs>
+            <a:gs pos="100000">
+              <a:schemeClr val="phClr">
+                <a:tint val="50000"/>
+                <a:satMod val="150000"/>
+              </a:schemeClr>
+            </a:gs>
+          </a:gsLst>
+          <a:path path="circle">
+            <a:fillToRect l="50000" t="130000" r="50000" b="-30000"/>
+          </a:path>
+        </a:gradFill>
+      </a:fillStyleLst>
+      <a:lnStyleLst>
+        <a:ln w="9525" cap="flat" cmpd="sng" algn="ctr">
+          <a:solidFill>
+            <a:schemeClr val="phClr">
+              <a:shade val="50000"/>
+              <a:satMod val="103000"/>
+            </a:schemeClr>
+          </a:solidFill>
+          <a:prstDash val="solid"/>
+        </a:ln>
+        <a:ln w="25400" cap="flat" cmpd="sng" algn="ctr">
+          <a:solidFill>
+            <a:schemeClr val="phClr"/>
+          </a:solidFill>
+          <a:prstDash val="solid"/>
+        </a:ln>
+        <a:ln w="38100" cap="flat" cmpd="sng" algn="ctr">
+          <a:solidFill>
+            <a:schemeClr val="phClr"/>
+          </a:solidFill>
+          <a:prstDash val="solid"/>
+        </a:ln>
+      </a:lnStyleLst>
+      <a:effectStyleLst>
+        <a:effectStyle>
+          <a:effectLst>
+            <a:outerShdw blurRad="57150" dist="38100" dir="5400000" algn="ctr" rotWithShape="0">
+              <a:schemeClr val="phClr">
+                <a:shade val="9000"/>
+                <a:alpha val="48000"/>
+                <a:satMod val="105000"/>
+              </a:schemeClr>
+            </a:outerShdw>
+          </a:effectLst>
+        </a:effectStyle>
+        <a:effectStyle>
+          <a:effectLst>
+            <a:outerShdw blurRad="57150" dist="38100" dir="5400000" algn="ctr" rotWithShape="0">
+              <a:schemeClr val="phClr">
+                <a:shade val="9000"/>
+                <a:alpha val="48000"/>
+                <a:satMod val="105000"/>
+              </a:schemeClr>
+            </a:outerShdw>
+          </a:effectLst>
+        </a:effectStyle>
+        <a:effectStyle>
+          <a:effectLst>
+            <a:outerShdw blurRad="57150" dist="38100" dir="5400000" algn="ctr" rotWithShape="0">
+              <a:schemeClr val="phClr">
+                <a:shade val="9000"/>
+                <a:alpha val="48000"/>
+                <a:satMod val="105000"/>
+              </a:schemeClr>
+            </a:outerShdw>
+          </a:effectLst>
+          <a:scene3d>
+            <a:camera prst="orthographicFront">
+              <a:rot lat="0" lon="0" rev="0"/>
+            </a:camera>
+            <a:lightRig rig="glow" dir="tl">
+              <a:rot lat="0" lon="0" rev="900000"/>
+            </a:lightRig>
+          </a:scene3d>
+          <a:sp3d prstMaterial="powder">
+            <a:bevelT w="25400" h="38100"/>
+          </a:sp3d>
+        </a:effectStyle>
+      </a:effectStyleLst>
+      <a:bgFillStyleLst>
+        <a:solidFill>
+          <a:schemeClr val="phClr"/>
+        </a:solidFill>
+        <a:gradFill rotWithShape="1">
+          <a:gsLst>
+            <a:gs pos="0">
+              <a:schemeClr val="phClr">
+                <a:tint val="80000"/>
+                <a:satMod val="400000"/>
+              </a:schemeClr>
+            </a:gs>
+            <a:gs pos="25000">
+              <a:schemeClr val="phClr">
+                <a:tint val="83000"/>
+                <a:satMod val="320000"/>
+              </a:schemeClr>
+            </a:gs>
+            <a:gs pos="100000">
+              <a:schemeClr val="phClr">
+                <a:shade val="15000"/>
+                <a:satMod val="320000"/>
+              </a:schemeClr>
+            </a:gs>
+          </a:gsLst>
+          <a:path path="circle">
+            <a:fillToRect l="10000" t="110000" r="10000" b="100000"/>
+          </a:path>
+        </a:gradFill>
+        <a:blipFill>
+          <a:blip xmlns:r="http://schemas.openxmlformats.org/officeDocument/2006/relationships" r:embed="rId1">
+            <a:duotone>
+              <a:schemeClr val="phClr">
+                <a:shade val="90000"/>
+                <a:satMod val="150000"/>
+              </a:schemeClr>
+              <a:schemeClr val="phClr">
+                <a:tint val="88000"/>
+                <a:satMod val="150000"/>
+              </a:schemeClr>
+            </a:duotone>
+          </a:blip>
+          <a:tile tx="0" ty="0" sx="65000" sy="65000" flip="none" algn="tl"/>
+        </a:blipFill>
+      </a:bgFillStyleLst>
+    </a:fmtScheme>
+  </a:themeElements>
+  <a:objectDefaults/>
+  <a:extraClrSchemeLst/>
+</a:theme>
+</file>
+
+<file path=ppt/theme/theme2.xml><?xml version="1.0" encoding="utf-8"?>
 <a:theme xmlns:a="http://schemas.openxmlformats.org/drawingml/2006/main" name="Kontortema">
   <a:themeElements>
     <a:clrScheme name="Kontor">
@@ -5199,6 +8147,7 @@
         <a:font script="Mong" typeface="Mongolian Baiti"/>
         <a:font script="Viet" typeface="Times New Roman"/>
         <a:font script="Uigh" typeface="Microsoft Uighur"/>
+        <a:font script="Geor" typeface="Sylfaen"/>
       </a:majorFont>
       <a:minorFont>
         <a:latin typeface="Calibri"/>
@@ -5233,6 +8182,7 @@
         <a:font script="Mong" typeface="Mongolian Baiti"/>
         <a:font script="Viet" typeface="Arial"/>
         <a:font script="Uigh" typeface="Microsoft Uighur"/>
+        <a:font script="Geor" typeface="Sylfaen"/>
       </a:minorFont>
     </a:fontScheme>
     <a:fmtScheme name="Kontor">

--- a/trunk/P2 project Bag Packer Program.pptx
+++ b/trunk/P2 project Bag Packer Program.pptx
@@ -384,7 +384,7 @@
     </p:spTree>
     <p:extLst>
       <p:ext uri="{BB962C8B-B14F-4D97-AF65-F5344CB8AC3E}">
-        <p14:creationId xmlns:p14="http://schemas.microsoft.com/office/powerpoint/2010/main" xmlns="" val="3610009227"/>
+        <p14:creationId xmlns:p14="http://schemas.microsoft.com/office/powerpoint/2010/main" val="3610009227"/>
       </p:ext>
     </p:extLst>
   </p:cSld>
@@ -563,7 +563,7 @@
     </p:spTree>
     <p:extLst>
       <p:ext uri="{BB962C8B-B14F-4D97-AF65-F5344CB8AC3E}">
-        <p14:creationId xmlns:p14="http://schemas.microsoft.com/office/powerpoint/2010/main" xmlns="" val="3203358604"/>
+        <p14:creationId xmlns:p14="http://schemas.microsoft.com/office/powerpoint/2010/main" val="3203358604"/>
       </p:ext>
     </p:extLst>
   </p:cSld>
@@ -652,7 +652,7 @@
     </p:spTree>
     <p:extLst>
       <p:ext uri="{BB962C8B-B14F-4D97-AF65-F5344CB8AC3E}">
-        <p14:creationId xmlns:p14="http://schemas.microsoft.com/office/powerpoint/2010/main" xmlns="" val="2120419686"/>
+        <p14:creationId xmlns:p14="http://schemas.microsoft.com/office/powerpoint/2010/main" val="2120419686"/>
       </p:ext>
     </p:extLst>
   </p:cSld>
@@ -741,7 +741,7 @@
     </p:spTree>
     <p:extLst>
       <p:ext uri="{BB962C8B-B14F-4D97-AF65-F5344CB8AC3E}">
-        <p14:creationId xmlns:p14="http://schemas.microsoft.com/office/powerpoint/2010/main" xmlns="" val="2391717303"/>
+        <p14:creationId xmlns:p14="http://schemas.microsoft.com/office/powerpoint/2010/main" val="2391717303"/>
       </p:ext>
     </p:extLst>
   </p:cSld>
@@ -860,7 +860,7 @@
     </p:spTree>
     <p:extLst>
       <p:ext uri="{BB962C8B-B14F-4D97-AF65-F5344CB8AC3E}">
-        <p14:creationId xmlns:p14="http://schemas.microsoft.com/office/powerpoint/2010/main" xmlns="" val="1202035010"/>
+        <p14:creationId xmlns:p14="http://schemas.microsoft.com/office/powerpoint/2010/main" val="1202035010"/>
       </p:ext>
     </p:extLst>
   </p:cSld>
@@ -949,7 +949,7 @@
     </p:spTree>
     <p:extLst>
       <p:ext uri="{BB962C8B-B14F-4D97-AF65-F5344CB8AC3E}">
-        <p14:creationId xmlns:p14="http://schemas.microsoft.com/office/powerpoint/2010/main" xmlns="" val="2268034699"/>
+        <p14:creationId xmlns:p14="http://schemas.microsoft.com/office/powerpoint/2010/main" val="2268034699"/>
       </p:ext>
     </p:extLst>
   </p:cSld>
@@ -1038,7 +1038,7 @@
     </p:spTree>
     <p:extLst>
       <p:ext uri="{BB962C8B-B14F-4D97-AF65-F5344CB8AC3E}">
-        <p14:creationId xmlns:p14="http://schemas.microsoft.com/office/powerpoint/2010/main" xmlns="" val="3496680494"/>
+        <p14:creationId xmlns:p14="http://schemas.microsoft.com/office/powerpoint/2010/main" val="3496680494"/>
       </p:ext>
     </p:extLst>
   </p:cSld>
@@ -1127,7 +1127,7 @@
     </p:spTree>
     <p:extLst>
       <p:ext uri="{BB962C8B-B14F-4D97-AF65-F5344CB8AC3E}">
-        <p14:creationId xmlns:p14="http://schemas.microsoft.com/office/powerpoint/2010/main" xmlns="" val="2175970988"/>
+        <p14:creationId xmlns:p14="http://schemas.microsoft.com/office/powerpoint/2010/main" val="2175970988"/>
       </p:ext>
     </p:extLst>
   </p:cSld>
@@ -1216,7 +1216,7 @@
     </p:spTree>
     <p:extLst>
       <p:ext uri="{BB962C8B-B14F-4D97-AF65-F5344CB8AC3E}">
-        <p14:creationId xmlns:p14="http://schemas.microsoft.com/office/powerpoint/2010/main" xmlns="" val="416459678"/>
+        <p14:creationId xmlns:p14="http://schemas.microsoft.com/office/powerpoint/2010/main" val="416459678"/>
       </p:ext>
     </p:extLst>
   </p:cSld>
@@ -1305,7 +1305,7 @@
     </p:spTree>
     <p:extLst>
       <p:ext uri="{BB962C8B-B14F-4D97-AF65-F5344CB8AC3E}">
-        <p14:creationId xmlns:p14="http://schemas.microsoft.com/office/powerpoint/2010/main" xmlns="" val="104293987"/>
+        <p14:creationId xmlns:p14="http://schemas.microsoft.com/office/powerpoint/2010/main" val="104293987"/>
       </p:ext>
     </p:extLst>
   </p:cSld>
@@ -1394,7 +1394,7 @@
     </p:spTree>
     <p:extLst>
       <p:ext uri="{BB962C8B-B14F-4D97-AF65-F5344CB8AC3E}">
-        <p14:creationId xmlns:p14="http://schemas.microsoft.com/office/powerpoint/2010/main" xmlns="" val="3706435522"/>
+        <p14:creationId xmlns:p14="http://schemas.microsoft.com/office/powerpoint/2010/main" val="3706435522"/>
       </p:ext>
     </p:extLst>
   </p:cSld>
@@ -1483,7 +1483,7 @@
     </p:spTree>
     <p:extLst>
       <p:ext uri="{BB962C8B-B14F-4D97-AF65-F5344CB8AC3E}">
-        <p14:creationId xmlns:p14="http://schemas.microsoft.com/office/powerpoint/2010/main" xmlns="" val="2379702717"/>
+        <p14:creationId xmlns:p14="http://schemas.microsoft.com/office/powerpoint/2010/main" val="2379702717"/>
       </p:ext>
     </p:extLst>
   </p:cSld>
@@ -1568,7 +1568,7 @@
     </p:spTree>
     <p:extLst>
       <p:ext uri="{BB962C8B-B14F-4D97-AF65-F5344CB8AC3E}">
-        <p14:creationId xmlns:p14="http://schemas.microsoft.com/office/powerpoint/2010/main" xmlns="" val="2334307295"/>
+        <p14:creationId xmlns:p14="http://schemas.microsoft.com/office/powerpoint/2010/main" val="2334307295"/>
       </p:ext>
     </p:extLst>
   </p:cSld>
@@ -1657,7 +1657,7 @@
     </p:spTree>
     <p:extLst>
       <p:ext uri="{BB962C8B-B14F-4D97-AF65-F5344CB8AC3E}">
-        <p14:creationId xmlns:p14="http://schemas.microsoft.com/office/powerpoint/2010/main" xmlns="" val="383094199"/>
+        <p14:creationId xmlns:p14="http://schemas.microsoft.com/office/powerpoint/2010/main" val="383094199"/>
       </p:ext>
     </p:extLst>
   </p:cSld>
@@ -1746,7 +1746,7 @@
     </p:spTree>
     <p:extLst>
       <p:ext uri="{BB962C8B-B14F-4D97-AF65-F5344CB8AC3E}">
-        <p14:creationId xmlns:p14="http://schemas.microsoft.com/office/powerpoint/2010/main" xmlns="" val="3980070397"/>
+        <p14:creationId xmlns:p14="http://schemas.microsoft.com/office/powerpoint/2010/main" val="3980070397"/>
       </p:ext>
     </p:extLst>
   </p:cSld>
@@ -1835,7 +1835,7 @@
     </p:spTree>
     <p:extLst>
       <p:ext uri="{BB962C8B-B14F-4D97-AF65-F5344CB8AC3E}">
-        <p14:creationId xmlns:p14="http://schemas.microsoft.com/office/powerpoint/2010/main" xmlns="" val="1351295640"/>
+        <p14:creationId xmlns:p14="http://schemas.microsoft.com/office/powerpoint/2010/main" val="1351295640"/>
       </p:ext>
     </p:extLst>
   </p:cSld>
@@ -1924,7 +1924,7 @@
     </p:spTree>
     <p:extLst>
       <p:ext uri="{BB962C8B-B14F-4D97-AF65-F5344CB8AC3E}">
-        <p14:creationId xmlns:p14="http://schemas.microsoft.com/office/powerpoint/2010/main" xmlns="" val="2202312520"/>
+        <p14:creationId xmlns:p14="http://schemas.microsoft.com/office/powerpoint/2010/main" val="2202312520"/>
       </p:ext>
     </p:extLst>
   </p:cSld>
@@ -2013,7 +2013,7 @@
     </p:spTree>
     <p:extLst>
       <p:ext uri="{BB962C8B-B14F-4D97-AF65-F5344CB8AC3E}">
-        <p14:creationId xmlns:p14="http://schemas.microsoft.com/office/powerpoint/2010/main" xmlns="" val="3891162565"/>
+        <p14:creationId xmlns:p14="http://schemas.microsoft.com/office/powerpoint/2010/main" val="3891162565"/>
       </p:ext>
     </p:extLst>
   </p:cSld>
@@ -2102,7 +2102,7 @@
     </p:spTree>
     <p:extLst>
       <p:ext uri="{BB962C8B-B14F-4D97-AF65-F5344CB8AC3E}">
-        <p14:creationId xmlns:p14="http://schemas.microsoft.com/office/powerpoint/2010/main" xmlns="" val="646583340"/>
+        <p14:creationId xmlns:p14="http://schemas.microsoft.com/office/powerpoint/2010/main" val="646583340"/>
       </p:ext>
     </p:extLst>
   </p:cSld>
@@ -2881,7 +2881,7 @@
           <a:blip r:embed="rId2" cstate="print">
             <a:extLst>
               <a:ext uri="{BEBA8EAE-BF5A-486C-A8C5-ECC9F3942E4B}">
-                <a14:imgProps xmlns:a14="http://schemas.microsoft.com/office/drawing/2010/main" xmlns="">
+                <a14:imgProps xmlns:a14="http://schemas.microsoft.com/office/drawing/2010/main">
                   <a14:imgLayer r:embed="rId3">
                     <a14:imgEffect>
                       <a14:backgroundRemoval t="10000" b="90000" l="7308" r="90000">
@@ -2903,7 +2903,7 @@
                 </a14:imgProps>
               </a:ext>
               <a:ext uri="{28A0092B-C50C-407E-A947-70E740481C1C}">
-                <a14:useLocalDpi xmlns:a14="http://schemas.microsoft.com/office/drawing/2010/main" xmlns="" val="0"/>
+                <a14:useLocalDpi xmlns:a14="http://schemas.microsoft.com/office/drawing/2010/main" val="0"/>
               </a:ext>
             </a:extLst>
           </a:blip>
@@ -6034,7 +6034,7 @@
         </p:nvSpPr>
         <p:spPr>
           <a:xfrm>
-            <a:off x="539552" y="2060848"/>
+            <a:off x="539552" y="2069154"/>
             <a:ext cx="4392488" cy="4320480"/>
           </a:xfrm>
         </p:spPr>
@@ -6051,8 +6051,36 @@
           </a:p>
           <a:p>
             <a:r>
+              <a:rPr lang="da-DK" dirty="0"/>
+              <a:t>Mette T. Pedersen</a:t>
+            </a:r>
+          </a:p>
+          <a:p>
+            <a:r>
+              <a:rPr lang="da-DK" dirty="0"/>
+              <a:t>Aleksander S. Nilsson</a:t>
+            </a:r>
+          </a:p>
+          <a:p>
+            <a:r>
+              <a:rPr lang="da-DK" dirty="0"/>
+              <a:t>Niels B. Pedersen</a:t>
+            </a:r>
+          </a:p>
+          <a:p>
+            <a:r>
+              <a:rPr lang="da-DK" dirty="0"/>
+              <a:t>Kasper Plejdrup</a:t>
+            </a:r>
+          </a:p>
+          <a:p>
+            <a:r>
               <a:rPr lang="da-DK" dirty="0" smtClean="0"/>
-              <a:t>Christian J. </a:t>
+              <a:t>Christian </a:t>
+            </a:r>
+            <a:r>
+              <a:rPr lang="da-DK" dirty="0" smtClean="0"/>
+              <a:t>J. </a:t>
             </a:r>
             <a:r>
               <a:rPr lang="en-US" dirty="0" smtClean="0"/>
@@ -6068,33 +6096,17 @@
           <a:p>
             <a:r>
               <a:rPr lang="da-DK" dirty="0" smtClean="0"/>
-              <a:t>Aleksander S. Nilsson</a:t>
-            </a:r>
-          </a:p>
-          <a:p>
+              <a:t>Dag </a:t>
+            </a:r>
             <a:r>
               <a:rPr lang="da-DK" dirty="0" smtClean="0"/>
-              <a:t>Kasper Plejdrup</a:t>
-            </a:r>
-          </a:p>
-          <a:p>
+              <a:t>T. B. </a:t>
+            </a:r>
             <a:r>
               <a:rPr lang="da-DK" dirty="0" smtClean="0"/>
-              <a:t>Dag T. B. Pedersen</a:t>
-            </a:r>
-          </a:p>
-          <a:p>
-            <a:r>
-              <a:rPr lang="da-DK" dirty="0" smtClean="0"/>
-              <a:t>Mette T. Pedersen</a:t>
-            </a:r>
-          </a:p>
-          <a:p>
-            <a:r>
-              <a:rPr lang="da-DK" dirty="0" smtClean="0"/>
-              <a:t>Niels B. Pedersen</a:t>
-            </a:r>
-            <a:endParaRPr lang="da-DK" dirty="0"/>
+              <a:t>Pedersen</a:t>
+            </a:r>
+            <a:endParaRPr lang="da-DK" dirty="0" smtClean="0"/>
           </a:p>
         </p:txBody>
       </p:sp>
@@ -6541,7 +6553,7 @@
           <a:blip r:embed="rId3" cstate="print">
             <a:extLst>
               <a:ext uri="{28A0092B-C50C-407E-A947-70E740481C1C}">
-                <a14:useLocalDpi xmlns:a14="http://schemas.microsoft.com/office/drawing/2010/main" xmlns="" val="0"/>
+                <a14:useLocalDpi xmlns:a14="http://schemas.microsoft.com/office/drawing/2010/main" val="0"/>
               </a:ext>
             </a:extLst>
           </a:blip>
@@ -6564,7 +6576,7 @@
           <a:effectLst/>
           <a:extLst>
             <a:ext uri="{909E8E84-426E-40DD-AFC4-6F175D3DCCD1}">
-              <a14:hiddenFill xmlns:a14="http://schemas.microsoft.com/office/drawing/2010/main" xmlns="">
+              <a14:hiddenFill xmlns:a14="http://schemas.microsoft.com/office/drawing/2010/main">
                 <a:blipFill dpi="0" rotWithShape="0">
                   <a:blip/>
                   <a:srcRect/>
@@ -6575,7 +6587,7 @@
               </a14:hiddenFill>
             </a:ext>
             <a:ext uri="{91240B29-F687-4F45-9708-019B960494DF}">
-              <a14:hiddenLine xmlns:a14="http://schemas.microsoft.com/office/drawing/2010/main" xmlns="" w="9525">
+              <a14:hiddenLine xmlns:a14="http://schemas.microsoft.com/office/drawing/2010/main" w="9525">
                 <a:solidFill>
                   <a:srgbClr val="000000"/>
                 </a:solidFill>
@@ -6585,7 +6597,7 @@
               </a14:hiddenLine>
             </a:ext>
             <a:ext uri="{AF507438-7753-43E0-B8FC-AC1667EBCBE1}">
-              <a14:hiddenEffects xmlns:a14="http://schemas.microsoft.com/office/drawing/2010/main" xmlns="">
+              <a14:hiddenEffects xmlns:a14="http://schemas.microsoft.com/office/drawing/2010/main">
                 <a:effectLst>
                   <a:outerShdw dist="35921" dir="2700000" algn="ctr" rotWithShape="0">
                     <a:srgbClr val="808080"/>
@@ -6983,7 +6995,7 @@
           <a:blip r:embed="rId2" cstate="print">
             <a:extLst>
               <a:ext uri="{28A0092B-C50C-407E-A947-70E740481C1C}">
-                <a14:useLocalDpi xmlns:a14="http://schemas.microsoft.com/office/drawing/2010/main" xmlns="" val="0"/>
+                <a14:useLocalDpi xmlns:a14="http://schemas.microsoft.com/office/drawing/2010/main" val="0"/>
               </a:ext>
             </a:extLst>
           </a:blip>
@@ -7007,14 +7019,14 @@
           <a:effectLst/>
           <a:extLst>
             <a:ext uri="{909E8E84-426E-40DD-AFC4-6F175D3DCCD1}">
-              <a14:hiddenFill xmlns:a14="http://schemas.microsoft.com/office/drawing/2010/main" xmlns="">
+              <a14:hiddenFill xmlns:a14="http://schemas.microsoft.com/office/drawing/2010/main">
                 <a:solidFill>
                   <a:schemeClr val="accent1"/>
                 </a:solidFill>
               </a14:hiddenFill>
             </a:ext>
             <a:ext uri="{91240B29-F687-4F45-9708-019B960494DF}">
-              <a14:hiddenLine xmlns:a14="http://schemas.microsoft.com/office/drawing/2010/main" xmlns="" w="9525">
+              <a14:hiddenLine xmlns:a14="http://schemas.microsoft.com/office/drawing/2010/main" w="9525">
                 <a:solidFill>
                   <a:schemeClr val="tx1"/>
                 </a:solidFill>
@@ -7024,7 +7036,7 @@
               </a14:hiddenLine>
             </a:ext>
             <a:ext uri="{AF507438-7753-43E0-B8FC-AC1667EBCBE1}">
-              <a14:hiddenEffects xmlns:a14="http://schemas.microsoft.com/office/drawing/2010/main" xmlns="">
+              <a14:hiddenEffects xmlns:a14="http://schemas.microsoft.com/office/drawing/2010/main">
                 <a:effectLst>
                   <a:outerShdw dist="35921" dir="2700000" algn="ctr" rotWithShape="0">
                     <a:schemeClr val="bg2"/>
@@ -7062,7 +7074,7 @@
     </p:spTree>
     <p:extLst>
       <p:ext uri="{BB962C8B-B14F-4D97-AF65-F5344CB8AC3E}">
-        <p14:creationId xmlns:p14="http://schemas.microsoft.com/office/powerpoint/2010/main" xmlns="" val="1698155719"/>
+        <p14:creationId xmlns:p14="http://schemas.microsoft.com/office/powerpoint/2010/main" val="1698155719"/>
       </p:ext>
     </p:extLst>
   </p:cSld>
@@ -7150,7 +7162,7 @@
           <a:blip r:embed="rId2" cstate="print">
             <a:extLst>
               <a:ext uri="{28A0092B-C50C-407E-A947-70E740481C1C}">
-                <a14:useLocalDpi xmlns:a14="http://schemas.microsoft.com/office/drawing/2010/main" xmlns="" val="0"/>
+                <a14:useLocalDpi xmlns:a14="http://schemas.microsoft.com/office/drawing/2010/main" val="0"/>
               </a:ext>
             </a:extLst>
           </a:blip>
@@ -7174,14 +7186,14 @@
           <a:effectLst/>
           <a:extLst>
             <a:ext uri="{909E8E84-426E-40DD-AFC4-6F175D3DCCD1}">
-              <a14:hiddenFill xmlns:a14="http://schemas.microsoft.com/office/drawing/2010/main" xmlns="">
+              <a14:hiddenFill xmlns:a14="http://schemas.microsoft.com/office/drawing/2010/main">
                 <a:solidFill>
                   <a:schemeClr val="accent1"/>
                 </a:solidFill>
               </a14:hiddenFill>
             </a:ext>
             <a:ext uri="{91240B29-F687-4F45-9708-019B960494DF}">
-              <a14:hiddenLine xmlns:a14="http://schemas.microsoft.com/office/drawing/2010/main" xmlns="" w="9525">
+              <a14:hiddenLine xmlns:a14="http://schemas.microsoft.com/office/drawing/2010/main" w="9525">
                 <a:solidFill>
                   <a:schemeClr val="tx1"/>
                 </a:solidFill>
@@ -7191,7 +7203,7 @@
               </a14:hiddenLine>
             </a:ext>
             <a:ext uri="{AF507438-7753-43E0-B8FC-AC1667EBCBE1}">
-              <a14:hiddenEffects xmlns:a14="http://schemas.microsoft.com/office/drawing/2010/main" xmlns="">
+              <a14:hiddenEffects xmlns:a14="http://schemas.microsoft.com/office/drawing/2010/main">
                 <a:effectLst>
                   <a:outerShdw dist="35921" dir="2700000" algn="ctr" rotWithShape="0">
                     <a:schemeClr val="bg2"/>
@@ -7229,7 +7241,7 @@
     </p:spTree>
     <p:extLst>
       <p:ext uri="{BB962C8B-B14F-4D97-AF65-F5344CB8AC3E}">
-        <p14:creationId xmlns:p14="http://schemas.microsoft.com/office/powerpoint/2010/main" xmlns="" val="1314451315"/>
+        <p14:creationId xmlns:p14="http://schemas.microsoft.com/office/powerpoint/2010/main" val="1314451315"/>
       </p:ext>
     </p:extLst>
   </p:cSld>
@@ -7347,7 +7359,7 @@
     </p:spTree>
     <p:extLst>
       <p:ext uri="{BB962C8B-B14F-4D97-AF65-F5344CB8AC3E}">
-        <p14:creationId xmlns:p14="http://schemas.microsoft.com/office/powerpoint/2010/main" xmlns="" val="3375485778"/>
+        <p14:creationId xmlns:p14="http://schemas.microsoft.com/office/powerpoint/2010/main" val="3375485778"/>
       </p:ext>
     </p:extLst>
   </p:cSld>
@@ -8641,7 +8653,7 @@
           <a:blip r:embed="rId3" cstate="print">
             <a:extLst>
               <a:ext uri="{28A0092B-C50C-407E-A947-70E740481C1C}">
-                <a14:useLocalDpi xmlns:a14="http://schemas.microsoft.com/office/drawing/2010/main" xmlns="" val="0"/>
+                <a14:useLocalDpi xmlns:a14="http://schemas.microsoft.com/office/drawing/2010/main" val="0"/>
               </a:ext>
             </a:extLst>
           </a:blip>
@@ -8665,14 +8677,14 @@
           <a:effectLst/>
           <a:extLst>
             <a:ext uri="{909E8E84-426E-40DD-AFC4-6F175D3DCCD1}">
-              <a14:hiddenFill xmlns:a14="http://schemas.microsoft.com/office/drawing/2010/main" xmlns="">
+              <a14:hiddenFill xmlns:a14="http://schemas.microsoft.com/office/drawing/2010/main">
                 <a:solidFill>
                   <a:schemeClr val="accent1"/>
                 </a:solidFill>
               </a14:hiddenFill>
             </a:ext>
             <a:ext uri="{91240B29-F687-4F45-9708-019B960494DF}">
-              <a14:hiddenLine xmlns:a14="http://schemas.microsoft.com/office/drawing/2010/main" xmlns="" w="9525">
+              <a14:hiddenLine xmlns:a14="http://schemas.microsoft.com/office/drawing/2010/main" w="9525">
                 <a:solidFill>
                   <a:schemeClr val="tx1"/>
                 </a:solidFill>
@@ -8682,7 +8694,7 @@
               </a14:hiddenLine>
             </a:ext>
             <a:ext uri="{AF507438-7753-43E0-B8FC-AC1667EBCBE1}">
-              <a14:hiddenEffects xmlns:a14="http://schemas.microsoft.com/office/drawing/2010/main" xmlns="">
+              <a14:hiddenEffects xmlns:a14="http://schemas.microsoft.com/office/drawing/2010/main">
                 <a:effectLst>
                   <a:outerShdw dist="35921" dir="2700000" algn="ctr" rotWithShape="0">
                     <a:schemeClr val="bg2"/>
@@ -8696,7 +8708,7 @@
     </p:spTree>
     <p:extLst>
       <p:ext uri="{BB962C8B-B14F-4D97-AF65-F5344CB8AC3E}">
-        <p14:creationId xmlns:p14="http://schemas.microsoft.com/office/powerpoint/2010/main" xmlns="" val="3084238337"/>
+        <p14:creationId xmlns:p14="http://schemas.microsoft.com/office/powerpoint/2010/main" val="3084238337"/>
       </p:ext>
     </p:extLst>
   </p:cSld>
@@ -8777,7 +8789,6 @@
               <a:rPr lang="da-DK" dirty="0" smtClean="0"/>
               <a:t>:</a:t>
             </a:r>
-            <a:endParaRPr lang="da-DK" dirty="0" smtClean="0"/>
           </a:p>
           <a:p>
             <a:pPr lvl="1"/>
@@ -8819,19 +8830,7 @@
           <a:p>
             <a:r>
               <a:rPr lang="en-US" dirty="0" smtClean="0"/>
-              <a:t>The p</a:t>
-            </a:r>
-            <a:r>
-              <a:rPr lang="en-US" dirty="0" smtClean="0"/>
-              <a:t>urpose </a:t>
-            </a:r>
-            <a:r>
-              <a:rPr lang="en-US" dirty="0" smtClean="0"/>
-              <a:t>of looking at existing </a:t>
-            </a:r>
-            <a:r>
-              <a:rPr lang="en-US" dirty="0" smtClean="0"/>
-              <a:t>solutions</a:t>
+              <a:t>The purpose of looking at existing solutions</a:t>
             </a:r>
           </a:p>
           <a:p>
@@ -8840,7 +8839,6 @@
               <a:rPr lang="en-US" dirty="0" smtClean="0"/>
               <a:t>The products relation to each other</a:t>
             </a:r>
-            <a:endParaRPr lang="en-US" dirty="0" smtClean="0"/>
           </a:p>
           <a:p>
             <a:pPr lvl="1"/>

--- a/trunk/P2 project Bag Packer Program.pptx
+++ b/trunk/P2 project Bag Packer Program.pptx
@@ -6076,11 +6076,7 @@
           <a:p>
             <a:r>
               <a:rPr lang="da-DK" dirty="0" smtClean="0"/>
-              <a:t>Christian </a:t>
-            </a:r>
-            <a:r>
-              <a:rPr lang="da-DK" dirty="0" smtClean="0"/>
-              <a:t>J. </a:t>
+              <a:t>Christian J. </a:t>
             </a:r>
             <a:r>
               <a:rPr lang="en-US" dirty="0" smtClean="0"/>
@@ -6096,17 +6092,8 @@
           <a:p>
             <a:r>
               <a:rPr lang="da-DK" dirty="0" smtClean="0"/>
-              <a:t>Dag </a:t>
-            </a:r>
-            <a:r>
-              <a:rPr lang="da-DK" dirty="0" smtClean="0"/>
-              <a:t>T. B. </a:t>
-            </a:r>
-            <a:r>
-              <a:rPr lang="da-DK" dirty="0" smtClean="0"/>
-              <a:t>Pedersen</a:t>
-            </a:r>
-            <a:endParaRPr lang="da-DK" dirty="0" smtClean="0"/>
+              <a:t>Dag T. B. Pedersen</a:t>
+            </a:r>
           </a:p>
         </p:txBody>
       </p:sp>
@@ -8290,8 +8277,30 @@
           <a:p>
             <a:r>
               <a:rPr lang="en-US" dirty="0" smtClean="0"/>
-              <a:t>People can’t pack a suitcase properly</a:t>
-            </a:r>
+              <a:t>People can’t pack a suitcase </a:t>
+            </a:r>
+            <a:r>
+              <a:rPr lang="en-US" dirty="0" smtClean="0"/>
+              <a:t>properly</a:t>
+            </a:r>
+          </a:p>
+          <a:p>
+            <a:endParaRPr lang="en-US" dirty="0"/>
+          </a:p>
+          <a:p>
+            <a:r>
+              <a:rPr lang="en-US" dirty="0" smtClean="0"/>
+              <a:t>Forgets saving </a:t>
+            </a:r>
+            <a:r>
+              <a:rPr lang="en-US" dirty="0" smtClean="0"/>
+              <a:t>space for </a:t>
+            </a:r>
+            <a:r>
+              <a:rPr lang="en-US" dirty="0" err="1" smtClean="0"/>
+              <a:t>souveniers</a:t>
+            </a:r>
+            <a:endParaRPr lang="en-US" dirty="0" smtClean="0"/>
           </a:p>
           <a:p>
             <a:endParaRPr lang="en-US" dirty="0" smtClean="0"/>

--- a/trunk/P2 project Bag Packer Program.pptx
+++ b/trunk/P2 project Bag Packer Program.pptx
@@ -7485,6 +7485,13 @@
   <p:clrMapOvr>
     <a:masterClrMapping/>
   </p:clrMapOvr>
+  <p:timing>
+    <p:tnLst>
+      <p:par>
+        <p:cTn id="1" dur="indefinite" restart="never" nodeType="tmRoot"/>
+      </p:par>
+    </p:tnLst>
+  </p:timing>
 </p:sld>
 </file>
 
@@ -7594,6 +7601,13 @@
   <p:clrMapOvr>
     <a:masterClrMapping/>
   </p:clrMapOvr>
+  <p:timing>
+    <p:tnLst>
+      <p:par>
+        <p:cTn id="1" dur="indefinite" restart="never" nodeType="tmRoot"/>
+      </p:par>
+    </p:tnLst>
+  </p:timing>
 </p:sld>
 </file>
 
@@ -7874,6 +7888,13 @@
   <p:clrMapOvr>
     <a:masterClrMapping/>
   </p:clrMapOvr>
+  <p:timing>
+    <p:tnLst>
+      <p:par>
+        <p:cTn id="1" dur="indefinite" restart="never" nodeType="tmRoot"/>
+      </p:par>
+    </p:tnLst>
+  </p:timing>
 </p:sld>
 </file>
 
@@ -7975,6 +7996,13 @@
   <p:clrMapOvr>
     <a:masterClrMapping/>
   </p:clrMapOvr>
+  <p:timing>
+    <p:tnLst>
+      <p:par>
+        <p:cTn id="1" dur="indefinite" restart="never" nodeType="tmRoot"/>
+      </p:par>
+    </p:tnLst>
+  </p:timing>
 </p:sld>
 </file>
 
@@ -8066,6 +8094,13 @@
   <p:clrMapOvr>
     <a:masterClrMapping/>
   </p:clrMapOvr>
+  <p:timing>
+    <p:tnLst>
+      <p:par>
+        <p:cTn id="1" dur="indefinite" restart="never" nodeType="tmRoot"/>
+      </p:par>
+    </p:tnLst>
+  </p:timing>
 </p:sld>
 </file>
 
@@ -8217,6 +8252,13 @@
   <p:clrMapOvr>
     <a:masterClrMapping/>
   </p:clrMapOvr>
+  <p:timing>
+    <p:tnLst>
+      <p:par>
+        <p:cTn id="1" dur="indefinite" restart="never" nodeType="tmRoot"/>
+      </p:par>
+    </p:tnLst>
+  </p:timing>
 </p:sld>
 </file>
 
@@ -8277,24 +8319,16 @@
           <a:p>
             <a:r>
               <a:rPr lang="en-US" dirty="0" smtClean="0"/>
-              <a:t>People can’t pack a suitcase </a:t>
-            </a:r>
+              <a:t>People can’t pack a suitcase properly</a:t>
+            </a:r>
+          </a:p>
+          <a:p>
+            <a:endParaRPr lang="en-US" dirty="0"/>
+          </a:p>
+          <a:p>
             <a:r>
               <a:rPr lang="en-US" dirty="0" smtClean="0"/>
-              <a:t>properly</a:t>
-            </a:r>
-          </a:p>
-          <a:p>
-            <a:endParaRPr lang="en-US" dirty="0"/>
-          </a:p>
-          <a:p>
-            <a:r>
-              <a:rPr lang="en-US" dirty="0" smtClean="0"/>
-              <a:t>Forgets saving </a:t>
-            </a:r>
-            <a:r>
-              <a:rPr lang="en-US" dirty="0" smtClean="0"/>
-              <a:t>space for </a:t>
+              <a:t>Forgets saving space for </a:t>
             </a:r>
             <a:r>
               <a:rPr lang="en-US" dirty="0" err="1" smtClean="0"/>
@@ -8317,8 +8351,13 @@
           <a:p>
             <a:r>
               <a:rPr lang="en-US" dirty="0"/>
-              <a:t>Planes, train, cruise and car trips</a:t>
-            </a:r>
+              <a:t>Planes, </a:t>
+            </a:r>
+            <a:r>
+              <a:rPr lang="en-US" dirty="0" smtClean="0"/>
+              <a:t>train and cruises</a:t>
+            </a:r>
+            <a:endParaRPr lang="en-US" dirty="0"/>
           </a:p>
           <a:p>
             <a:pPr marL="0" indent="0">
@@ -8724,6 +8763,13 @@
   <p:clrMapOvr>
     <a:masterClrMapping/>
   </p:clrMapOvr>
+  <p:timing>
+    <p:tnLst>
+      <p:par>
+        <p:cTn id="1" dur="indefinite" restart="never" nodeType="tmRoot"/>
+      </p:par>
+    </p:tnLst>
+  </p:timing>
 </p:sld>
 </file>
 

--- a/trunk/P2 project Bag Packer Program.pptx
+++ b/trunk/P2 project Bag Packer Program.pptx
@@ -383,7 +383,7 @@
     </p:spTree>
     <p:extLst>
       <p:ext uri="{BB962C8B-B14F-4D97-AF65-F5344CB8AC3E}">
-        <p14:creationId xmlns:p14="http://schemas.microsoft.com/office/powerpoint/2010/main" xmlns="" val="3610009227"/>
+        <p14:creationId xmlns:p14="http://schemas.microsoft.com/office/powerpoint/2010/main" val="3610009227"/>
       </p:ext>
     </p:extLst>
   </p:cSld>
@@ -562,7 +562,7 @@
     </p:spTree>
     <p:extLst>
       <p:ext uri="{BB962C8B-B14F-4D97-AF65-F5344CB8AC3E}">
-        <p14:creationId xmlns:p14="http://schemas.microsoft.com/office/powerpoint/2010/main" xmlns="" val="3203358604"/>
+        <p14:creationId xmlns:p14="http://schemas.microsoft.com/office/powerpoint/2010/main" val="3203358604"/>
       </p:ext>
     </p:extLst>
   </p:cSld>
@@ -651,7 +651,7 @@
     </p:spTree>
     <p:extLst>
       <p:ext uri="{BB962C8B-B14F-4D97-AF65-F5344CB8AC3E}">
-        <p14:creationId xmlns:p14="http://schemas.microsoft.com/office/powerpoint/2010/main" xmlns="" val="2120419686"/>
+        <p14:creationId xmlns:p14="http://schemas.microsoft.com/office/powerpoint/2010/main" val="2120419686"/>
       </p:ext>
     </p:extLst>
   </p:cSld>
@@ -740,7 +740,7 @@
     </p:spTree>
     <p:extLst>
       <p:ext uri="{BB962C8B-B14F-4D97-AF65-F5344CB8AC3E}">
-        <p14:creationId xmlns:p14="http://schemas.microsoft.com/office/powerpoint/2010/main" xmlns="" val="2391717303"/>
+        <p14:creationId xmlns:p14="http://schemas.microsoft.com/office/powerpoint/2010/main" val="2391717303"/>
       </p:ext>
     </p:extLst>
   </p:cSld>
@@ -859,7 +859,7 @@
     </p:spTree>
     <p:extLst>
       <p:ext uri="{BB962C8B-B14F-4D97-AF65-F5344CB8AC3E}">
-        <p14:creationId xmlns:p14="http://schemas.microsoft.com/office/powerpoint/2010/main" xmlns="" val="1202035010"/>
+        <p14:creationId xmlns:p14="http://schemas.microsoft.com/office/powerpoint/2010/main" val="1202035010"/>
       </p:ext>
     </p:extLst>
   </p:cSld>
@@ -948,7 +948,7 @@
     </p:spTree>
     <p:extLst>
       <p:ext uri="{BB962C8B-B14F-4D97-AF65-F5344CB8AC3E}">
-        <p14:creationId xmlns:p14="http://schemas.microsoft.com/office/powerpoint/2010/main" xmlns="" val="2268034699"/>
+        <p14:creationId xmlns:p14="http://schemas.microsoft.com/office/powerpoint/2010/main" val="2268034699"/>
       </p:ext>
     </p:extLst>
   </p:cSld>
@@ -1037,7 +1037,7 @@
     </p:spTree>
     <p:extLst>
       <p:ext uri="{BB962C8B-B14F-4D97-AF65-F5344CB8AC3E}">
-        <p14:creationId xmlns:p14="http://schemas.microsoft.com/office/powerpoint/2010/main" xmlns="" val="3496680494"/>
+        <p14:creationId xmlns:p14="http://schemas.microsoft.com/office/powerpoint/2010/main" val="3496680494"/>
       </p:ext>
     </p:extLst>
   </p:cSld>
@@ -1126,7 +1126,7 @@
     </p:spTree>
     <p:extLst>
       <p:ext uri="{BB962C8B-B14F-4D97-AF65-F5344CB8AC3E}">
-        <p14:creationId xmlns:p14="http://schemas.microsoft.com/office/powerpoint/2010/main" xmlns="" val="2175970988"/>
+        <p14:creationId xmlns:p14="http://schemas.microsoft.com/office/powerpoint/2010/main" val="2175970988"/>
       </p:ext>
     </p:extLst>
   </p:cSld>
@@ -1215,7 +1215,7 @@
     </p:spTree>
     <p:extLst>
       <p:ext uri="{BB962C8B-B14F-4D97-AF65-F5344CB8AC3E}">
-        <p14:creationId xmlns:p14="http://schemas.microsoft.com/office/powerpoint/2010/main" xmlns="" val="416459678"/>
+        <p14:creationId xmlns:p14="http://schemas.microsoft.com/office/powerpoint/2010/main" val="416459678"/>
       </p:ext>
     </p:extLst>
   </p:cSld>
@@ -1304,7 +1304,7 @@
     </p:spTree>
     <p:extLst>
       <p:ext uri="{BB962C8B-B14F-4D97-AF65-F5344CB8AC3E}">
-        <p14:creationId xmlns:p14="http://schemas.microsoft.com/office/powerpoint/2010/main" xmlns="" val="3706435522"/>
+        <p14:creationId xmlns:p14="http://schemas.microsoft.com/office/powerpoint/2010/main" val="3706435522"/>
       </p:ext>
     </p:extLst>
   </p:cSld>
@@ -1393,7 +1393,7 @@
     </p:spTree>
     <p:extLst>
       <p:ext uri="{BB962C8B-B14F-4D97-AF65-F5344CB8AC3E}">
-        <p14:creationId xmlns:p14="http://schemas.microsoft.com/office/powerpoint/2010/main" xmlns="" val="2379702717"/>
+        <p14:creationId xmlns:p14="http://schemas.microsoft.com/office/powerpoint/2010/main" val="2379702717"/>
       </p:ext>
     </p:extLst>
   </p:cSld>
@@ -1478,7 +1478,7 @@
     </p:spTree>
     <p:extLst>
       <p:ext uri="{BB962C8B-B14F-4D97-AF65-F5344CB8AC3E}">
-        <p14:creationId xmlns:p14="http://schemas.microsoft.com/office/powerpoint/2010/main" xmlns="" val="2334307295"/>
+        <p14:creationId xmlns:p14="http://schemas.microsoft.com/office/powerpoint/2010/main" val="2334307295"/>
       </p:ext>
     </p:extLst>
   </p:cSld>
@@ -1567,7 +1567,7 @@
     </p:spTree>
     <p:extLst>
       <p:ext uri="{BB962C8B-B14F-4D97-AF65-F5344CB8AC3E}">
-        <p14:creationId xmlns:p14="http://schemas.microsoft.com/office/powerpoint/2010/main" xmlns="" val="383094199"/>
+        <p14:creationId xmlns:p14="http://schemas.microsoft.com/office/powerpoint/2010/main" val="383094199"/>
       </p:ext>
     </p:extLst>
   </p:cSld>
@@ -1656,7 +1656,7 @@
     </p:spTree>
     <p:extLst>
       <p:ext uri="{BB962C8B-B14F-4D97-AF65-F5344CB8AC3E}">
-        <p14:creationId xmlns:p14="http://schemas.microsoft.com/office/powerpoint/2010/main" xmlns="" val="3980070397"/>
+        <p14:creationId xmlns:p14="http://schemas.microsoft.com/office/powerpoint/2010/main" val="3980070397"/>
       </p:ext>
     </p:extLst>
   </p:cSld>
@@ -1745,7 +1745,7 @@
     </p:spTree>
     <p:extLst>
       <p:ext uri="{BB962C8B-B14F-4D97-AF65-F5344CB8AC3E}">
-        <p14:creationId xmlns:p14="http://schemas.microsoft.com/office/powerpoint/2010/main" xmlns="" val="1351295640"/>
+        <p14:creationId xmlns:p14="http://schemas.microsoft.com/office/powerpoint/2010/main" val="1351295640"/>
       </p:ext>
     </p:extLst>
   </p:cSld>
@@ -1834,7 +1834,7 @@
     </p:spTree>
     <p:extLst>
       <p:ext uri="{BB962C8B-B14F-4D97-AF65-F5344CB8AC3E}">
-        <p14:creationId xmlns:p14="http://schemas.microsoft.com/office/powerpoint/2010/main" xmlns="" val="2202312520"/>
+        <p14:creationId xmlns:p14="http://schemas.microsoft.com/office/powerpoint/2010/main" val="2202312520"/>
       </p:ext>
     </p:extLst>
   </p:cSld>
@@ -1923,7 +1923,7 @@
     </p:spTree>
     <p:extLst>
       <p:ext uri="{BB962C8B-B14F-4D97-AF65-F5344CB8AC3E}">
-        <p14:creationId xmlns:p14="http://schemas.microsoft.com/office/powerpoint/2010/main" xmlns="" val="3891162565"/>
+        <p14:creationId xmlns:p14="http://schemas.microsoft.com/office/powerpoint/2010/main" val="3891162565"/>
       </p:ext>
     </p:extLst>
   </p:cSld>
@@ -2012,7 +2012,7 @@
     </p:spTree>
     <p:extLst>
       <p:ext uri="{BB962C8B-B14F-4D97-AF65-F5344CB8AC3E}">
-        <p14:creationId xmlns:p14="http://schemas.microsoft.com/office/powerpoint/2010/main" xmlns="" val="646583340"/>
+        <p14:creationId xmlns:p14="http://schemas.microsoft.com/office/powerpoint/2010/main" val="646583340"/>
       </p:ext>
     </p:extLst>
   </p:cSld>
@@ -2791,7 +2791,7 @@
           <a:blip r:embed="rId2" cstate="print">
             <a:extLst>
               <a:ext uri="{BEBA8EAE-BF5A-486C-A8C5-ECC9F3942E4B}">
-                <a14:imgProps xmlns:a14="http://schemas.microsoft.com/office/drawing/2010/main" xmlns="">
+                <a14:imgProps xmlns:a14="http://schemas.microsoft.com/office/drawing/2010/main">
                   <a14:imgLayer r:embed="rId3">
                     <a14:imgEffect>
                       <a14:backgroundRemoval t="10000" b="90000" l="7308" r="90000">
@@ -2813,7 +2813,7 @@
                 </a14:imgProps>
               </a:ext>
               <a:ext uri="{28A0092B-C50C-407E-A947-70E740481C1C}">
-                <a14:useLocalDpi xmlns:a14="http://schemas.microsoft.com/office/drawing/2010/main" xmlns="" val="0"/>
+                <a14:useLocalDpi xmlns:a14="http://schemas.microsoft.com/office/drawing/2010/main" val="0"/>
               </a:ext>
             </a:extLst>
           </a:blip>
@@ -6450,7 +6450,7 @@
           <a:blip r:embed="rId3" cstate="print">
             <a:extLst>
               <a:ext uri="{28A0092B-C50C-407E-A947-70E740481C1C}">
-                <a14:useLocalDpi xmlns:a14="http://schemas.microsoft.com/office/drawing/2010/main" xmlns="" val="0"/>
+                <a14:useLocalDpi xmlns:a14="http://schemas.microsoft.com/office/drawing/2010/main" val="0"/>
               </a:ext>
             </a:extLst>
           </a:blip>
@@ -6473,7 +6473,7 @@
           <a:effectLst/>
           <a:extLst>
             <a:ext uri="{909E8E84-426E-40DD-AFC4-6F175D3DCCD1}">
-              <a14:hiddenFill xmlns:a14="http://schemas.microsoft.com/office/drawing/2010/main" xmlns="">
+              <a14:hiddenFill xmlns:a14="http://schemas.microsoft.com/office/drawing/2010/main">
                 <a:blipFill dpi="0" rotWithShape="0">
                   <a:blip/>
                   <a:srcRect/>
@@ -6484,7 +6484,7 @@
               </a14:hiddenFill>
             </a:ext>
             <a:ext uri="{91240B29-F687-4F45-9708-019B960494DF}">
-              <a14:hiddenLine xmlns:a14="http://schemas.microsoft.com/office/drawing/2010/main" xmlns="" w="9525">
+              <a14:hiddenLine xmlns:a14="http://schemas.microsoft.com/office/drawing/2010/main" w="9525">
                 <a:solidFill>
                   <a:srgbClr val="000000"/>
                 </a:solidFill>
@@ -6494,7 +6494,7 @@
               </a14:hiddenLine>
             </a:ext>
             <a:ext uri="{AF507438-7753-43E0-B8FC-AC1667EBCBE1}">
-              <a14:hiddenEffects xmlns:a14="http://schemas.microsoft.com/office/drawing/2010/main" xmlns="">
+              <a14:hiddenEffects xmlns:a14="http://schemas.microsoft.com/office/drawing/2010/main">
                 <a:effectLst>
                   <a:outerShdw dist="35921" dir="2700000" algn="ctr" rotWithShape="0">
                     <a:srgbClr val="808080"/>
@@ -6892,7 +6892,7 @@
           <a:blip r:embed="rId2" cstate="print">
             <a:extLst>
               <a:ext uri="{28A0092B-C50C-407E-A947-70E740481C1C}">
-                <a14:useLocalDpi xmlns:a14="http://schemas.microsoft.com/office/drawing/2010/main" xmlns="" val="0"/>
+                <a14:useLocalDpi xmlns:a14="http://schemas.microsoft.com/office/drawing/2010/main" val="0"/>
               </a:ext>
             </a:extLst>
           </a:blip>
@@ -6916,14 +6916,14 @@
           <a:effectLst/>
           <a:extLst>
             <a:ext uri="{909E8E84-426E-40DD-AFC4-6F175D3DCCD1}">
-              <a14:hiddenFill xmlns:a14="http://schemas.microsoft.com/office/drawing/2010/main" xmlns="">
+              <a14:hiddenFill xmlns:a14="http://schemas.microsoft.com/office/drawing/2010/main">
                 <a:solidFill>
                   <a:schemeClr val="accent1"/>
                 </a:solidFill>
               </a14:hiddenFill>
             </a:ext>
             <a:ext uri="{91240B29-F687-4F45-9708-019B960494DF}">
-              <a14:hiddenLine xmlns:a14="http://schemas.microsoft.com/office/drawing/2010/main" xmlns="" w="9525">
+              <a14:hiddenLine xmlns:a14="http://schemas.microsoft.com/office/drawing/2010/main" w="9525">
                 <a:solidFill>
                   <a:schemeClr val="tx1"/>
                 </a:solidFill>
@@ -6933,7 +6933,7 @@
               </a14:hiddenLine>
             </a:ext>
             <a:ext uri="{AF507438-7753-43E0-B8FC-AC1667EBCBE1}">
-              <a14:hiddenEffects xmlns:a14="http://schemas.microsoft.com/office/drawing/2010/main" xmlns="">
+              <a14:hiddenEffects xmlns:a14="http://schemas.microsoft.com/office/drawing/2010/main">
                 <a:effectLst>
                   <a:outerShdw dist="35921" dir="2700000" algn="ctr" rotWithShape="0">
                     <a:schemeClr val="bg2"/>
@@ -6971,7 +6971,7 @@
     </p:spTree>
     <p:extLst>
       <p:ext uri="{BB962C8B-B14F-4D97-AF65-F5344CB8AC3E}">
-        <p14:creationId xmlns:p14="http://schemas.microsoft.com/office/powerpoint/2010/main" xmlns="" val="1698155719"/>
+        <p14:creationId xmlns:p14="http://schemas.microsoft.com/office/powerpoint/2010/main" val="1698155719"/>
       </p:ext>
     </p:extLst>
   </p:cSld>
@@ -7059,7 +7059,7 @@
           <a:blip r:embed="rId2" cstate="print">
             <a:extLst>
               <a:ext uri="{28A0092B-C50C-407E-A947-70E740481C1C}">
-                <a14:useLocalDpi xmlns:a14="http://schemas.microsoft.com/office/drawing/2010/main" xmlns="" val="0"/>
+                <a14:useLocalDpi xmlns:a14="http://schemas.microsoft.com/office/drawing/2010/main" val="0"/>
               </a:ext>
             </a:extLst>
           </a:blip>
@@ -7083,14 +7083,14 @@
           <a:effectLst/>
           <a:extLst>
             <a:ext uri="{909E8E84-426E-40DD-AFC4-6F175D3DCCD1}">
-              <a14:hiddenFill xmlns:a14="http://schemas.microsoft.com/office/drawing/2010/main" xmlns="">
+              <a14:hiddenFill xmlns:a14="http://schemas.microsoft.com/office/drawing/2010/main">
                 <a:solidFill>
                   <a:schemeClr val="accent1"/>
                 </a:solidFill>
               </a14:hiddenFill>
             </a:ext>
             <a:ext uri="{91240B29-F687-4F45-9708-019B960494DF}">
-              <a14:hiddenLine xmlns:a14="http://schemas.microsoft.com/office/drawing/2010/main" xmlns="" w="9525">
+              <a14:hiddenLine xmlns:a14="http://schemas.microsoft.com/office/drawing/2010/main" w="9525">
                 <a:solidFill>
                   <a:schemeClr val="tx1"/>
                 </a:solidFill>
@@ -7100,7 +7100,7 @@
               </a14:hiddenLine>
             </a:ext>
             <a:ext uri="{AF507438-7753-43E0-B8FC-AC1667EBCBE1}">
-              <a14:hiddenEffects xmlns:a14="http://schemas.microsoft.com/office/drawing/2010/main" xmlns="">
+              <a14:hiddenEffects xmlns:a14="http://schemas.microsoft.com/office/drawing/2010/main">
                 <a:effectLst>
                   <a:outerShdw dist="35921" dir="2700000" algn="ctr" rotWithShape="0">
                     <a:schemeClr val="bg2"/>
@@ -7138,7 +7138,7 @@
     </p:spTree>
     <p:extLst>
       <p:ext uri="{BB962C8B-B14F-4D97-AF65-F5344CB8AC3E}">
-        <p14:creationId xmlns:p14="http://schemas.microsoft.com/office/powerpoint/2010/main" xmlns="" val="1314451315"/>
+        <p14:creationId xmlns:p14="http://schemas.microsoft.com/office/powerpoint/2010/main" val="1314451315"/>
       </p:ext>
     </p:extLst>
   </p:cSld>
@@ -7256,7 +7256,7 @@
     </p:spTree>
     <p:extLst>
       <p:ext uri="{BB962C8B-B14F-4D97-AF65-F5344CB8AC3E}">
-        <p14:creationId xmlns:p14="http://schemas.microsoft.com/office/powerpoint/2010/main" xmlns="" val="3375485778"/>
+        <p14:creationId xmlns:p14="http://schemas.microsoft.com/office/powerpoint/2010/main" val="3375485778"/>
       </p:ext>
     </p:extLst>
   </p:cSld>
@@ -7693,7 +7693,7 @@
           <a:p>
             <a:r>
               <a:rPr lang="en-US" dirty="0" smtClean="0"/>
-              <a:t>Testing</a:t>
+              <a:t>Testing of the Program</a:t>
             </a:r>
             <a:endParaRPr lang="en-US" dirty="0"/>
           </a:p>
@@ -8527,7 +8527,7 @@
           <a:blip r:embed="rId3" cstate="print">
             <a:extLst>
               <a:ext uri="{28A0092B-C50C-407E-A947-70E740481C1C}">
-                <a14:useLocalDpi xmlns:a14="http://schemas.microsoft.com/office/drawing/2010/main" xmlns="" val="0"/>
+                <a14:useLocalDpi xmlns:a14="http://schemas.microsoft.com/office/drawing/2010/main" val="0"/>
               </a:ext>
             </a:extLst>
           </a:blip>
@@ -8551,14 +8551,14 @@
           <a:effectLst/>
           <a:extLst>
             <a:ext uri="{909E8E84-426E-40DD-AFC4-6F175D3DCCD1}">
-              <a14:hiddenFill xmlns:a14="http://schemas.microsoft.com/office/drawing/2010/main" xmlns="">
+              <a14:hiddenFill xmlns:a14="http://schemas.microsoft.com/office/drawing/2010/main">
                 <a:solidFill>
                   <a:schemeClr val="accent1"/>
                 </a:solidFill>
               </a14:hiddenFill>
             </a:ext>
             <a:ext uri="{91240B29-F687-4F45-9708-019B960494DF}">
-              <a14:hiddenLine xmlns:a14="http://schemas.microsoft.com/office/drawing/2010/main" xmlns="" w="9525">
+              <a14:hiddenLine xmlns:a14="http://schemas.microsoft.com/office/drawing/2010/main" w="9525">
                 <a:solidFill>
                   <a:schemeClr val="tx1"/>
                 </a:solidFill>
@@ -8568,7 +8568,7 @@
               </a14:hiddenLine>
             </a:ext>
             <a:ext uri="{AF507438-7753-43E0-B8FC-AC1667EBCBE1}">
-              <a14:hiddenEffects xmlns:a14="http://schemas.microsoft.com/office/drawing/2010/main" xmlns="">
+              <a14:hiddenEffects xmlns:a14="http://schemas.microsoft.com/office/drawing/2010/main">
                 <a:effectLst>
                   <a:outerShdw dist="35921" dir="2700000" algn="ctr" rotWithShape="0">
                     <a:schemeClr val="bg2"/>
@@ -8582,7 +8582,7 @@
     </p:spTree>
     <p:extLst>
       <p:ext uri="{BB962C8B-B14F-4D97-AF65-F5344CB8AC3E}">
-        <p14:creationId xmlns:p14="http://schemas.microsoft.com/office/powerpoint/2010/main" xmlns="" val="3084238337"/>
+        <p14:creationId xmlns:p14="http://schemas.microsoft.com/office/powerpoint/2010/main" val="3084238337"/>
       </p:ext>
     </p:extLst>
   </p:cSld>
@@ -8655,7 +8655,7 @@
           <a:lstStyle/>
           <a:p>
             <a:r>
-              <a:rPr lang="da-DK" dirty="0" err="1" smtClean="0"/>
+              <a:rPr lang="en-US" dirty="0" smtClean="0"/>
               <a:t>Existing</a:t>
             </a:r>
             <a:r>
@@ -8663,13 +8663,14 @@
               <a:t> </a:t>
             </a:r>
             <a:r>
-              <a:rPr lang="da-DK" dirty="0" err="1" smtClean="0"/>
+              <a:rPr lang="en-US" dirty="0" smtClean="0"/>
               <a:t>products</a:t>
             </a:r>
             <a:r>
               <a:rPr lang="da-DK" dirty="0" smtClean="0"/>
               <a:t>:</a:t>
             </a:r>
+            <a:endParaRPr lang="da-DK" dirty="0" smtClean="0"/>
           </a:p>
           <a:p>
             <a:pPr lvl="1"/>

--- a/trunk/P2 project Bag Packer Program.pptx
+++ b/trunk/P2 project Bag Packer Program.pptx
@@ -7397,7 +7397,6 @@
               <a:rPr lang="en-US" dirty="0" smtClean="0"/>
               <a:t>Add color numbers to each item</a:t>
             </a:r>
-            <a:endParaRPr lang="en-US" dirty="0" smtClean="0"/>
           </a:p>
         </p:txBody>
       </p:sp>
@@ -7497,11 +7496,7 @@
           <a:p>
             <a:r>
               <a:rPr lang="en-US" dirty="0" smtClean="0"/>
-              <a:t>Vector </a:t>
-            </a:r>
-            <a:r>
-              <a:rPr lang="en-US" dirty="0" smtClean="0"/>
-              <a:t>class</a:t>
+              <a:t>Vector class</a:t>
             </a:r>
           </a:p>
           <a:p>
@@ -7510,16 +7505,11 @@
               <a:rPr lang="en-US" dirty="0" smtClean="0"/>
               <a:t>Vectors are generated from the coordinates and dimensions of the items</a:t>
             </a:r>
-            <a:endParaRPr lang="en-US" dirty="0" smtClean="0"/>
           </a:p>
           <a:p>
             <a:r>
               <a:rPr lang="en-US" dirty="0" smtClean="0"/>
-              <a:t>Polygon </a:t>
-            </a:r>
-            <a:r>
-              <a:rPr lang="en-US" dirty="0" smtClean="0"/>
-              <a:t>class</a:t>
+              <a:t>Polygon class</a:t>
             </a:r>
           </a:p>
           <a:p>
@@ -7528,16 +7518,11 @@
               <a:rPr lang="en-US" dirty="0" smtClean="0"/>
               <a:t>Consists of 4 Vectors</a:t>
             </a:r>
-            <a:endParaRPr lang="en-US" dirty="0" smtClean="0"/>
           </a:p>
           <a:p>
             <a:r>
               <a:rPr lang="en-US" dirty="0" smtClean="0"/>
-              <a:t>Shape3D </a:t>
-            </a:r>
-            <a:r>
-              <a:rPr lang="en-US" dirty="0" smtClean="0"/>
-              <a:t>class</a:t>
+              <a:t>Shape3D class</a:t>
             </a:r>
           </a:p>
           <a:p>
@@ -7546,7 +7531,6 @@
               <a:rPr lang="en-US" dirty="0" smtClean="0"/>
               <a:t>Consists of 4 Polygons</a:t>
             </a:r>
-            <a:endParaRPr lang="en-US" dirty="0" smtClean="0"/>
           </a:p>
           <a:p>
             <a:endParaRPr lang="en-US" dirty="0"/>
@@ -8240,7 +8224,9 @@
         </p:nvSpPr>
         <p:spPr/>
         <p:txBody>
-          <a:bodyPr/>
+          <a:bodyPr>
+            <a:normAutofit fontScale="92500" lnSpcReduction="20000"/>
+          </a:bodyPr>
           <a:lstStyle/>
           <a:p>
             <a:r>
@@ -8249,16 +8235,30 @@
             </a:r>
           </a:p>
           <a:p>
+            <a:endParaRPr lang="en-US" dirty="0" smtClean="0"/>
+          </a:p>
+          <a:p>
+            <a:r>
+              <a:rPr lang="en-US" dirty="0" smtClean="0"/>
+              <a:t>Advantage of packing as a family</a:t>
+            </a:r>
             <a:endParaRPr lang="en-US" dirty="0"/>
           </a:p>
           <a:p>
+            <a:endParaRPr lang="en-US" dirty="0"/>
+          </a:p>
+          <a:p>
             <a:r>
               <a:rPr lang="en-US" dirty="0" smtClean="0"/>
-              <a:t>Forgets saving space for </a:t>
-            </a:r>
-            <a:r>
-              <a:rPr lang="en-US" dirty="0" err="1" smtClean="0"/>
-              <a:t>souveniers</a:t>
+              <a:t>Forgets saving space </a:t>
+            </a:r>
+            <a:r>
+              <a:rPr lang="en-US" smtClean="0"/>
+              <a:t>for </a:t>
+            </a:r>
+            <a:r>
+              <a:rPr lang="en-US" smtClean="0"/>
+              <a:t>souvenirs</a:t>
             </a:r>
             <a:endParaRPr lang="en-US" dirty="0" smtClean="0"/>
           </a:p>

--- a/trunk/P2 project Bag Packer Program.pptx
+++ b/trunk/P2 project Bag Packer Program.pptx
@@ -214,7 +214,7 @@
             <a:fld id="{C7EFB693-66A7-41F6-9571-1199ADF1B2C0}" type="datetimeFigureOut">
               <a:rPr lang="da-DK" smtClean="0"/>
               <a:pPr/>
-              <a:t>19-06-2012</a:t>
+              <a:t>18-06-2012</a:t>
             </a:fld>
             <a:endParaRPr lang="da-DK" dirty="0"/>
           </a:p>
@@ -2196,7 +2196,7 @@
             <a:fld id="{8E4F6FF1-A1A9-4B90-ADF9-339648AE259C}" type="datetime1">
               <a:rPr lang="da-DK" smtClean="0"/>
               <a:pPr/>
-              <a:t>19-06-2012</a:t>
+              <a:t>18-06-2012</a:t>
             </a:fld>
             <a:endParaRPr lang="da-DK" dirty="0"/>
           </a:p>
@@ -2374,7 +2374,7 @@
             <a:fld id="{C6FA4DE7-D201-4302-B3AF-73C320ACC083}" type="datetime1">
               <a:rPr lang="da-DK" smtClean="0"/>
               <a:pPr/>
-              <a:t>19-06-2012</a:t>
+              <a:t>18-06-2012</a:t>
             </a:fld>
             <a:endParaRPr lang="da-DK" dirty="0"/>
           </a:p>
@@ -2555,7 +2555,7 @@
             <a:fld id="{41EF532B-4986-4054-A92D-30D90ECA8AF0}" type="datetime1">
               <a:rPr lang="da-DK" smtClean="0"/>
               <a:pPr/>
-              <a:t>19-06-2012</a:t>
+              <a:t>18-06-2012</a:t>
             </a:fld>
             <a:endParaRPr lang="da-DK" dirty="0"/>
           </a:p>
@@ -2726,7 +2726,7 @@
             <a:fld id="{78832C12-85A0-45FB-816F-97CF4A0F0BF1}" type="datetime1">
               <a:rPr lang="da-DK" smtClean="0"/>
               <a:pPr/>
-              <a:t>19-06-2012</a:t>
+              <a:t>18-06-2012</a:t>
             </a:fld>
             <a:endParaRPr lang="da-DK" dirty="0"/>
           </a:p>
@@ -3033,7 +3033,7 @@
             <a:fld id="{6CBA99B2-1111-4E5C-9EB2-FED458C011AB}" type="datetime1">
               <a:rPr lang="da-DK" smtClean="0"/>
               <a:pPr/>
-              <a:t>19-06-2012</a:t>
+              <a:t>18-06-2012</a:t>
             </a:fld>
             <a:endParaRPr lang="da-DK" dirty="0"/>
           </a:p>
@@ -3303,7 +3303,7 @@
             <a:fld id="{B57ABA86-2C6A-45F7-AAF4-D291F32EE6D5}" type="datetime1">
               <a:rPr lang="da-DK" smtClean="0"/>
               <a:pPr/>
-              <a:t>19-06-2012</a:t>
+              <a:t>18-06-2012</a:t>
             </a:fld>
             <a:endParaRPr lang="da-DK" dirty="0"/>
           </a:p>
@@ -3687,7 +3687,7 @@
             <a:fld id="{6744D578-53ED-40B9-A365-DE8D75EFEFDE}" type="datetime1">
               <a:rPr lang="da-DK" smtClean="0"/>
               <a:pPr/>
-              <a:t>19-06-2012</a:t>
+              <a:t>18-06-2012</a:t>
             </a:fld>
             <a:endParaRPr lang="da-DK" dirty="0"/>
           </a:p>
@@ -3843,7 +3843,7 @@
             <a:fld id="{7CD0589D-99BE-44A6-B136-D6646C17AAF9}" type="datetime1">
               <a:rPr lang="da-DK" smtClean="0"/>
               <a:pPr/>
-              <a:t>19-06-2012</a:t>
+              <a:t>18-06-2012</a:t>
             </a:fld>
             <a:endParaRPr lang="da-DK" dirty="0"/>
           </a:p>
@@ -3939,7 +3939,7 @@
             <a:fld id="{45261382-3D5B-40F8-9E18-13F245BE28F0}" type="datetime1">
               <a:rPr lang="da-DK" smtClean="0"/>
               <a:pPr/>
-              <a:t>19-06-2012</a:t>
+              <a:t>18-06-2012</a:t>
             </a:fld>
             <a:endParaRPr lang="da-DK" dirty="0"/>
           </a:p>
@@ -4206,7 +4206,7 @@
             <a:fld id="{D79CA1AA-C8CD-41B8-BA72-58138E081F2A}" type="datetime1">
               <a:rPr lang="da-DK" smtClean="0"/>
               <a:pPr/>
-              <a:t>19-06-2012</a:t>
+              <a:t>18-06-2012</a:t>
             </a:fld>
             <a:endParaRPr lang="da-DK" dirty="0"/>
           </a:p>
@@ -4500,7 +4500,7 @@
             <a:fld id="{E234FBAC-9DC0-449D-88D8-E5354CA5D288}" type="datetime1">
               <a:rPr lang="da-DK" smtClean="0"/>
               <a:pPr/>
-              <a:t>19-06-2012</a:t>
+              <a:t>18-06-2012</a:t>
             </a:fld>
             <a:endParaRPr lang="da-DK" dirty="0"/>
           </a:p>
@@ -5277,7 +5277,7 @@
             <a:fld id="{E4C1BF3D-1383-492F-8101-4413DA18A85C}" type="datetime1">
               <a:rPr lang="da-DK" smtClean="0"/>
               <a:pPr/>
-              <a:t>19-06-2012</a:t>
+              <a:t>18-06-2012</a:t>
             </a:fld>
             <a:endParaRPr lang="da-DK" dirty="0"/>
           </a:p>
@@ -7355,47 +7355,13 @@
           <a:p>
             <a:r>
               <a:rPr lang="en-US" dirty="0" smtClean="0"/>
-              <a:t>4 steps:</a:t>
-            </a:r>
-          </a:p>
-          <a:p>
-            <a:pPr marL="850392" lvl="1" indent="-457200">
-              <a:buFont typeface="+mj-lt"/>
-              <a:buAutoNum type="arabicPeriod"/>
-            </a:pPr>
+              <a:t>First the function checks which items are neighbors</a:t>
+            </a:r>
+          </a:p>
+          <a:p>
             <a:r>
               <a:rPr lang="en-US" dirty="0" smtClean="0"/>
-              <a:t>Add coordinates of each item to a list</a:t>
-            </a:r>
-          </a:p>
-          <a:p>
-            <a:pPr marL="850392" lvl="1" indent="-457200">
-              <a:buFont typeface="+mj-lt"/>
-              <a:buAutoNum type="arabicPeriod"/>
-            </a:pPr>
-            <a:r>
-              <a:rPr lang="en-US" dirty="0" smtClean="0"/>
-              <a:t>Check the list of coordinates for neighbors</a:t>
-            </a:r>
-          </a:p>
-          <a:p>
-            <a:pPr marL="850392" lvl="1" indent="-457200">
-              <a:buFont typeface="+mj-lt"/>
-              <a:buAutoNum type="arabicPeriod"/>
-            </a:pPr>
-            <a:r>
-              <a:rPr lang="en-US" dirty="0" smtClean="0"/>
-              <a:t>Remove duplicate neighbors</a:t>
-            </a:r>
-          </a:p>
-          <a:p>
-            <a:pPr marL="850392" lvl="1" indent="-457200">
-              <a:buFont typeface="+mj-lt"/>
-              <a:buAutoNum type="arabicPeriod"/>
-            </a:pPr>
-            <a:r>
-              <a:rPr lang="en-US" dirty="0" smtClean="0"/>
-              <a:t>Add color numbers to each item</a:t>
+              <a:t>Neighbors are assigned different colors</a:t>
             </a:r>
           </a:p>
         </p:txBody>
@@ -7500,36 +7466,15 @@
             </a:r>
           </a:p>
           <a:p>
-            <a:pPr lvl="1"/>
-            <a:r>
-              <a:rPr lang="en-US" dirty="0" smtClean="0"/>
-              <a:t>Vectors are generated from the coordinates and dimensions of the items</a:t>
-            </a:r>
-          </a:p>
-          <a:p>
             <a:r>
               <a:rPr lang="en-US" dirty="0" smtClean="0"/>
               <a:t>Polygon class</a:t>
             </a:r>
           </a:p>
           <a:p>
-            <a:pPr lvl="1"/>
-            <a:r>
-              <a:rPr lang="en-US" dirty="0" smtClean="0"/>
-              <a:t>Consists of 4 Vectors</a:t>
-            </a:r>
-          </a:p>
-          <a:p>
             <a:r>
               <a:rPr lang="en-US" dirty="0" smtClean="0"/>
               <a:t>Shape3D class</a:t>
-            </a:r>
-          </a:p>
-          <a:p>
-            <a:pPr lvl="1"/>
-            <a:r>
-              <a:rPr lang="en-US" dirty="0" smtClean="0"/>
-              <a:t>Consists of 4 Polygons</a:t>
             </a:r>
           </a:p>
           <a:p>
@@ -7561,35 +7506,6 @@
           </a:p>
         </p:txBody>
       </p:sp>
-      <p:pic>
-        <p:nvPicPr>
-          <p:cNvPr id="4" name="Billede 3"/>
-          <p:cNvPicPr>
-            <a:picLocks noChangeAspect="1"/>
-          </p:cNvPicPr>
-          <p:nvPr/>
-        </p:nvPicPr>
-        <p:blipFill rotWithShape="1">
-          <a:blip r:embed="rId3">
-            <a:extLst>
-              <a:ext uri="{28A0092B-C50C-407E-A947-70E740481C1C}">
-                <a14:useLocalDpi xmlns:a14="http://schemas.microsoft.com/office/drawing/2010/main" val="0"/>
-              </a:ext>
-            </a:extLst>
-          </a:blip>
-          <a:srcRect t="15468"/>
-          <a:stretch/>
-        </p:blipFill>
-        <p:spPr>
-          <a:xfrm>
-            <a:off x="2843808" y="5085184"/>
-            <a:ext cx="3833068" cy="1540932"/>
-          </a:xfrm>
-          <a:prstGeom prst="rect">
-            <a:avLst/>
-          </a:prstGeom>
-        </p:spPr>
-      </p:pic>
     </p:spTree>
   </p:cSld>
   <p:clrMapOvr>
@@ -8224,9 +8140,7 @@
         </p:nvSpPr>
         <p:spPr/>
         <p:txBody>
-          <a:bodyPr>
-            <a:normAutofit fontScale="92500" lnSpcReduction="20000"/>
-          </a:bodyPr>
+          <a:bodyPr/>
           <a:lstStyle/>
           <a:p>
             <a:r>
@@ -8235,30 +8149,16 @@
             </a:r>
           </a:p>
           <a:p>
-            <a:endParaRPr lang="en-US" dirty="0" smtClean="0"/>
+            <a:endParaRPr lang="en-US" dirty="0"/>
           </a:p>
           <a:p>
             <a:r>
               <a:rPr lang="en-US" dirty="0" smtClean="0"/>
-              <a:t>Advantage of packing as a family</a:t>
-            </a:r>
-            <a:endParaRPr lang="en-US" dirty="0"/>
-          </a:p>
-          <a:p>
-            <a:endParaRPr lang="en-US" dirty="0"/>
-          </a:p>
-          <a:p>
-            <a:r>
-              <a:rPr lang="en-US" dirty="0" smtClean="0"/>
-              <a:t>Forgets saving space </a:t>
-            </a:r>
-            <a:r>
-              <a:rPr lang="en-US" smtClean="0"/>
-              <a:t>for </a:t>
-            </a:r>
-            <a:r>
-              <a:rPr lang="en-US" smtClean="0"/>
-              <a:t>souvenirs</a:t>
+              <a:t>Forgets saving space for </a:t>
+            </a:r>
+            <a:r>
+              <a:rPr lang="en-US" dirty="0" err="1" smtClean="0"/>
+              <a:t>souveniers</a:t>
             </a:r>
             <a:endParaRPr lang="en-US" dirty="0" smtClean="0"/>
           </a:p>
@@ -8770,6 +8670,7 @@
               <a:rPr lang="da-DK" dirty="0" smtClean="0"/>
               <a:t>:</a:t>
             </a:r>
+            <a:endParaRPr lang="da-DK" dirty="0" smtClean="0"/>
           </a:p>
           <a:p>
             <a:pPr lvl="1"/>

--- a/trunk/P2 project Bag Packer Program.pptx
+++ b/trunk/P2 project Bag Packer Program.pptx
@@ -214,7 +214,7 @@
             <a:fld id="{C7EFB693-66A7-41F6-9571-1199ADF1B2C0}" type="datetimeFigureOut">
               <a:rPr lang="da-DK" smtClean="0"/>
               <a:pPr/>
-              <a:t>18-06-2012</a:t>
+              <a:t>20-06-2012</a:t>
             </a:fld>
             <a:endParaRPr lang="da-DK" dirty="0"/>
           </a:p>
@@ -2196,7 +2196,7 @@
             <a:fld id="{8E4F6FF1-A1A9-4B90-ADF9-339648AE259C}" type="datetime1">
               <a:rPr lang="da-DK" smtClean="0"/>
               <a:pPr/>
-              <a:t>18-06-2012</a:t>
+              <a:t>20-06-2012</a:t>
             </a:fld>
             <a:endParaRPr lang="da-DK" dirty="0"/>
           </a:p>
@@ -2374,7 +2374,7 @@
             <a:fld id="{C6FA4DE7-D201-4302-B3AF-73C320ACC083}" type="datetime1">
               <a:rPr lang="da-DK" smtClean="0"/>
               <a:pPr/>
-              <a:t>18-06-2012</a:t>
+              <a:t>20-06-2012</a:t>
             </a:fld>
             <a:endParaRPr lang="da-DK" dirty="0"/>
           </a:p>
@@ -2555,7 +2555,7 @@
             <a:fld id="{41EF532B-4986-4054-A92D-30D90ECA8AF0}" type="datetime1">
               <a:rPr lang="da-DK" smtClean="0"/>
               <a:pPr/>
-              <a:t>18-06-2012</a:t>
+              <a:t>20-06-2012</a:t>
             </a:fld>
             <a:endParaRPr lang="da-DK" dirty="0"/>
           </a:p>
@@ -2726,7 +2726,7 @@
             <a:fld id="{78832C12-85A0-45FB-816F-97CF4A0F0BF1}" type="datetime1">
               <a:rPr lang="da-DK" smtClean="0"/>
               <a:pPr/>
-              <a:t>18-06-2012</a:t>
+              <a:t>20-06-2012</a:t>
             </a:fld>
             <a:endParaRPr lang="da-DK" dirty="0"/>
           </a:p>
@@ -3033,7 +3033,7 @@
             <a:fld id="{6CBA99B2-1111-4E5C-9EB2-FED458C011AB}" type="datetime1">
               <a:rPr lang="da-DK" smtClean="0"/>
               <a:pPr/>
-              <a:t>18-06-2012</a:t>
+              <a:t>20-06-2012</a:t>
             </a:fld>
             <a:endParaRPr lang="da-DK" dirty="0"/>
           </a:p>
@@ -3303,7 +3303,7 @@
             <a:fld id="{B57ABA86-2C6A-45F7-AAF4-D291F32EE6D5}" type="datetime1">
               <a:rPr lang="da-DK" smtClean="0"/>
               <a:pPr/>
-              <a:t>18-06-2012</a:t>
+              <a:t>20-06-2012</a:t>
             </a:fld>
             <a:endParaRPr lang="da-DK" dirty="0"/>
           </a:p>
@@ -3687,7 +3687,7 @@
             <a:fld id="{6744D578-53ED-40B9-A365-DE8D75EFEFDE}" type="datetime1">
               <a:rPr lang="da-DK" smtClean="0"/>
               <a:pPr/>
-              <a:t>18-06-2012</a:t>
+              <a:t>20-06-2012</a:t>
             </a:fld>
             <a:endParaRPr lang="da-DK" dirty="0"/>
           </a:p>
@@ -3843,7 +3843,7 @@
             <a:fld id="{7CD0589D-99BE-44A6-B136-D6646C17AAF9}" type="datetime1">
               <a:rPr lang="da-DK" smtClean="0"/>
               <a:pPr/>
-              <a:t>18-06-2012</a:t>
+              <a:t>20-06-2012</a:t>
             </a:fld>
             <a:endParaRPr lang="da-DK" dirty="0"/>
           </a:p>
@@ -3939,7 +3939,7 @@
             <a:fld id="{45261382-3D5B-40F8-9E18-13F245BE28F0}" type="datetime1">
               <a:rPr lang="da-DK" smtClean="0"/>
               <a:pPr/>
-              <a:t>18-06-2012</a:t>
+              <a:t>20-06-2012</a:t>
             </a:fld>
             <a:endParaRPr lang="da-DK" dirty="0"/>
           </a:p>
@@ -4206,7 +4206,7 @@
             <a:fld id="{D79CA1AA-C8CD-41B8-BA72-58138E081F2A}" type="datetime1">
               <a:rPr lang="da-DK" smtClean="0"/>
               <a:pPr/>
-              <a:t>18-06-2012</a:t>
+              <a:t>20-06-2012</a:t>
             </a:fld>
             <a:endParaRPr lang="da-DK" dirty="0"/>
           </a:p>
@@ -4500,7 +4500,7 @@
             <a:fld id="{E234FBAC-9DC0-449D-88D8-E5354CA5D288}" type="datetime1">
               <a:rPr lang="da-DK" smtClean="0"/>
               <a:pPr/>
-              <a:t>18-06-2012</a:t>
+              <a:t>20-06-2012</a:t>
             </a:fld>
             <a:endParaRPr lang="da-DK" dirty="0"/>
           </a:p>
@@ -5277,7 +5277,7 @@
             <a:fld id="{E4C1BF3D-1383-492F-8101-4413DA18A85C}" type="datetime1">
               <a:rPr lang="da-DK" smtClean="0"/>
               <a:pPr/>
-              <a:t>18-06-2012</a:t>
+              <a:t>20-06-2012</a:t>
             </a:fld>
             <a:endParaRPr lang="da-DK" dirty="0"/>
           </a:p>
@@ -7355,13 +7355,47 @@
           <a:p>
             <a:r>
               <a:rPr lang="en-US" dirty="0" smtClean="0"/>
-              <a:t>First the function checks which items are neighbors</a:t>
-            </a:r>
-          </a:p>
-          <a:p>
+              <a:t>4 steps:</a:t>
+            </a:r>
+          </a:p>
+          <a:p>
+            <a:pPr marL="850392" lvl="1" indent="-457200">
+              <a:buFont typeface="+mj-lt"/>
+              <a:buAutoNum type="arabicPeriod"/>
+            </a:pPr>
             <a:r>
               <a:rPr lang="en-US" dirty="0" smtClean="0"/>
-              <a:t>Neighbors are assigned different colors</a:t>
+              <a:t>Add coordinates of each item to a list</a:t>
+            </a:r>
+          </a:p>
+          <a:p>
+            <a:pPr marL="850392" lvl="1" indent="-457200">
+              <a:buFont typeface="+mj-lt"/>
+              <a:buAutoNum type="arabicPeriod"/>
+            </a:pPr>
+            <a:r>
+              <a:rPr lang="en-US" dirty="0" smtClean="0"/>
+              <a:t>Check the list of coordinates for neighbors</a:t>
+            </a:r>
+          </a:p>
+          <a:p>
+            <a:pPr marL="850392" lvl="1" indent="-457200">
+              <a:buFont typeface="+mj-lt"/>
+              <a:buAutoNum type="arabicPeriod"/>
+            </a:pPr>
+            <a:r>
+              <a:rPr lang="en-US" dirty="0" smtClean="0"/>
+              <a:t>Remove duplicate neighbors</a:t>
+            </a:r>
+          </a:p>
+          <a:p>
+            <a:pPr marL="850392" lvl="1" indent="-457200">
+              <a:buFont typeface="+mj-lt"/>
+              <a:buAutoNum type="arabicPeriod"/>
+            </a:pPr>
+            <a:r>
+              <a:rPr lang="en-US" dirty="0" smtClean="0"/>
+              <a:t>Add color numbers to each item</a:t>
             </a:r>
           </a:p>
         </p:txBody>
@@ -7466,15 +7500,36 @@
             </a:r>
           </a:p>
           <a:p>
+            <a:pPr lvl="1"/>
+            <a:r>
+              <a:rPr lang="en-US" dirty="0" smtClean="0"/>
+              <a:t>Vectors are generated from the coordinates and dimensions of the items</a:t>
+            </a:r>
+          </a:p>
+          <a:p>
             <a:r>
               <a:rPr lang="en-US" dirty="0" smtClean="0"/>
               <a:t>Polygon class</a:t>
             </a:r>
           </a:p>
           <a:p>
+            <a:pPr lvl="1"/>
+            <a:r>
+              <a:rPr lang="en-US" dirty="0" smtClean="0"/>
+              <a:t>Consists of 4 Vectors</a:t>
+            </a:r>
+          </a:p>
+          <a:p>
             <a:r>
               <a:rPr lang="en-US" dirty="0" smtClean="0"/>
               <a:t>Shape3D class</a:t>
+            </a:r>
+          </a:p>
+          <a:p>
+            <a:pPr lvl="1"/>
+            <a:r>
+              <a:rPr lang="en-US" dirty="0" smtClean="0"/>
+              <a:t>Consists of 4 Polygons</a:t>
             </a:r>
           </a:p>
           <a:p>
@@ -7506,6 +7561,35 @@
           </a:p>
         </p:txBody>
       </p:sp>
+      <p:pic>
+        <p:nvPicPr>
+          <p:cNvPr id="4" name="Billede 3"/>
+          <p:cNvPicPr>
+            <a:picLocks noChangeAspect="1"/>
+          </p:cNvPicPr>
+          <p:nvPr/>
+        </p:nvPicPr>
+        <p:blipFill rotWithShape="1">
+          <a:blip r:embed="rId3">
+            <a:extLst>
+              <a:ext uri="{28A0092B-C50C-407E-A947-70E740481C1C}">
+                <a14:useLocalDpi xmlns:a14="http://schemas.microsoft.com/office/drawing/2010/main" val="0"/>
+              </a:ext>
+            </a:extLst>
+          </a:blip>
+          <a:srcRect t="15468"/>
+          <a:stretch/>
+        </p:blipFill>
+        <p:spPr>
+          <a:xfrm>
+            <a:off x="2843808" y="5085184"/>
+            <a:ext cx="3833068" cy="1540932"/>
+          </a:xfrm>
+          <a:prstGeom prst="rect">
+            <a:avLst/>
+          </a:prstGeom>
+        </p:spPr>
+      </p:pic>
     </p:spTree>
   </p:cSld>
   <p:clrMapOvr>
@@ -8140,7 +8224,9 @@
         </p:nvSpPr>
         <p:spPr/>
         <p:txBody>
-          <a:bodyPr/>
+          <a:bodyPr>
+            <a:normAutofit fontScale="92500" lnSpcReduction="20000"/>
+          </a:bodyPr>
           <a:lstStyle/>
           <a:p>
             <a:r>
@@ -8149,16 +8235,26 @@
             </a:r>
           </a:p>
           <a:p>
+            <a:endParaRPr lang="en-US" dirty="0" smtClean="0"/>
+          </a:p>
+          <a:p>
+            <a:r>
+              <a:rPr lang="en-US" dirty="0" smtClean="0"/>
+              <a:t>Advantage of packing as a family</a:t>
+            </a:r>
             <a:endParaRPr lang="en-US" dirty="0"/>
           </a:p>
           <a:p>
+            <a:endParaRPr lang="en-US" dirty="0"/>
+          </a:p>
+          <a:p>
             <a:r>
               <a:rPr lang="en-US" dirty="0" smtClean="0"/>
-              <a:t>Forgets saving space for </a:t>
-            </a:r>
-            <a:r>
-              <a:rPr lang="en-US" dirty="0" err="1" smtClean="0"/>
-              <a:t>souveniers</a:t>
+              <a:t>Forgets saving space </a:t>
+            </a:r>
+            <a:r>
+              <a:rPr lang="en-US" smtClean="0"/>
+              <a:t>for souvenirs</a:t>
             </a:r>
             <a:endParaRPr lang="en-US" dirty="0" smtClean="0"/>
           </a:p>
@@ -8670,7 +8766,6 @@
               <a:rPr lang="da-DK" dirty="0" smtClean="0"/>
               <a:t>:</a:t>
             </a:r>
-            <a:endParaRPr lang="da-DK" dirty="0" smtClean="0"/>
           </a:p>
           <a:p>
             <a:pPr lvl="1"/>

--- a/trunk/P2 project Bag Packer Program.pptx
+++ b/trunk/P2 project Bag Packer Program.pptx
@@ -2768,14 +2768,35 @@
         <p:spPr/>
         <p:txBody>
           <a:bodyPr/>
-          <a:lstStyle/>
+          <a:lstStyle>
+            <a:lvl1pPr marL="0" marR="0" indent="0" algn="r" defTabSz="914400" rtl="0" eaLnBrk="1" fontAlgn="auto" latinLnBrk="0" hangingPunct="1">
+              <a:lnSpc>
+                <a:spcPct val="100000"/>
+              </a:lnSpc>
+              <a:spcBef>
+                <a:spcPts val="0"/>
+              </a:spcBef>
+              <a:spcAft>
+                <a:spcPts val="0"/>
+              </a:spcAft>
+              <a:buClrTx/>
+              <a:buSzTx/>
+              <a:buFontTx/>
+              <a:buNone/>
+              <a:tabLst/>
+              <a:defRPr/>
+            </a:lvl1pPr>
+          </a:lstStyle>
           <a:p>
             <a:fld id="{46B7D9C3-E229-45A3-B8AB-0AC9B1E4CE0F}" type="slidenum">
               <a:rPr lang="da-DK" smtClean="0"/>
               <a:pPr/>
               <a:t>‹nr.›</a:t>
             </a:fld>
-            <a:endParaRPr lang="da-DK" dirty="0"/>
+            <a:r>
+              <a:rPr lang="da-DK" dirty="0" smtClean="0"/>
+              <a:t> of 22</a:t>
+            </a:r>
           </a:p>
         </p:txBody>
       </p:sp>
@@ -5358,6 +5379,10 @@
               <a:pPr/>
               <a:t>‹nr.›</a:t>
             </a:fld>
+            <a:r>
+              <a:rPr lang="da-DK" dirty="0" smtClean="0"/>
+              <a:t> of 22</a:t>
+            </a:r>
             <a:endParaRPr lang="da-DK" dirty="0"/>
           </a:p>
         </p:txBody>

--- a/trunk/P2 project Bag Packer Program.pptx
+++ b/trunk/P2 project Bag Packer Program.pptx
@@ -214,7 +214,7 @@
             <a:fld id="{C7EFB693-66A7-41F6-9571-1199ADF1B2C0}" type="datetimeFigureOut">
               <a:rPr lang="da-DK" smtClean="0"/>
               <a:pPr/>
-              <a:t>20-06-2012</a:t>
+              <a:t>21-06-2012</a:t>
             </a:fld>
             <a:endParaRPr lang="da-DK" dirty="0"/>
           </a:p>
@@ -2196,7 +2196,7 @@
             <a:fld id="{8E4F6FF1-A1A9-4B90-ADF9-339648AE259C}" type="datetime1">
               <a:rPr lang="da-DK" smtClean="0"/>
               <a:pPr/>
-              <a:t>20-06-2012</a:t>
+              <a:t>21-06-2012</a:t>
             </a:fld>
             <a:endParaRPr lang="da-DK" dirty="0"/>
           </a:p>
@@ -2374,7 +2374,7 @@
             <a:fld id="{C6FA4DE7-D201-4302-B3AF-73C320ACC083}" type="datetime1">
               <a:rPr lang="da-DK" smtClean="0"/>
               <a:pPr/>
-              <a:t>20-06-2012</a:t>
+              <a:t>21-06-2012</a:t>
             </a:fld>
             <a:endParaRPr lang="da-DK" dirty="0"/>
           </a:p>
@@ -2555,7 +2555,7 @@
             <a:fld id="{41EF532B-4986-4054-A92D-30D90ECA8AF0}" type="datetime1">
               <a:rPr lang="da-DK" smtClean="0"/>
               <a:pPr/>
-              <a:t>20-06-2012</a:t>
+              <a:t>21-06-2012</a:t>
             </a:fld>
             <a:endParaRPr lang="da-DK" dirty="0"/>
           </a:p>
@@ -2726,7 +2726,7 @@
             <a:fld id="{78832C12-85A0-45FB-816F-97CF4A0F0BF1}" type="datetime1">
               <a:rPr lang="da-DK" smtClean="0"/>
               <a:pPr/>
-              <a:t>20-06-2012</a:t>
+              <a:t>21-06-2012</a:t>
             </a:fld>
             <a:endParaRPr lang="da-DK" dirty="0"/>
           </a:p>
@@ -3054,7 +3054,7 @@
             <a:fld id="{6CBA99B2-1111-4E5C-9EB2-FED458C011AB}" type="datetime1">
               <a:rPr lang="da-DK" smtClean="0"/>
               <a:pPr/>
-              <a:t>20-06-2012</a:t>
+              <a:t>21-06-2012</a:t>
             </a:fld>
             <a:endParaRPr lang="da-DK" dirty="0"/>
           </a:p>
@@ -3324,7 +3324,7 @@
             <a:fld id="{B57ABA86-2C6A-45F7-AAF4-D291F32EE6D5}" type="datetime1">
               <a:rPr lang="da-DK" smtClean="0"/>
               <a:pPr/>
-              <a:t>20-06-2012</a:t>
+              <a:t>21-06-2012</a:t>
             </a:fld>
             <a:endParaRPr lang="da-DK" dirty="0"/>
           </a:p>
@@ -3708,7 +3708,7 @@
             <a:fld id="{6744D578-53ED-40B9-A365-DE8D75EFEFDE}" type="datetime1">
               <a:rPr lang="da-DK" smtClean="0"/>
               <a:pPr/>
-              <a:t>20-06-2012</a:t>
+              <a:t>21-06-2012</a:t>
             </a:fld>
             <a:endParaRPr lang="da-DK" dirty="0"/>
           </a:p>
@@ -3864,7 +3864,7 @@
             <a:fld id="{7CD0589D-99BE-44A6-B136-D6646C17AAF9}" type="datetime1">
               <a:rPr lang="da-DK" smtClean="0"/>
               <a:pPr/>
-              <a:t>20-06-2012</a:t>
+              <a:t>21-06-2012</a:t>
             </a:fld>
             <a:endParaRPr lang="da-DK" dirty="0"/>
           </a:p>
@@ -3960,7 +3960,7 @@
             <a:fld id="{45261382-3D5B-40F8-9E18-13F245BE28F0}" type="datetime1">
               <a:rPr lang="da-DK" smtClean="0"/>
               <a:pPr/>
-              <a:t>20-06-2012</a:t>
+              <a:t>21-06-2012</a:t>
             </a:fld>
             <a:endParaRPr lang="da-DK" dirty="0"/>
           </a:p>
@@ -4227,7 +4227,7 @@
             <a:fld id="{D79CA1AA-C8CD-41B8-BA72-58138E081F2A}" type="datetime1">
               <a:rPr lang="da-DK" smtClean="0"/>
               <a:pPr/>
-              <a:t>20-06-2012</a:t>
+              <a:t>21-06-2012</a:t>
             </a:fld>
             <a:endParaRPr lang="da-DK" dirty="0"/>
           </a:p>
@@ -4521,7 +4521,7 @@
             <a:fld id="{E234FBAC-9DC0-449D-88D8-E5354CA5D288}" type="datetime1">
               <a:rPr lang="da-DK" smtClean="0"/>
               <a:pPr/>
-              <a:t>20-06-2012</a:t>
+              <a:t>21-06-2012</a:t>
             </a:fld>
             <a:endParaRPr lang="da-DK" dirty="0"/>
           </a:p>
@@ -5298,7 +5298,7 @@
             <a:fld id="{E4C1BF3D-1383-492F-8101-4413DA18A85C}" type="datetime1">
               <a:rPr lang="da-DK" smtClean="0"/>
               <a:pPr/>
-              <a:t>20-06-2012</a:t>
+              <a:t>21-06-2012</a:t>
             </a:fld>
             <a:endParaRPr lang="da-DK" dirty="0"/>
           </a:p>
@@ -9204,7 +9204,11 @@
           <a:p>
             <a:r>
               <a:rPr lang="en-US" dirty="0" smtClean="0"/>
-              <a:t>Bin Packing Problem  </a:t>
+              <a:t>Knapsack/Bin </a:t>
+            </a:r>
+            <a:r>
+              <a:rPr lang="en-US" dirty="0" smtClean="0"/>
+              <a:t>Packing Problem  </a:t>
             </a:r>
             <a:endParaRPr lang="en-US" dirty="0"/>
           </a:p>
@@ -9230,31 +9234,43 @@
           <a:bodyPr/>
           <a:lstStyle/>
           <a:p>
+            <a:endParaRPr lang="en-US" dirty="0" smtClean="0"/>
+          </a:p>
+          <a:p>
+            <a:r>
+              <a:rPr lang="en-US" dirty="0"/>
+              <a:t>Knapsack Problem</a:t>
+            </a:r>
+          </a:p>
+          <a:p>
+            <a:endParaRPr lang="en-US" dirty="0"/>
+          </a:p>
+          <a:p>
+            <a:endParaRPr lang="en-US" dirty="0" smtClean="0"/>
+          </a:p>
+          <a:p>
+            <a:endParaRPr lang="en-US" dirty="0"/>
+          </a:p>
+          <a:p>
             <a:r>
               <a:rPr lang="en-US" dirty="0" smtClean="0"/>
-              <a:t>What is the bin packing problem?</a:t>
-            </a:r>
-          </a:p>
-          <a:p>
+              <a:t>What </a:t>
+            </a:r>
             <a:r>
               <a:rPr lang="en-US" dirty="0" smtClean="0"/>
-              <a:t>Example of bin packing in 1D</a:t>
-            </a:r>
-          </a:p>
-          <a:p>
-            <a:endParaRPr lang="en-US" dirty="0"/>
-          </a:p>
-          <a:p>
+              <a:t>is the bin packing problem?</a:t>
+            </a:r>
+          </a:p>
+          <a:p>
+            <a:r>
+              <a:rPr lang="en-US" dirty="0" smtClean="0"/>
+              <a:t>Example of bin packing in </a:t>
+            </a:r>
+            <a:r>
+              <a:rPr lang="en-US" dirty="0" smtClean="0"/>
+              <a:t>1D</a:t>
+            </a:r>
             <a:endParaRPr lang="en-US" dirty="0" smtClean="0"/>
-          </a:p>
-          <a:p>
-            <a:r>
-              <a:rPr lang="en-US" dirty="0" smtClean="0"/>
-              <a:t>Knapsack Problem</a:t>
-            </a:r>
-          </a:p>
-          <a:p>
-            <a:endParaRPr lang="en-US" dirty="0"/>
           </a:p>
         </p:txBody>
       </p:sp>

--- a/trunk/P2 project Bag Packer Program.pptx
+++ b/trunk/P2 project Bag Packer Program.pptx
@@ -7520,45 +7520,56 @@
           <a:lstStyle/>
           <a:p>
             <a:r>
+              <a:rPr lang="en-US" dirty="0"/>
+              <a:t>Shape3D class</a:t>
+            </a:r>
+          </a:p>
+          <a:p>
+            <a:pPr lvl="1"/>
+            <a:r>
+              <a:rPr lang="en-US" dirty="0"/>
+              <a:t>Consists of 4 Polygons</a:t>
+            </a:r>
+          </a:p>
+          <a:p>
+            <a:r>
+              <a:rPr lang="en-US" dirty="0"/>
+              <a:t>Polygon class</a:t>
+            </a:r>
+          </a:p>
+          <a:p>
+            <a:pPr lvl="1"/>
+            <a:r>
+              <a:rPr lang="en-US" dirty="0"/>
+              <a:t>Consists of 4 </a:t>
+            </a:r>
+            <a:r>
               <a:rPr lang="en-US" dirty="0" smtClean="0"/>
-              <a:t>Vector class</a:t>
+              <a:t>Vectors</a:t>
+            </a:r>
+            <a:endParaRPr lang="en-US" dirty="0" smtClean="0"/>
+          </a:p>
+          <a:p>
+            <a:r>
+              <a:rPr lang="en-US" dirty="0" smtClean="0"/>
+              <a:t>Vector </a:t>
+            </a:r>
+            <a:r>
+              <a:rPr lang="en-US" dirty="0" smtClean="0"/>
+              <a:t>class</a:t>
             </a:r>
           </a:p>
           <a:p>
             <a:pPr lvl="1"/>
             <a:r>
               <a:rPr lang="en-US" dirty="0" smtClean="0"/>
-              <a:t>Vectors are generated from the coordinates and dimensions of the items</a:t>
-            </a:r>
-          </a:p>
-          <a:p>
+              <a:t>Vectors are generated from the coordinates and dimensions of the </a:t>
+            </a:r>
             <a:r>
               <a:rPr lang="en-US" dirty="0" smtClean="0"/>
-              <a:t>Polygon class</a:t>
-            </a:r>
-          </a:p>
-          <a:p>
-            <a:pPr lvl="1"/>
-            <a:r>
-              <a:rPr lang="en-US" dirty="0" smtClean="0"/>
-              <a:t>Consists of 4 Vectors</a:t>
-            </a:r>
-          </a:p>
-          <a:p>
-            <a:r>
-              <a:rPr lang="en-US" dirty="0" smtClean="0"/>
-              <a:t>Shape3D class</a:t>
-            </a:r>
-          </a:p>
-          <a:p>
-            <a:pPr lvl="1"/>
-            <a:r>
-              <a:rPr lang="en-US" dirty="0" smtClean="0"/>
-              <a:t>Consists of 4 Polygons</a:t>
-            </a:r>
-          </a:p>
-          <a:p>
-            <a:endParaRPr lang="en-US" dirty="0"/>
+              <a:t>items</a:t>
+            </a:r>
+            <a:endParaRPr lang="en-US" dirty="0" smtClean="0"/>
           </a:p>
         </p:txBody>
       </p:sp>
@@ -7588,9 +7599,9 @@
       </p:sp>
       <p:pic>
         <p:nvPicPr>
-          <p:cNvPr id="4" name="Billede 3"/>
+          <p:cNvPr id="1026" name="Picture 2" descr="C:\Users\numb\Desktop\Untitled.png"/>
           <p:cNvPicPr>
-            <a:picLocks noChangeAspect="1"/>
+            <a:picLocks noChangeAspect="1" noChangeArrowheads="1"/>
           </p:cNvPicPr>
           <p:nvPr/>
         </p:nvPicPr>
@@ -7602,17 +7613,27 @@
               </a:ext>
             </a:extLst>
           </a:blip>
-          <a:srcRect t="15468"/>
+          <a:srcRect t="16785"/>
           <a:stretch/>
         </p:blipFill>
-        <p:spPr>
+        <p:spPr bwMode="auto">
           <a:xfrm>
-            <a:off x="2843808" y="5085184"/>
-            <a:ext cx="3833068" cy="1540932"/>
+            <a:off x="2699792" y="5152570"/>
+            <a:ext cx="4137733" cy="1636599"/>
           </a:xfrm>
           <a:prstGeom prst="rect">
             <a:avLst/>
           </a:prstGeom>
+          <a:noFill/>
+          <a:extLst>
+            <a:ext uri="{909E8E84-426E-40DD-AFC4-6F175D3DCCD1}">
+              <a14:hiddenFill xmlns:a14="http://schemas.microsoft.com/office/drawing/2010/main">
+                <a:solidFill>
+                  <a:srgbClr val="FFFFFF"/>
+                </a:solidFill>
+              </a14:hiddenFill>
+            </a:ext>
+          </a:extLst>
         </p:spPr>
       </p:pic>
     </p:spTree>
@@ -9204,11 +9225,7 @@
           <a:p>
             <a:r>
               <a:rPr lang="en-US" dirty="0" smtClean="0"/>
-              <a:t>Knapsack/Bin </a:t>
-            </a:r>
-            <a:r>
-              <a:rPr lang="en-US" dirty="0" smtClean="0"/>
-              <a:t>Packing Problem  </a:t>
+              <a:t>Knapsack/Bin Packing Problem  </a:t>
             </a:r>
             <a:endParaRPr lang="en-US" dirty="0"/>
           </a:p>
@@ -9254,23 +9271,14 @@
           <a:p>
             <a:r>
               <a:rPr lang="en-US" dirty="0" smtClean="0"/>
-              <a:t>What </a:t>
-            </a:r>
+              <a:t>What is the bin packing problem?</a:t>
+            </a:r>
+          </a:p>
+          <a:p>
             <a:r>
               <a:rPr lang="en-US" dirty="0" smtClean="0"/>
-              <a:t>is the bin packing problem?</a:t>
-            </a:r>
-          </a:p>
-          <a:p>
-            <a:r>
-              <a:rPr lang="en-US" dirty="0" smtClean="0"/>
-              <a:t>Example of bin packing in </a:t>
-            </a:r>
-            <a:r>
-              <a:rPr lang="en-US" dirty="0" smtClean="0"/>
-              <a:t>1D</a:t>
-            </a:r>
-            <a:endParaRPr lang="en-US" dirty="0" smtClean="0"/>
+              <a:t>Example of bin packing in 1D</a:t>
+            </a:r>
           </a:p>
         </p:txBody>
       </p:sp>

--- a/trunk/P2 project Bag Packer Program.pptx
+++ b/trunk/P2 project Bag Packer Program.pptx
@@ -7449,6 +7449,47 @@
           </a:p>
         </p:txBody>
       </p:sp>
+      <p:pic>
+        <p:nvPicPr>
+          <p:cNvPr id="1026" name="Picture 2" descr="C:\Users\numb\Desktop\Capture.PNG"/>
+          <p:cNvPicPr>
+            <a:picLocks noChangeAspect="1" noChangeArrowheads="1"/>
+          </p:cNvPicPr>
+          <p:nvPr/>
+        </p:nvPicPr>
+        <p:blipFill>
+          <a:blip r:embed="rId3">
+            <a:extLst>
+              <a:ext uri="{28A0092B-C50C-407E-A947-70E740481C1C}">
+                <a14:useLocalDpi xmlns:a14="http://schemas.microsoft.com/office/drawing/2010/main" val="0"/>
+              </a:ext>
+            </a:extLst>
+          </a:blip>
+          <a:srcRect/>
+          <a:stretch>
+            <a:fillRect/>
+          </a:stretch>
+        </p:blipFill>
+        <p:spPr bwMode="auto">
+          <a:xfrm>
+            <a:off x="6084168" y="4623233"/>
+            <a:ext cx="2835995" cy="1852078"/>
+          </a:xfrm>
+          <a:prstGeom prst="rect">
+            <a:avLst/>
+          </a:prstGeom>
+          <a:noFill/>
+          <a:extLst>
+            <a:ext uri="{909E8E84-426E-40DD-AFC4-6F175D3DCCD1}">
+              <a14:hiddenFill xmlns:a14="http://schemas.microsoft.com/office/drawing/2010/main">
+                <a:solidFill>
+                  <a:srgbClr val="FFFFFF"/>
+                </a:solidFill>
+              </a14:hiddenFill>
+            </a:ext>
+          </a:extLst>
+        </p:spPr>
+      </p:pic>
     </p:spTree>
   </p:cSld>
   <p:clrMapOvr>
@@ -7547,29 +7588,19 @@
               <a:rPr lang="en-US" dirty="0" smtClean="0"/>
               <a:t>Vectors</a:t>
             </a:r>
-            <a:endParaRPr lang="en-US" dirty="0" smtClean="0"/>
           </a:p>
           <a:p>
             <a:r>
               <a:rPr lang="en-US" dirty="0" smtClean="0"/>
-              <a:t>Vector </a:t>
-            </a:r>
+              <a:t>Vector class</a:t>
+            </a:r>
+          </a:p>
+          <a:p>
+            <a:pPr lvl="1"/>
             <a:r>
               <a:rPr lang="en-US" dirty="0" smtClean="0"/>
-              <a:t>class</a:t>
-            </a:r>
-          </a:p>
-          <a:p>
-            <a:pPr lvl="1"/>
-            <a:r>
-              <a:rPr lang="en-US" dirty="0" smtClean="0"/>
-              <a:t>Vectors are generated from the coordinates and dimensions of the </a:t>
-            </a:r>
-            <a:r>
-              <a:rPr lang="en-US" dirty="0" smtClean="0"/>
-              <a:t>items</a:t>
-            </a:r>
-            <a:endParaRPr lang="en-US" dirty="0" smtClean="0"/>
+              <a:t>Vectors are generated from the coordinates and dimensions of the items</a:t>
+            </a:r>
           </a:p>
         </p:txBody>
       </p:sp>

--- a/trunk/P2 project Bag Packer Program.pptx
+++ b/trunk/P2 project Bag Packer Program.pptx
@@ -5,7 +5,7 @@
     <p:sldMasterId id="2147483660" r:id="rId1"/>
   </p:sldMasterIdLst>
   <p:notesMasterIdLst>
-    <p:notesMasterId r:id="rId26"/>
+    <p:notesMasterId r:id="rId25"/>
   </p:notesMasterIdLst>
   <p:sldIdLst>
     <p:sldId id="256" r:id="rId2"/>
@@ -29,9 +29,8 @@
     <p:sldId id="274" r:id="rId20"/>
     <p:sldId id="269" r:id="rId21"/>
     <p:sldId id="270" r:id="rId22"/>
-    <p:sldId id="280" r:id="rId23"/>
-    <p:sldId id="279" r:id="rId24"/>
-    <p:sldId id="272" r:id="rId25"/>
+    <p:sldId id="279" r:id="rId23"/>
+    <p:sldId id="272" r:id="rId24"/>
   </p:sldIdLst>
   <p:sldSz cx="9144000" cy="6858000" type="screen4x3"/>
   <p:notesSz cx="6858000" cy="9144000"/>
@@ -216,7 +215,7 @@
             <a:fld id="{C7EFB693-66A7-41F6-9571-1199ADF1B2C0}" type="datetimeFigureOut">
               <a:rPr lang="da-DK" smtClean="0"/>
               <a:pPr/>
-              <a:t>21-06-2012</a:t>
+              <a:t>22-06-2012</a:t>
             </a:fld>
             <a:endParaRPr lang="da-DK" dirty="0"/>
           </a:p>
@@ -376,7 +375,7 @@
             <a:fld id="{695A5EAE-DCAC-445C-853E-A9B72C5FA05B}" type="slidenum">
               <a:rPr lang="da-DK" smtClean="0"/>
               <a:pPr/>
-              <a:t>‹#›</a:t>
+              <a:t>‹nr.›</a:t>
             </a:fld>
             <a:endParaRPr lang="da-DK" dirty="0"/>
           </a:p>
@@ -1306,7 +1305,7 @@
     </p:spTree>
     <p:extLst>
       <p:ext uri="{BB962C8B-B14F-4D97-AF65-F5344CB8AC3E}">
-        <p14:creationId xmlns:p14="http://schemas.microsoft.com/office/powerpoint/2010/main" val="1326573155"/>
+        <p14:creationId xmlns:p14="http://schemas.microsoft.com/office/powerpoint/2010/main" val="1615565020"/>
       </p:ext>
     </p:extLst>
   </p:cSld>
@@ -1335,7 +1334,7 @@
       </p:grpSpPr>
       <p:sp>
         <p:nvSpPr>
-          <p:cNvPr id="2" name="Slide Image Placeholder 1"/>
+          <p:cNvPr id="2" name="Pladsholder til diasbillede 1"/>
           <p:cNvSpPr>
             <a:spLocks noGrp="1" noRot="1" noChangeAspect="1"/>
           </p:cNvSpPr>
@@ -1347,7 +1346,7 @@
       </p:sp>
       <p:sp>
         <p:nvSpPr>
-          <p:cNvPr id="3" name="Notes Placeholder 2"/>
+          <p:cNvPr id="3" name="Pladsholder til noter 2"/>
           <p:cNvSpPr>
             <a:spLocks noGrp="1"/>
           </p:cNvSpPr>
@@ -1362,15 +1361,15 @@
           <a:p>
             <a:r>
               <a:rPr lang="da-DK" dirty="0" smtClean="0"/>
-              <a:t>Dagowich</a:t>
-            </a:r>
-            <a:endParaRPr lang="da-DK" dirty="0"/>
-          </a:p>
-        </p:txBody>
-      </p:sp>
-      <p:sp>
-        <p:nvSpPr>
-          <p:cNvPr id="4" name="Slide Number Placeholder 3"/>
+              <a:t>Kappers</a:t>
+            </a:r>
+            <a:endParaRPr lang="da-DK" dirty="0"/>
+          </a:p>
+        </p:txBody>
+      </p:sp>
+      <p:sp>
+        <p:nvSpPr>
+          <p:cNvPr id="4" name="Pladsholder til diasnummer 3"/>
           <p:cNvSpPr>
             <a:spLocks noGrp="1"/>
           </p:cNvSpPr>
@@ -1387,95 +1386,6 @@
               <a:rPr lang="da-DK" smtClean="0"/>
               <a:pPr/>
               <a:t>23</a:t>
-            </a:fld>
-            <a:endParaRPr lang="da-DK" dirty="0"/>
-          </a:p>
-        </p:txBody>
-      </p:sp>
-    </p:spTree>
-    <p:extLst>
-      <p:ext uri="{BB962C8B-B14F-4D97-AF65-F5344CB8AC3E}">
-        <p14:creationId xmlns:p14="http://schemas.microsoft.com/office/powerpoint/2010/main" val="1615565020"/>
-      </p:ext>
-    </p:extLst>
-  </p:cSld>
-  <p:clrMapOvr>
-    <a:masterClrMapping/>
-  </p:clrMapOvr>
-</p:notes>
-</file>
-
-<file path=ppt/notesSlides/notesSlide19.xml><?xml version="1.0" encoding="utf-8"?>
-<p:notes xmlns:a="http://schemas.openxmlformats.org/drawingml/2006/main" xmlns:r="http://schemas.openxmlformats.org/officeDocument/2006/relationships" xmlns:p="http://schemas.openxmlformats.org/presentationml/2006/main">
-  <p:cSld>
-    <p:spTree>
-      <p:nvGrpSpPr>
-        <p:cNvPr id="1" name=""/>
-        <p:cNvGrpSpPr/>
-        <p:nvPr/>
-      </p:nvGrpSpPr>
-      <p:grpSpPr>
-        <a:xfrm>
-          <a:off x="0" y="0"/>
-          <a:ext cx="0" cy="0"/>
-          <a:chOff x="0" y="0"/>
-          <a:chExt cx="0" cy="0"/>
-        </a:xfrm>
-      </p:grpSpPr>
-      <p:sp>
-        <p:nvSpPr>
-          <p:cNvPr id="2" name="Pladsholder til diasbillede 1"/>
-          <p:cNvSpPr>
-            <a:spLocks noGrp="1" noRot="1" noChangeAspect="1"/>
-          </p:cNvSpPr>
-          <p:nvPr>
-            <p:ph type="sldImg"/>
-          </p:nvPr>
-        </p:nvSpPr>
-        <p:spPr/>
-      </p:sp>
-      <p:sp>
-        <p:nvSpPr>
-          <p:cNvPr id="3" name="Pladsholder til noter 2"/>
-          <p:cNvSpPr>
-            <a:spLocks noGrp="1"/>
-          </p:cNvSpPr>
-          <p:nvPr>
-            <p:ph type="body" idx="1"/>
-          </p:nvPr>
-        </p:nvSpPr>
-        <p:spPr/>
-        <p:txBody>
-          <a:bodyPr/>
-          <a:lstStyle/>
-          <a:p>
-            <a:r>
-              <a:rPr lang="da-DK" dirty="0" smtClean="0"/>
-              <a:t>Kappers</a:t>
-            </a:r>
-            <a:endParaRPr lang="da-DK" dirty="0"/>
-          </a:p>
-        </p:txBody>
-      </p:sp>
-      <p:sp>
-        <p:nvSpPr>
-          <p:cNvPr id="4" name="Pladsholder til diasnummer 3"/>
-          <p:cNvSpPr>
-            <a:spLocks noGrp="1"/>
-          </p:cNvSpPr>
-          <p:nvPr>
-            <p:ph type="sldNum" sz="quarter" idx="10"/>
-          </p:nvPr>
-        </p:nvSpPr>
-        <p:spPr/>
-        <p:txBody>
-          <a:bodyPr/>
-          <a:lstStyle/>
-          <a:p>
-            <a:fld id="{695A5EAE-DCAC-445C-853E-A9B72C5FA05B}" type="slidenum">
-              <a:rPr lang="da-DK" smtClean="0"/>
-              <a:pPr/>
-              <a:t>24</a:t>
             </a:fld>
             <a:endParaRPr lang="da-DK" dirty="0"/>
           </a:p>
@@ -2376,7 +2286,7 @@
             <a:fld id="{8E4F6FF1-A1A9-4B90-ADF9-339648AE259C}" type="datetime1">
               <a:rPr lang="da-DK" smtClean="0"/>
               <a:pPr/>
-              <a:t>21-06-2012</a:t>
+              <a:t>22-06-2012</a:t>
             </a:fld>
             <a:endParaRPr lang="da-DK" dirty="0"/>
           </a:p>
@@ -2423,7 +2333,7 @@
             <a:fld id="{46B7D9C3-E229-45A3-B8AB-0AC9B1E4CE0F}" type="slidenum">
               <a:rPr lang="da-DK" smtClean="0"/>
               <a:pPr/>
-              <a:t>‹#›</a:t>
+              <a:t>‹nr.›</a:t>
             </a:fld>
             <a:endParaRPr lang="da-DK" dirty="0"/>
           </a:p>
@@ -2554,7 +2464,7 @@
             <a:fld id="{C6FA4DE7-D201-4302-B3AF-73C320ACC083}" type="datetime1">
               <a:rPr lang="da-DK" smtClean="0"/>
               <a:pPr/>
-              <a:t>21-06-2012</a:t>
+              <a:t>22-06-2012</a:t>
             </a:fld>
             <a:endParaRPr lang="da-DK" dirty="0"/>
           </a:p>
@@ -2601,7 +2511,7 @@
             <a:fld id="{46B7D9C3-E229-45A3-B8AB-0AC9B1E4CE0F}" type="slidenum">
               <a:rPr lang="da-DK" smtClean="0"/>
               <a:pPr/>
-              <a:t>‹#›</a:t>
+              <a:t>‹nr.›</a:t>
             </a:fld>
             <a:endParaRPr lang="da-DK" dirty="0"/>
           </a:p>
@@ -2735,7 +2645,7 @@
             <a:fld id="{41EF532B-4986-4054-A92D-30D90ECA8AF0}" type="datetime1">
               <a:rPr lang="da-DK" smtClean="0"/>
               <a:pPr/>
-              <a:t>21-06-2012</a:t>
+              <a:t>22-06-2012</a:t>
             </a:fld>
             <a:endParaRPr lang="da-DK" dirty="0"/>
           </a:p>
@@ -2782,7 +2692,7 @@
             <a:fld id="{46B7D9C3-E229-45A3-B8AB-0AC9B1E4CE0F}" type="slidenum">
               <a:rPr lang="da-DK" smtClean="0"/>
               <a:pPr/>
-              <a:t>‹#›</a:t>
+              <a:t>‹nr.›</a:t>
             </a:fld>
             <a:endParaRPr lang="da-DK" dirty="0"/>
           </a:p>
@@ -2906,7 +2816,7 @@
             <a:fld id="{78832C12-85A0-45FB-816F-97CF4A0F0BF1}" type="datetime1">
               <a:rPr lang="da-DK" smtClean="0"/>
               <a:pPr/>
-              <a:t>21-06-2012</a:t>
+              <a:t>22-06-2012</a:t>
             </a:fld>
             <a:endParaRPr lang="da-DK" dirty="0"/>
           </a:p>
@@ -2971,7 +2881,7 @@
             <a:fld id="{46B7D9C3-E229-45A3-B8AB-0AC9B1E4CE0F}" type="slidenum">
               <a:rPr lang="da-DK" smtClean="0"/>
               <a:pPr/>
-              <a:t>‹#›</a:t>
+              <a:t>‹nr.›</a:t>
             </a:fld>
             <a:r>
               <a:rPr lang="da-DK" dirty="0" smtClean="0"/>
@@ -3234,7 +3144,7 @@
             <a:fld id="{6CBA99B2-1111-4E5C-9EB2-FED458C011AB}" type="datetime1">
               <a:rPr lang="da-DK" smtClean="0"/>
               <a:pPr/>
-              <a:t>21-06-2012</a:t>
+              <a:t>22-06-2012</a:t>
             </a:fld>
             <a:endParaRPr lang="da-DK" dirty="0"/>
           </a:p>
@@ -3281,7 +3191,7 @@
             <a:fld id="{46B7D9C3-E229-45A3-B8AB-0AC9B1E4CE0F}" type="slidenum">
               <a:rPr lang="da-DK" smtClean="0"/>
               <a:pPr/>
-              <a:t>‹#›</a:t>
+              <a:t>‹nr.›</a:t>
             </a:fld>
             <a:endParaRPr lang="da-DK" dirty="0"/>
           </a:p>
@@ -3504,7 +3414,7 @@
             <a:fld id="{B57ABA86-2C6A-45F7-AAF4-D291F32EE6D5}" type="datetime1">
               <a:rPr lang="da-DK" smtClean="0"/>
               <a:pPr/>
-              <a:t>21-06-2012</a:t>
+              <a:t>22-06-2012</a:t>
             </a:fld>
             <a:endParaRPr lang="da-DK" dirty="0"/>
           </a:p>
@@ -3551,7 +3461,7 @@
             <a:fld id="{46B7D9C3-E229-45A3-B8AB-0AC9B1E4CE0F}" type="slidenum">
               <a:rPr lang="da-DK" smtClean="0"/>
               <a:pPr/>
-              <a:t>‹#›</a:t>
+              <a:t>‹nr.›</a:t>
             </a:fld>
             <a:endParaRPr lang="da-DK" dirty="0"/>
           </a:p>
@@ -3888,7 +3798,7 @@
             <a:fld id="{6744D578-53ED-40B9-A365-DE8D75EFEFDE}" type="datetime1">
               <a:rPr lang="da-DK" smtClean="0"/>
               <a:pPr/>
-              <a:t>21-06-2012</a:t>
+              <a:t>22-06-2012</a:t>
             </a:fld>
             <a:endParaRPr lang="da-DK" dirty="0"/>
           </a:p>
@@ -3935,7 +3845,7 @@
             <a:fld id="{46B7D9C3-E229-45A3-B8AB-0AC9B1E4CE0F}" type="slidenum">
               <a:rPr lang="da-DK" smtClean="0"/>
               <a:pPr/>
-              <a:t>‹#›</a:t>
+              <a:t>‹nr.›</a:t>
             </a:fld>
             <a:endParaRPr lang="da-DK" dirty="0"/>
           </a:p>
@@ -4044,7 +3954,7 @@
             <a:fld id="{7CD0589D-99BE-44A6-B136-D6646C17AAF9}" type="datetime1">
               <a:rPr lang="da-DK" smtClean="0"/>
               <a:pPr/>
-              <a:t>21-06-2012</a:t>
+              <a:t>22-06-2012</a:t>
             </a:fld>
             <a:endParaRPr lang="da-DK" dirty="0"/>
           </a:p>
@@ -4091,7 +4001,7 @@
             <a:fld id="{46B7D9C3-E229-45A3-B8AB-0AC9B1E4CE0F}" type="slidenum">
               <a:rPr lang="da-DK" smtClean="0"/>
               <a:pPr/>
-              <a:t>‹#›</a:t>
+              <a:t>‹nr.›</a:t>
             </a:fld>
             <a:endParaRPr lang="da-DK" dirty="0"/>
           </a:p>
@@ -4140,7 +4050,7 @@
             <a:fld id="{45261382-3D5B-40F8-9E18-13F245BE28F0}" type="datetime1">
               <a:rPr lang="da-DK" smtClean="0"/>
               <a:pPr/>
-              <a:t>21-06-2012</a:t>
+              <a:t>22-06-2012</a:t>
             </a:fld>
             <a:endParaRPr lang="da-DK" dirty="0"/>
           </a:p>
@@ -4187,7 +4097,7 @@
             <a:fld id="{46B7D9C3-E229-45A3-B8AB-0AC9B1E4CE0F}" type="slidenum">
               <a:rPr lang="da-DK" smtClean="0"/>
               <a:pPr/>
-              <a:t>‹#›</a:t>
+              <a:t>‹nr.›</a:t>
             </a:fld>
             <a:endParaRPr lang="da-DK" dirty="0"/>
           </a:p>
@@ -4407,7 +4317,7 @@
             <a:fld id="{D79CA1AA-C8CD-41B8-BA72-58138E081F2A}" type="datetime1">
               <a:rPr lang="da-DK" smtClean="0"/>
               <a:pPr/>
-              <a:t>21-06-2012</a:t>
+              <a:t>22-06-2012</a:t>
             </a:fld>
             <a:endParaRPr lang="da-DK" dirty="0"/>
           </a:p>
@@ -4454,7 +4364,7 @@
             <a:fld id="{46B7D9C3-E229-45A3-B8AB-0AC9B1E4CE0F}" type="slidenum">
               <a:rPr lang="da-DK" smtClean="0"/>
               <a:pPr/>
-              <a:t>‹#›</a:t>
+              <a:t>‹nr.›</a:t>
             </a:fld>
             <a:endParaRPr lang="da-DK" dirty="0"/>
           </a:p>
@@ -4701,7 +4611,7 @@
             <a:fld id="{E234FBAC-9DC0-449D-88D8-E5354CA5D288}" type="datetime1">
               <a:rPr lang="da-DK" smtClean="0"/>
               <a:pPr/>
-              <a:t>21-06-2012</a:t>
+              <a:t>22-06-2012</a:t>
             </a:fld>
             <a:endParaRPr lang="da-DK" dirty="0"/>
           </a:p>
@@ -4753,7 +4663,7 @@
             <a:fld id="{46B7D9C3-E229-45A3-B8AB-0AC9B1E4CE0F}" type="slidenum">
               <a:rPr lang="da-DK" smtClean="0"/>
               <a:pPr/>
-              <a:t>‹#›</a:t>
+              <a:t>‹nr.›</a:t>
             </a:fld>
             <a:endParaRPr lang="da-DK" dirty="0"/>
           </a:p>
@@ -5478,7 +5388,7 @@
             <a:fld id="{E4C1BF3D-1383-492F-8101-4413DA18A85C}" type="datetime1">
               <a:rPr lang="da-DK" smtClean="0"/>
               <a:pPr/>
-              <a:t>21-06-2012</a:t>
+              <a:t>22-06-2012</a:t>
             </a:fld>
             <a:endParaRPr lang="da-DK" dirty="0"/>
           </a:p>
@@ -5557,7 +5467,7 @@
             <a:fld id="{46B7D9C3-E229-45A3-B8AB-0AC9B1E4CE0F}" type="slidenum">
               <a:rPr lang="da-DK" smtClean="0"/>
               <a:pPr/>
-              <a:t>‹#›</a:t>
+              <a:t>‹nr.›</a:t>
             </a:fld>
             <a:r>
               <a:rPr lang="da-DK" dirty="0" smtClean="0"/>
@@ -7458,6 +7368,47 @@
           </a:p>
         </p:txBody>
       </p:sp>
+      <p:pic>
+        <p:nvPicPr>
+          <p:cNvPr id="6" name="Picture 2" descr="C:\Users\numb\Desktop\Capture.PNG"/>
+          <p:cNvPicPr>
+            <a:picLocks noChangeAspect="1" noChangeArrowheads="1"/>
+          </p:cNvPicPr>
+          <p:nvPr/>
+        </p:nvPicPr>
+        <p:blipFill>
+          <a:blip r:embed="rId2">
+            <a:extLst>
+              <a:ext uri="{28A0092B-C50C-407E-A947-70E740481C1C}">
+                <a14:useLocalDpi xmlns:a14="http://schemas.microsoft.com/office/drawing/2010/main" val="0"/>
+              </a:ext>
+            </a:extLst>
+          </a:blip>
+          <a:srcRect/>
+          <a:stretch>
+            <a:fillRect/>
+          </a:stretch>
+        </p:blipFill>
+        <p:spPr bwMode="auto">
+          <a:xfrm>
+            <a:off x="6084167" y="4653136"/>
+            <a:ext cx="2835995" cy="1852078"/>
+          </a:xfrm>
+          <a:prstGeom prst="rect">
+            <a:avLst/>
+          </a:prstGeom>
+          <a:noFill/>
+          <a:extLst>
+            <a:ext uri="{909E8E84-426E-40DD-AFC4-6F175D3DCCD1}">
+              <a14:hiddenFill xmlns:a14="http://schemas.microsoft.com/office/drawing/2010/main">
+                <a:solidFill>
+                  <a:srgbClr val="FFFFFF"/>
+                </a:solidFill>
+              </a14:hiddenFill>
+            </a:ext>
+          </a:extLst>
+        </p:spPr>
+      </p:pic>
     </p:spTree>
     <p:extLst>
       <p:ext uri="{BB962C8B-B14F-4D97-AF65-F5344CB8AC3E}">
@@ -7652,7 +7603,7 @@
         </p:blipFill>
         <p:spPr bwMode="auto">
           <a:xfrm>
-            <a:off x="6084168" y="4623233"/>
+            <a:off x="6084167" y="4623233"/>
             <a:ext cx="2835995" cy="1852078"/>
           </a:xfrm>
           <a:prstGeom prst="rect">
@@ -8225,10 +8176,25 @@
               <a:rPr lang="en-US" dirty="0" smtClean="0"/>
               <a:t>GUI</a:t>
             </a:r>
-            <a:endParaRPr lang="en-US" dirty="0" smtClean="0"/>
-          </a:p>
-          <a:p>
-            <a:endParaRPr lang="en-US" dirty="0"/>
+          </a:p>
+          <a:p>
+            <a:r>
+              <a:rPr lang="da-DK" dirty="0"/>
+              <a:t>Visual Studio</a:t>
+            </a:r>
+          </a:p>
+          <a:p>
+            <a:r>
+              <a:rPr lang="da-DK" dirty="0"/>
+              <a:t>C#</a:t>
+            </a:r>
+          </a:p>
+          <a:p>
+            <a:r>
+              <a:rPr lang="da-DK" dirty="0" smtClean="0"/>
+              <a:t>Interface</a:t>
+            </a:r>
+            <a:endParaRPr lang="da-DK" dirty="0"/>
           </a:p>
         </p:txBody>
       </p:sp>
@@ -8304,8 +8270,8 @@
           <a:lstStyle/>
           <a:p>
             <a:r>
-              <a:rPr lang="da-DK" b="1" dirty="0" smtClean="0"/>
-              <a:t>Perspectives</a:t>
+              <a:rPr lang="en-US" b="1" dirty="0"/>
+              <a:t>Conclusion</a:t>
             </a:r>
             <a:endParaRPr lang="da-DK" b="1" dirty="0"/>
           </a:p>
@@ -8328,19 +8294,13 @@
           <a:p>
             <a:r>
               <a:rPr lang="da-DK" dirty="0" smtClean="0"/>
-              <a:t>Visual Studio</a:t>
+              <a:t>Packs suitcases correct</a:t>
             </a:r>
           </a:p>
           <a:p>
             <a:r>
               <a:rPr lang="da-DK" dirty="0" smtClean="0"/>
-              <a:t>C#</a:t>
-            </a:r>
-          </a:p>
-          <a:p>
-            <a:r>
-              <a:rPr lang="da-DK" dirty="0" smtClean="0"/>
-              <a:t>Interface</a:t>
+              <a:t>Problem statement solved</a:t>
             </a:r>
             <a:endParaRPr lang="da-DK" dirty="0"/>
           </a:p>
@@ -8370,14 +8330,13 @@
               <a:rPr lang="da-DK" dirty="0" smtClean="0"/>
               <a:t> </a:t>
             </a:r>
-            <a:endParaRPr lang="da-DK" dirty="0" smtClean="0"/>
           </a:p>
         </p:txBody>
       </p:sp>
     </p:spTree>
     <p:extLst>
       <p:ext uri="{BB962C8B-B14F-4D97-AF65-F5344CB8AC3E}">
-        <p14:creationId xmlns:p14="http://schemas.microsoft.com/office/powerpoint/2010/main" val="1412865499"/>
+        <p14:creationId xmlns:p14="http://schemas.microsoft.com/office/powerpoint/2010/main" val="2593578883"/>
       </p:ext>
     </p:extLst>
   </p:cSld>
@@ -8406,7 +8365,7 @@
       </p:grpSpPr>
       <p:sp>
         <p:nvSpPr>
-          <p:cNvPr id="2" name="Title 1"/>
+          <p:cNvPr id="2" name="Titel 1"/>
           <p:cNvSpPr>
             <a:spLocks noGrp="1"/>
           </p:cNvSpPr>
@@ -8420,45 +8379,95 @@
           <a:lstStyle/>
           <a:p>
             <a:r>
+              <a:rPr lang="en-US" b="1" dirty="0" smtClean="0"/>
+              <a:t>Process Analysis</a:t>
+            </a:r>
+            <a:endParaRPr lang="en-US" dirty="0"/>
+          </a:p>
+        </p:txBody>
+      </p:sp>
+      <p:sp>
+        <p:nvSpPr>
+          <p:cNvPr id="3" name="Pladsholder til indhold 2"/>
+          <p:cNvSpPr>
+            <a:spLocks noGrp="1"/>
+          </p:cNvSpPr>
+          <p:nvPr>
+            <p:ph idx="1"/>
+          </p:nvPr>
+        </p:nvSpPr>
+        <p:spPr/>
+        <p:txBody>
+          <a:bodyPr/>
+          <a:lstStyle/>
+          <a:p>
+            <a:r>
+              <a:rPr lang="en-US" b="1" dirty="0" smtClean="0"/>
+              <a:t>Project planning</a:t>
+            </a:r>
+          </a:p>
+          <a:p>
+            <a:r>
               <a:rPr lang="en-US" b="1" dirty="0"/>
+              <a:t>Group </a:t>
+            </a:r>
+            <a:r>
+              <a:rPr lang="en-US" b="1" dirty="0" smtClean="0"/>
+              <a:t>Work</a:t>
+            </a:r>
+          </a:p>
+          <a:p>
+            <a:r>
+              <a:rPr lang="en-US" b="1" dirty="0"/>
+              <a:t>Collaboration </a:t>
+            </a:r>
+            <a:r>
+              <a:rPr lang="en-US" b="1" dirty="0" smtClean="0"/>
+              <a:t>with Supervisors</a:t>
+            </a:r>
+          </a:p>
+          <a:p>
+            <a:r>
+              <a:rPr lang="en-US" b="1" dirty="0"/>
+              <a:t>Process of </a:t>
+            </a:r>
+            <a:r>
+              <a:rPr lang="en-US" b="1" dirty="0" smtClean="0"/>
+              <a:t>Learning</a:t>
+            </a:r>
+          </a:p>
+          <a:p>
+            <a:r>
+              <a:rPr lang="en-US" b="1" dirty="0"/>
+              <a:t>Discussion and </a:t>
+            </a:r>
+            <a:r>
+              <a:rPr lang="en-US" b="1" dirty="0" smtClean="0"/>
+              <a:t>Putting Things </a:t>
+            </a:r>
+            <a:r>
+              <a:rPr lang="en-US" b="1" dirty="0"/>
+              <a:t>into </a:t>
+            </a:r>
+            <a:r>
+              <a:rPr lang="en-US" b="1" dirty="0" smtClean="0"/>
+              <a:t>Perspective</a:t>
+            </a:r>
+          </a:p>
+          <a:p>
+            <a:r>
+              <a:rPr lang="en-US" b="1" dirty="0" smtClean="0"/>
               <a:t>Conclusion</a:t>
             </a:r>
-            <a:endParaRPr lang="da-DK" b="1" dirty="0"/>
-          </a:p>
-        </p:txBody>
-      </p:sp>
-      <p:sp>
-        <p:nvSpPr>
-          <p:cNvPr id="3" name="Content Placeholder 2"/>
-          <p:cNvSpPr>
-            <a:spLocks noGrp="1"/>
-          </p:cNvSpPr>
-          <p:nvPr>
-            <p:ph idx="1"/>
-          </p:nvPr>
-        </p:nvSpPr>
-        <p:spPr/>
-        <p:txBody>
-          <a:bodyPr/>
-          <a:lstStyle/>
-          <a:p>
-            <a:r>
-              <a:rPr lang="da-DK" dirty="0" smtClean="0"/>
-              <a:t>Packs suitcases correct</a:t>
-            </a:r>
-          </a:p>
-          <a:p>
-            <a:r>
-              <a:rPr lang="da-DK" dirty="0" smtClean="0"/>
-              <a:t>Problem statement solved</a:t>
-            </a:r>
-            <a:endParaRPr lang="da-DK" dirty="0"/>
-          </a:p>
-        </p:txBody>
-      </p:sp>
-      <p:sp>
-        <p:nvSpPr>
-          <p:cNvPr id="4" name="Slide Number Placeholder 3"/>
+          </a:p>
+          <a:p>
+            <a:endParaRPr lang="en-US" dirty="0"/>
+          </a:p>
+        </p:txBody>
+      </p:sp>
+      <p:sp>
+        <p:nvSpPr>
+          <p:cNvPr id="5" name="Pladsholder til diasnummer 4"/>
           <p:cNvSpPr>
             <a:spLocks noGrp="1"/>
           </p:cNvSpPr>
@@ -8475,166 +8484,6 @@
               <a:rPr lang="da-DK" smtClean="0"/>
               <a:pPr/>
               <a:t>23</a:t>
-            </a:fld>
-            <a:r>
-              <a:rPr lang="da-DK" dirty="0" smtClean="0"/>
-              <a:t> </a:t>
-            </a:r>
-            <a:endParaRPr lang="da-DK" dirty="0" smtClean="0"/>
-          </a:p>
-        </p:txBody>
-      </p:sp>
-    </p:spTree>
-    <p:extLst>
-      <p:ext uri="{BB962C8B-B14F-4D97-AF65-F5344CB8AC3E}">
-        <p14:creationId xmlns:p14="http://schemas.microsoft.com/office/powerpoint/2010/main" val="2593578883"/>
-      </p:ext>
-    </p:extLst>
-  </p:cSld>
-  <p:clrMapOvr>
-    <a:masterClrMapping/>
-  </p:clrMapOvr>
-</p:sld>
-</file>
-
-<file path=ppt/slides/slide24.xml><?xml version="1.0" encoding="utf-8"?>
-<p:sld xmlns:a="http://schemas.openxmlformats.org/drawingml/2006/main" xmlns:r="http://schemas.openxmlformats.org/officeDocument/2006/relationships" xmlns:p="http://schemas.openxmlformats.org/presentationml/2006/main">
-  <p:cSld>
-    <p:spTree>
-      <p:nvGrpSpPr>
-        <p:cNvPr id="1" name=""/>
-        <p:cNvGrpSpPr/>
-        <p:nvPr/>
-      </p:nvGrpSpPr>
-      <p:grpSpPr>
-        <a:xfrm>
-          <a:off x="0" y="0"/>
-          <a:ext cx="0" cy="0"/>
-          <a:chOff x="0" y="0"/>
-          <a:chExt cx="0" cy="0"/>
-        </a:xfrm>
-      </p:grpSpPr>
-      <p:sp>
-        <p:nvSpPr>
-          <p:cNvPr id="2" name="Titel 1"/>
-          <p:cNvSpPr>
-            <a:spLocks noGrp="1"/>
-          </p:cNvSpPr>
-          <p:nvPr>
-            <p:ph type="title"/>
-          </p:nvPr>
-        </p:nvSpPr>
-        <p:spPr/>
-        <p:txBody>
-          <a:bodyPr/>
-          <a:lstStyle/>
-          <a:p>
-            <a:r>
-              <a:rPr lang="en-US" b="1" dirty="0" smtClean="0"/>
-              <a:t>Process Analysis</a:t>
-            </a:r>
-            <a:endParaRPr lang="en-US" dirty="0"/>
-          </a:p>
-        </p:txBody>
-      </p:sp>
-      <p:sp>
-        <p:nvSpPr>
-          <p:cNvPr id="3" name="Pladsholder til indhold 2"/>
-          <p:cNvSpPr>
-            <a:spLocks noGrp="1"/>
-          </p:cNvSpPr>
-          <p:nvPr>
-            <p:ph idx="1"/>
-          </p:nvPr>
-        </p:nvSpPr>
-        <p:spPr/>
-        <p:txBody>
-          <a:bodyPr/>
-          <a:lstStyle/>
-          <a:p>
-            <a:r>
-              <a:rPr lang="en-US" b="1" dirty="0" smtClean="0"/>
-              <a:t>Project planning</a:t>
-            </a:r>
-          </a:p>
-          <a:p>
-            <a:r>
-              <a:rPr lang="en-US" b="1" dirty="0"/>
-              <a:t>Group </a:t>
-            </a:r>
-            <a:r>
-              <a:rPr lang="en-US" b="1" dirty="0" smtClean="0"/>
-              <a:t>Work</a:t>
-            </a:r>
-          </a:p>
-          <a:p>
-            <a:r>
-              <a:rPr lang="en-US" b="1" dirty="0"/>
-              <a:t>Collaboration </a:t>
-            </a:r>
-            <a:r>
-              <a:rPr lang="en-US" b="1" dirty="0" smtClean="0"/>
-              <a:t>with Supervisors</a:t>
-            </a:r>
-          </a:p>
-          <a:p>
-            <a:r>
-              <a:rPr lang="en-US" b="1" dirty="0"/>
-              <a:t>Process of </a:t>
-            </a:r>
-            <a:r>
-              <a:rPr lang="en-US" b="1" dirty="0" smtClean="0"/>
-              <a:t>Learning</a:t>
-            </a:r>
-          </a:p>
-          <a:p>
-            <a:r>
-              <a:rPr lang="en-US" b="1" dirty="0"/>
-              <a:t>Discussion and </a:t>
-            </a:r>
-            <a:r>
-              <a:rPr lang="en-US" b="1" dirty="0" smtClean="0"/>
-              <a:t>Putting Things </a:t>
-            </a:r>
-            <a:r>
-              <a:rPr lang="en-US" b="1" dirty="0"/>
-              <a:t>into </a:t>
-            </a:r>
-            <a:r>
-              <a:rPr lang="en-US" b="1" dirty="0" smtClean="0"/>
-              <a:t>Perspective</a:t>
-            </a:r>
-          </a:p>
-          <a:p>
-            <a:r>
-              <a:rPr lang="en-US" b="1" dirty="0" smtClean="0"/>
-              <a:t>Conclusion</a:t>
-            </a:r>
-          </a:p>
-          <a:p>
-            <a:endParaRPr lang="en-US" dirty="0"/>
-          </a:p>
-        </p:txBody>
-      </p:sp>
-      <p:sp>
-        <p:nvSpPr>
-          <p:cNvPr id="5" name="Pladsholder til diasnummer 4"/>
-          <p:cNvSpPr>
-            <a:spLocks noGrp="1"/>
-          </p:cNvSpPr>
-          <p:nvPr>
-            <p:ph type="sldNum" sz="quarter" idx="12"/>
-          </p:nvPr>
-        </p:nvSpPr>
-        <p:spPr/>
-        <p:txBody>
-          <a:bodyPr/>
-          <a:lstStyle/>
-          <a:p>
-            <a:fld id="{46B7D9C3-E229-45A3-B8AB-0AC9B1E4CE0F}" type="slidenum">
-              <a:rPr lang="da-DK" smtClean="0"/>
-              <a:pPr/>
-              <a:t>24</a:t>
             </a:fld>
             <a:endParaRPr lang="da-DK" dirty="0"/>
           </a:p>
